--- a/assignment2/Assignment2.pptx
+++ b/assignment2/Assignment2.pptx
@@ -5,7 +5,7 @@
     <p:sldMasterId id="2147483648" r:id="rId1"/>
   </p:sldMasterIdLst>
   <p:notesMasterIdLst>
-    <p:notesMasterId r:id="rId8"/>
+    <p:notesMasterId r:id="rId9"/>
   </p:notesMasterIdLst>
   <p:sldIdLst>
     <p:sldId id="259" r:id="rId2"/>
@@ -14,6 +14,7 @@
     <p:sldId id="257" r:id="rId5"/>
     <p:sldId id="260" r:id="rId6"/>
     <p:sldId id="261" r:id="rId7"/>
+    <p:sldId id="262" r:id="rId8"/>
   </p:sldIdLst>
   <p:sldSz cx="12192000" cy="6858000"/>
   <p:notesSz cx="6858000" cy="9144000"/>
@@ -112,6 +113,11 @@
       </a:defRPr>
     </a:lvl9pPr>
   </p:defaultTextStyle>
+  <p:extLst>
+    <p:ext uri="{EFAFB233-063F-42B5-8137-9DF3F51BA10A}">
+      <p15:sldGuideLst xmlns:p15="http://schemas.microsoft.com/office/powerpoint/2012/main"/>
+    </p:ext>
+  </p:extLst>
 </p:presentation>
 </file>
 
@@ -6140,6 +6146,216 @@
     <p:extLst>
       <p:ext uri="{BB962C8B-B14F-4D97-AF65-F5344CB8AC3E}">
         <p14:creationId xmlns:p14="http://schemas.microsoft.com/office/powerpoint/2010/main" val="1386237784"/>
+      </p:ext>
+    </p:extLst>
+  </p:cSld>
+  <p:clrMapOvr>
+    <a:masterClrMapping/>
+  </p:clrMapOvr>
+</p:sld>
+</file>
+
+<file path=ppt/slides/slide7.xml><?xml version="1.0" encoding="utf-8"?>
+<p:sld xmlns:a="http://schemas.openxmlformats.org/drawingml/2006/main" xmlns:r="http://schemas.openxmlformats.org/officeDocument/2006/relationships" xmlns:p="http://schemas.openxmlformats.org/presentationml/2006/main">
+  <p:cSld>
+    <p:spTree>
+      <p:nvGrpSpPr>
+        <p:cNvPr id="1" name="">
+          <a:extLst>
+            <a:ext uri="{FF2B5EF4-FFF2-40B4-BE49-F238E27FC236}">
+              <a16:creationId xmlns:a16="http://schemas.microsoft.com/office/drawing/2014/main" id="{85491F18-1C2D-BDE8-7D3A-E29FB570F370}"/>
+            </a:ext>
+          </a:extLst>
+        </p:cNvPr>
+        <p:cNvGrpSpPr/>
+        <p:nvPr/>
+      </p:nvGrpSpPr>
+      <p:grpSpPr>
+        <a:xfrm>
+          <a:off x="0" y="0"/>
+          <a:ext cx="0" cy="0"/>
+          <a:chOff x="0" y="0"/>
+          <a:chExt cx="0" cy="0"/>
+        </a:xfrm>
+      </p:grpSpPr>
+      <p:sp>
+        <p:nvSpPr>
+          <p:cNvPr id="4" name="TextBox 3">
+            <a:extLst>
+              <a:ext uri="{FF2B5EF4-FFF2-40B4-BE49-F238E27FC236}">
+                <a16:creationId xmlns:a16="http://schemas.microsoft.com/office/drawing/2014/main" id="{A5906494-EE94-D717-6911-58E0E4545895}"/>
+              </a:ext>
+            </a:extLst>
+          </p:cNvPr>
+          <p:cNvSpPr txBox="1"/>
+          <p:nvPr/>
+        </p:nvSpPr>
+        <p:spPr>
+          <a:xfrm>
+            <a:off x="111760" y="345440"/>
+            <a:ext cx="12346940" cy="4524315"/>
+          </a:xfrm>
+          <a:prstGeom prst="rect">
+            <a:avLst/>
+          </a:prstGeom>
+          <a:noFill/>
+        </p:spPr>
+        <p:txBody>
+          <a:bodyPr wrap="square" rtlCol="0">
+            <a:spAutoFit/>
+          </a:bodyPr>
+          <a:lstStyle/>
+          <a:p>
+            <a:r>
+              <a:rPr lang="en-US" altLang="ko-KR" dirty="0"/>
+              <a:t>Read</a:t>
+            </a:r>
+            <a:r>
+              <a:rPr lang="ko-KR" altLang="en-US" dirty="0"/>
+              <a:t> </a:t>
+            </a:r>
+            <a:r>
+              <a:rPr lang="en-US" altLang="ko-KR" dirty="0"/>
+              <a:t>line</a:t>
+            </a:r>
+          </a:p>
+          <a:p>
+            <a:pPr marL="285750" indent="-285750">
+              <a:buFont typeface="Wingdings" panose="05000000000000000000" pitchFamily="2" charset="2"/>
+              <a:buChar char="è"/>
+            </a:pPr>
+            <a:r>
+              <a:rPr lang="en-US" altLang="ko-KR" dirty="0"/>
+              <a:t>Convert string to hex</a:t>
+            </a:r>
+          </a:p>
+          <a:p>
+            <a:pPr marL="285750" indent="-285750">
+              <a:buFont typeface="Wingdings" panose="05000000000000000000" pitchFamily="2" charset="2"/>
+              <a:buChar char="è"/>
+            </a:pPr>
+            <a:r>
+              <a:rPr lang="en-US" altLang="ko-KR" dirty="0"/>
+              <a:t>Output label, data</a:t>
+            </a:r>
+          </a:p>
+          <a:p>
+            <a:endParaRPr lang="en-US" altLang="ko-KR" dirty="0"/>
+          </a:p>
+          <a:p>
+            <a:r>
+              <a:rPr lang="en-US" altLang="ko-KR" dirty="0"/>
+              <a:t>If(!</a:t>
+            </a:r>
+            <a:r>
+              <a:rPr lang="en-US" altLang="ko-KR" dirty="0" err="1"/>
+              <a:t>cpu.on_process</a:t>
+            </a:r>
+            <a:r>
+              <a:rPr lang="en-US" altLang="ko-KR" dirty="0"/>
+              <a:t>)</a:t>
+            </a:r>
+          </a:p>
+          <a:p>
+            <a:r>
+              <a:rPr lang="en-US" altLang="ko-KR" dirty="0"/>
+              <a:t>-&gt; label, data = Read lines</a:t>
+            </a:r>
+          </a:p>
+          <a:p>
+            <a:r>
+              <a:rPr lang="en-US" altLang="ko-KR" dirty="0"/>
+              <a:t>(case)</a:t>
+            </a:r>
+          </a:p>
+          <a:p>
+            <a:r>
+              <a:rPr lang="en-US" altLang="ko-KR" dirty="0"/>
+              <a:t>Label 0 : memory access and mutex lock. and Set “</a:t>
+            </a:r>
+            <a:r>
+              <a:rPr lang="en-US" altLang="ko-KR" dirty="0" err="1"/>
+              <a:t>on_process</a:t>
+            </a:r>
+            <a:r>
+              <a:rPr lang="en-US" altLang="ko-KR" dirty="0"/>
+              <a:t>” until target cycle = latency (100)</a:t>
+            </a:r>
+          </a:p>
+          <a:p>
+            <a:r>
+              <a:rPr lang="en-US" altLang="ko-KR" dirty="0"/>
+              <a:t>Label 1 : memory access and mutex lock. And Set “</a:t>
+            </a:r>
+            <a:r>
+              <a:rPr lang="en-US" altLang="ko-KR" dirty="0" err="1"/>
+              <a:t>on_process</a:t>
+            </a:r>
+            <a:r>
+              <a:rPr lang="en-US" altLang="ko-KR" dirty="0"/>
+              <a:t>” until target cycle = latency (100)</a:t>
+            </a:r>
+          </a:p>
+          <a:p>
+            <a:r>
+              <a:rPr lang="en-US" altLang="ko-KR" dirty="0"/>
+              <a:t>Label 2 : compute cycle (hold). 	         And set “</a:t>
+            </a:r>
+            <a:r>
+              <a:rPr lang="en-US" altLang="ko-KR" dirty="0" err="1"/>
+              <a:t>on_process</a:t>
+            </a:r>
+            <a:r>
+              <a:rPr lang="en-US" altLang="ko-KR" dirty="0"/>
+              <a:t>” until target cycle = </a:t>
+            </a:r>
+            <a:r>
+              <a:rPr lang="en-US" altLang="ko-KR" dirty="0" err="1"/>
+              <a:t>input_data</a:t>
+            </a:r>
+            <a:r>
+              <a:rPr lang="en-US" altLang="ko-KR" dirty="0"/>
+              <a:t>(data)</a:t>
+            </a:r>
+          </a:p>
+          <a:p>
+            <a:endParaRPr lang="en-US" altLang="ko-KR" dirty="0"/>
+          </a:p>
+          <a:p>
+            <a:r>
+              <a:rPr lang="en-US" altLang="ko-KR" dirty="0"/>
+              <a:t>If(cycle == target cycle)</a:t>
+            </a:r>
+          </a:p>
+          <a:p>
+            <a:r>
+              <a:rPr lang="en-US" altLang="ko-KR" dirty="0"/>
+              <a:t> </a:t>
+            </a:r>
+            <a:r>
+              <a:rPr lang="en-US" altLang="ko-KR" dirty="0" err="1"/>
+              <a:t>cpu.on_process</a:t>
+            </a:r>
+            <a:r>
+              <a:rPr lang="en-US" altLang="ko-KR" dirty="0"/>
+              <a:t> = false;</a:t>
+            </a:r>
+          </a:p>
+          <a:p>
+            <a:endParaRPr lang="en-US" altLang="ko-KR" dirty="0"/>
+          </a:p>
+          <a:p>
+            <a:endParaRPr lang="en-US" altLang="ko-KR" dirty="0"/>
+          </a:p>
+          <a:p>
+            <a:endParaRPr lang="en-US" altLang="ko-KR" dirty="0"/>
+          </a:p>
+        </p:txBody>
+      </p:sp>
+    </p:spTree>
+    <p:extLst>
+      <p:ext uri="{BB962C8B-B14F-4D97-AF65-F5344CB8AC3E}">
+        <p14:creationId xmlns:p14="http://schemas.microsoft.com/office/powerpoint/2010/main" val="432048434"/>
       </p:ext>
     </p:extLst>
   </p:cSld>

--- a/assignment2/Assignment2.pptx
+++ b/assignment2/Assignment2.pptx
@@ -5,7 +5,7 @@
     <p:sldMasterId id="2147483648" r:id="rId1"/>
   </p:sldMasterIdLst>
   <p:notesMasterIdLst>
-    <p:notesMasterId r:id="rId9"/>
+    <p:notesMasterId r:id="rId11"/>
   </p:notesMasterIdLst>
   <p:sldIdLst>
     <p:sldId id="259" r:id="rId2"/>
@@ -13,8 +13,10 @@
     <p:sldId id="256" r:id="rId4"/>
     <p:sldId id="257" r:id="rId5"/>
     <p:sldId id="260" r:id="rId6"/>
-    <p:sldId id="261" r:id="rId7"/>
-    <p:sldId id="262" r:id="rId8"/>
+    <p:sldId id="262" r:id="rId7"/>
+    <p:sldId id="263" r:id="rId8"/>
+    <p:sldId id="264" r:id="rId9"/>
+    <p:sldId id="265" r:id="rId10"/>
   </p:sldIdLst>
   <p:sldSz cx="12192000" cy="6858000"/>
   <p:notesSz cx="6858000" cy="9144000"/>
@@ -5934,7 +5936,7 @@
         <p:spPr>
           <a:xfrm>
             <a:off x="111760" y="345440"/>
-            <a:ext cx="4856480" cy="4801314"/>
+            <a:ext cx="4856480" cy="5355312"/>
           </a:xfrm>
           <a:prstGeom prst="rect">
             <a:avLst/>
@@ -5973,26 +5975,38 @@
           </a:p>
           <a:p>
             <a:r>
+              <a:rPr lang="en-US" altLang="ko-KR" strike="sngStrike" dirty="0"/>
+              <a:t>-read and translate from string to number </a:t>
+            </a:r>
+          </a:p>
+          <a:p>
+            <a:r>
+              <a:rPr lang="en-US" altLang="ko-KR" strike="sngStrike" dirty="0"/>
+              <a:t>-access to cache</a:t>
+            </a:r>
+          </a:p>
+          <a:p>
+            <a:r>
               <a:rPr lang="en-US" altLang="ko-KR" dirty="0"/>
-              <a:t>-read and translate from string to number </a:t>
+              <a:t>-access to dram(mutex)</a:t>
+            </a:r>
+          </a:p>
+          <a:p>
+            <a:r>
+              <a:rPr lang="en-US" altLang="ko-KR" strike="sngStrike" dirty="0"/>
+              <a:t>-set up cycles</a:t>
             </a:r>
           </a:p>
           <a:p>
             <a:r>
               <a:rPr lang="en-US" altLang="ko-KR" dirty="0"/>
-              <a:t>-access to cache</a:t>
-            </a:r>
-          </a:p>
-          <a:p>
-            <a:r>
-              <a:rPr lang="en-US" altLang="ko-KR" dirty="0"/>
-              <a:t>-access to dram</a:t>
-            </a:r>
-          </a:p>
-          <a:p>
-            <a:r>
-              <a:rPr lang="en-US" altLang="ko-KR" dirty="0"/>
-              <a:t>-set up cycles</a:t>
+              <a:t>-thread design</a:t>
+            </a:r>
+          </a:p>
+          <a:p>
+            <a:r>
+              <a:rPr lang="en-US" altLang="ko-KR" strike="sngStrike" dirty="0"/>
+              <a:t>-</a:t>
             </a:r>
           </a:p>
           <a:p>
@@ -6065,97 +6079,6 @@
 </file>
 
 <file path=ppt/slides/slide6.xml><?xml version="1.0" encoding="utf-8"?>
-<p:sld xmlns:a="http://schemas.openxmlformats.org/drawingml/2006/main" xmlns:r="http://schemas.openxmlformats.org/officeDocument/2006/relationships" xmlns:p="http://schemas.openxmlformats.org/presentationml/2006/main">
-  <p:cSld>
-    <p:spTree>
-      <p:nvGrpSpPr>
-        <p:cNvPr id="1" name="">
-          <a:extLst>
-            <a:ext uri="{FF2B5EF4-FFF2-40B4-BE49-F238E27FC236}">
-              <a16:creationId xmlns:a16="http://schemas.microsoft.com/office/drawing/2014/main" id="{828AC14D-2960-0C1A-D63B-26150036F8DC}"/>
-            </a:ext>
-          </a:extLst>
-        </p:cNvPr>
-        <p:cNvGrpSpPr/>
-        <p:nvPr/>
-      </p:nvGrpSpPr>
-      <p:grpSpPr>
-        <a:xfrm>
-          <a:off x="0" y="0"/>
-          <a:ext cx="0" cy="0"/>
-          <a:chOff x="0" y="0"/>
-          <a:chExt cx="0" cy="0"/>
-        </a:xfrm>
-      </p:grpSpPr>
-      <p:sp>
-        <p:nvSpPr>
-          <p:cNvPr id="4" name="TextBox 3">
-            <a:extLst>
-              <a:ext uri="{FF2B5EF4-FFF2-40B4-BE49-F238E27FC236}">
-                <a16:creationId xmlns:a16="http://schemas.microsoft.com/office/drawing/2014/main" id="{B063B7F3-F5D8-6A43-CC1B-5F0DC5A374D3}"/>
-              </a:ext>
-            </a:extLst>
-          </p:cNvPr>
-          <p:cNvSpPr txBox="1"/>
-          <p:nvPr/>
-        </p:nvSpPr>
-        <p:spPr>
-          <a:xfrm>
-            <a:off x="111760" y="345440"/>
-            <a:ext cx="4856480" cy="1754326"/>
-          </a:xfrm>
-          <a:prstGeom prst="rect">
-            <a:avLst/>
-          </a:prstGeom>
-          <a:noFill/>
-        </p:spPr>
-        <p:txBody>
-          <a:bodyPr wrap="square" rtlCol="0">
-            <a:spAutoFit/>
-          </a:bodyPr>
-          <a:lstStyle/>
-          <a:p>
-            <a:r>
-              <a:rPr lang="en-US" altLang="ko-KR" dirty="0" err="1"/>
-              <a:t>DRAM.read</a:t>
-            </a:r>
-            <a:endParaRPr lang="en-US" altLang="ko-KR" dirty="0"/>
-          </a:p>
-          <a:p>
-            <a:r>
-              <a:rPr lang="en-US" altLang="ko-KR" dirty="0" err="1"/>
-              <a:t>DRAM.write</a:t>
-            </a:r>
-            <a:endParaRPr lang="en-US" altLang="ko-KR" dirty="0"/>
-          </a:p>
-          <a:p>
-            <a:endParaRPr lang="en-US" altLang="ko-KR" dirty="0"/>
-          </a:p>
-          <a:p>
-            <a:endParaRPr lang="en-US" altLang="ko-KR" dirty="0"/>
-          </a:p>
-          <a:p>
-            <a:endParaRPr lang="en-US" altLang="ko-KR" dirty="0"/>
-          </a:p>
-          <a:p>
-            <a:endParaRPr lang="en-US" altLang="ko-KR" dirty="0"/>
-          </a:p>
-        </p:txBody>
-      </p:sp>
-    </p:spTree>
-    <p:extLst>
-      <p:ext uri="{BB962C8B-B14F-4D97-AF65-F5344CB8AC3E}">
-        <p14:creationId xmlns:p14="http://schemas.microsoft.com/office/powerpoint/2010/main" val="1386237784"/>
-      </p:ext>
-    </p:extLst>
-  </p:cSld>
-  <p:clrMapOvr>
-    <a:masterClrMapping/>
-  </p:clrMapOvr>
-</p:sld>
-</file>
-
-<file path=ppt/slides/slide7.xml><?xml version="1.0" encoding="utf-8"?>
 <p:sld xmlns:a="http://schemas.openxmlformats.org/drawingml/2006/main" xmlns:r="http://schemas.openxmlformats.org/officeDocument/2006/relationships" xmlns:p="http://schemas.openxmlformats.org/presentationml/2006/main">
   <p:cSld>
     <p:spTree>
@@ -6193,7 +6116,7 @@
         <p:spPr>
           <a:xfrm>
             <a:off x="111760" y="345440"/>
-            <a:ext cx="12346940" cy="4524315"/>
+            <a:ext cx="12346940" cy="2031325"/>
           </a:xfrm>
           <a:prstGeom prst="rect">
             <a:avLst/>
@@ -6243,105 +6166,6 @@
             <a:endParaRPr lang="en-US" altLang="ko-KR" dirty="0"/>
           </a:p>
           <a:p>
-            <a:r>
-              <a:rPr lang="en-US" altLang="ko-KR" dirty="0"/>
-              <a:t>If(!</a:t>
-            </a:r>
-            <a:r>
-              <a:rPr lang="en-US" altLang="ko-KR" dirty="0" err="1"/>
-              <a:t>cpu.on_process</a:t>
-            </a:r>
-            <a:r>
-              <a:rPr lang="en-US" altLang="ko-KR" dirty="0"/>
-              <a:t>)</a:t>
-            </a:r>
-          </a:p>
-          <a:p>
-            <a:r>
-              <a:rPr lang="en-US" altLang="ko-KR" dirty="0"/>
-              <a:t>-&gt; label, data = Read lines</a:t>
-            </a:r>
-          </a:p>
-          <a:p>
-            <a:r>
-              <a:rPr lang="en-US" altLang="ko-KR" dirty="0"/>
-              <a:t>(case)</a:t>
-            </a:r>
-          </a:p>
-          <a:p>
-            <a:r>
-              <a:rPr lang="en-US" altLang="ko-KR" dirty="0"/>
-              <a:t>Label 0 : memory access and mutex lock. and Set “</a:t>
-            </a:r>
-            <a:r>
-              <a:rPr lang="en-US" altLang="ko-KR" dirty="0" err="1"/>
-              <a:t>on_process</a:t>
-            </a:r>
-            <a:r>
-              <a:rPr lang="en-US" altLang="ko-KR" dirty="0"/>
-              <a:t>” until target cycle = latency (100)</a:t>
-            </a:r>
-          </a:p>
-          <a:p>
-            <a:r>
-              <a:rPr lang="en-US" altLang="ko-KR" dirty="0"/>
-              <a:t>Label 1 : memory access and mutex lock. And Set “</a:t>
-            </a:r>
-            <a:r>
-              <a:rPr lang="en-US" altLang="ko-KR" dirty="0" err="1"/>
-              <a:t>on_process</a:t>
-            </a:r>
-            <a:r>
-              <a:rPr lang="en-US" altLang="ko-KR" dirty="0"/>
-              <a:t>” until target cycle = latency (100)</a:t>
-            </a:r>
-          </a:p>
-          <a:p>
-            <a:r>
-              <a:rPr lang="en-US" altLang="ko-KR" dirty="0"/>
-              <a:t>Label 2 : compute cycle (hold). 	         And set “</a:t>
-            </a:r>
-            <a:r>
-              <a:rPr lang="en-US" altLang="ko-KR" dirty="0" err="1"/>
-              <a:t>on_process</a:t>
-            </a:r>
-            <a:r>
-              <a:rPr lang="en-US" altLang="ko-KR" dirty="0"/>
-              <a:t>” until target cycle = </a:t>
-            </a:r>
-            <a:r>
-              <a:rPr lang="en-US" altLang="ko-KR" dirty="0" err="1"/>
-              <a:t>input_data</a:t>
-            </a:r>
-            <a:r>
-              <a:rPr lang="en-US" altLang="ko-KR" dirty="0"/>
-              <a:t>(data)</a:t>
-            </a:r>
-          </a:p>
-          <a:p>
-            <a:endParaRPr lang="en-US" altLang="ko-KR" dirty="0"/>
-          </a:p>
-          <a:p>
-            <a:r>
-              <a:rPr lang="en-US" altLang="ko-KR" dirty="0"/>
-              <a:t>If(cycle == target cycle)</a:t>
-            </a:r>
-          </a:p>
-          <a:p>
-            <a:r>
-              <a:rPr lang="en-US" altLang="ko-KR" dirty="0"/>
-              <a:t> </a:t>
-            </a:r>
-            <a:r>
-              <a:rPr lang="en-US" altLang="ko-KR" dirty="0" err="1"/>
-              <a:t>cpu.on_process</a:t>
-            </a:r>
-            <a:r>
-              <a:rPr lang="en-US" altLang="ko-KR" dirty="0"/>
-              <a:t> = false;</a:t>
-            </a:r>
-          </a:p>
-          <a:p>
             <a:endParaRPr lang="en-US" altLang="ko-KR" dirty="0"/>
           </a:p>
           <a:p>
@@ -6356,6 +6180,475 @@
     <p:extLst>
       <p:ext uri="{BB962C8B-B14F-4D97-AF65-F5344CB8AC3E}">
         <p14:creationId xmlns:p14="http://schemas.microsoft.com/office/powerpoint/2010/main" val="432048434"/>
+      </p:ext>
+    </p:extLst>
+  </p:cSld>
+  <p:clrMapOvr>
+    <a:masterClrMapping/>
+  </p:clrMapOvr>
+</p:sld>
+</file>
+
+<file path=ppt/slides/slide7.xml><?xml version="1.0" encoding="utf-8"?>
+<p:sld xmlns:a="http://schemas.openxmlformats.org/drawingml/2006/main" xmlns:r="http://schemas.openxmlformats.org/officeDocument/2006/relationships" xmlns:p="http://schemas.openxmlformats.org/presentationml/2006/main">
+  <p:cSld>
+    <p:spTree>
+      <p:nvGrpSpPr>
+        <p:cNvPr id="1" name="">
+          <a:extLst>
+            <a:ext uri="{FF2B5EF4-FFF2-40B4-BE49-F238E27FC236}">
+              <a16:creationId xmlns:a16="http://schemas.microsoft.com/office/drawing/2014/main" id="{54344F06-5FBB-7E66-C804-DDC505B61952}"/>
+            </a:ext>
+          </a:extLst>
+        </p:cNvPr>
+        <p:cNvGrpSpPr/>
+        <p:nvPr/>
+      </p:nvGrpSpPr>
+      <p:grpSpPr>
+        <a:xfrm>
+          <a:off x="0" y="0"/>
+          <a:ext cx="0" cy="0"/>
+          <a:chOff x="0" y="0"/>
+          <a:chExt cx="0" cy="0"/>
+        </a:xfrm>
+      </p:grpSpPr>
+      <p:sp>
+        <p:nvSpPr>
+          <p:cNvPr id="4" name="TextBox 3">
+            <a:extLst>
+              <a:ext uri="{FF2B5EF4-FFF2-40B4-BE49-F238E27FC236}">
+                <a16:creationId xmlns:a16="http://schemas.microsoft.com/office/drawing/2014/main" id="{FD0FA297-9D85-2E11-D04A-D0B37CF82DB8}"/>
+              </a:ext>
+            </a:extLst>
+          </p:cNvPr>
+          <p:cNvSpPr txBox="1"/>
+          <p:nvPr/>
+        </p:nvSpPr>
+        <p:spPr>
+          <a:xfrm>
+            <a:off x="111760" y="345440"/>
+            <a:ext cx="12346940" cy="5355312"/>
+          </a:xfrm>
+          <a:prstGeom prst="rect">
+            <a:avLst/>
+          </a:prstGeom>
+          <a:noFill/>
+        </p:spPr>
+        <p:txBody>
+          <a:bodyPr wrap="square" rtlCol="0">
+            <a:spAutoFit/>
+          </a:bodyPr>
+          <a:lstStyle/>
+          <a:p>
+            <a:endParaRPr lang="en-US" altLang="ko-KR" dirty="0"/>
+          </a:p>
+          <a:p>
+            <a:r>
+              <a:rPr lang="en-US" altLang="ko-KR" dirty="0" err="1"/>
+              <a:t>CPU.execute</a:t>
+            </a:r>
+            <a:r>
+              <a:rPr lang="en-US" altLang="ko-KR" dirty="0"/>
+              <a:t> ( label , data){</a:t>
+            </a:r>
+          </a:p>
+          <a:p>
+            <a:endParaRPr lang="en-US" altLang="ko-KR" dirty="0"/>
+          </a:p>
+          <a:p>
+            <a:r>
+              <a:rPr lang="en-US" altLang="ko-KR" dirty="0"/>
+              <a:t>If(!</a:t>
+            </a:r>
+            <a:r>
+              <a:rPr lang="en-US" altLang="ko-KR" dirty="0" err="1"/>
+              <a:t>cpu.on_process</a:t>
+            </a:r>
+            <a:r>
+              <a:rPr lang="en-US" altLang="ko-KR" dirty="0"/>
+              <a:t>)</a:t>
+            </a:r>
+          </a:p>
+          <a:p>
+            <a:r>
+              <a:rPr lang="en-US" altLang="ko-KR" dirty="0"/>
+              <a:t>-&gt; label, data = Read lines</a:t>
+            </a:r>
+          </a:p>
+          <a:p>
+            <a:r>
+              <a:rPr lang="en-US" altLang="ko-KR" dirty="0"/>
+              <a:t>(case)</a:t>
+            </a:r>
+          </a:p>
+          <a:p>
+            <a:r>
+              <a:rPr lang="en-US" altLang="ko-KR" dirty="0"/>
+              <a:t>Label 0 : memory access and mutex lock. and Set “</a:t>
+            </a:r>
+            <a:r>
+              <a:rPr lang="en-US" altLang="ko-KR" dirty="0" err="1"/>
+              <a:t>on_process</a:t>
+            </a:r>
+            <a:r>
+              <a:rPr lang="en-US" altLang="ko-KR" dirty="0"/>
+              <a:t>” until target cycle = latency (100)</a:t>
+            </a:r>
+          </a:p>
+          <a:p>
+            <a:r>
+              <a:rPr lang="en-US" altLang="ko-KR" dirty="0"/>
+              <a:t>Label 1 : memory access and mutex lock. And Set “</a:t>
+            </a:r>
+            <a:r>
+              <a:rPr lang="en-US" altLang="ko-KR" dirty="0" err="1"/>
+              <a:t>on_process</a:t>
+            </a:r>
+            <a:r>
+              <a:rPr lang="en-US" altLang="ko-KR" dirty="0"/>
+              <a:t>” until target cycle = latency (100)</a:t>
+            </a:r>
+          </a:p>
+          <a:p>
+            <a:r>
+              <a:rPr lang="en-US" altLang="ko-KR" dirty="0"/>
+              <a:t>Label 2 : compute cycle (hold). 	         And set “</a:t>
+            </a:r>
+            <a:r>
+              <a:rPr lang="en-US" altLang="ko-KR" dirty="0" err="1"/>
+              <a:t>on_process</a:t>
+            </a:r>
+            <a:r>
+              <a:rPr lang="en-US" altLang="ko-KR" dirty="0"/>
+              <a:t>” until target cycle = </a:t>
+            </a:r>
+            <a:r>
+              <a:rPr lang="en-US" altLang="ko-KR" dirty="0" err="1"/>
+              <a:t>input_data</a:t>
+            </a:r>
+            <a:r>
+              <a:rPr lang="en-US" altLang="ko-KR" dirty="0"/>
+              <a:t>(data)</a:t>
+            </a:r>
+          </a:p>
+          <a:p>
+            <a:endParaRPr lang="en-US" altLang="ko-KR" dirty="0"/>
+          </a:p>
+          <a:p>
+            <a:r>
+              <a:rPr lang="en-US" altLang="ko-KR" dirty="0"/>
+              <a:t>If(cycle == target cycle)</a:t>
+            </a:r>
+          </a:p>
+          <a:p>
+            <a:r>
+              <a:rPr lang="en-US" altLang="ko-KR" dirty="0"/>
+              <a:t> </a:t>
+            </a:r>
+            <a:r>
+              <a:rPr lang="en-US" altLang="ko-KR" dirty="0" err="1"/>
+              <a:t>cpu.on_process</a:t>
+            </a:r>
+            <a:r>
+              <a:rPr lang="en-US" altLang="ko-KR" dirty="0"/>
+              <a:t> = false;</a:t>
+            </a:r>
+          </a:p>
+          <a:p>
+            <a:r>
+              <a:rPr lang="en-US" altLang="ko-KR" dirty="0"/>
+              <a:t>}</a:t>
+            </a:r>
+          </a:p>
+          <a:p>
+            <a:endParaRPr lang="en-US" altLang="ko-KR" dirty="0"/>
+          </a:p>
+          <a:p>
+            <a:r>
+              <a:rPr lang="en-US" altLang="ko-KR" dirty="0" err="1"/>
+              <a:t>CPU.PrintStats</a:t>
+            </a:r>
+            <a:r>
+              <a:rPr lang="en-US" altLang="ko-KR" dirty="0"/>
+              <a:t>(){</a:t>
+            </a:r>
+          </a:p>
+          <a:p>
+            <a:r>
+              <a:rPr lang="en-US" altLang="ko-KR" dirty="0"/>
+              <a:t>Print stats.</a:t>
+            </a:r>
+          </a:p>
+          <a:p>
+            <a:r>
+              <a:rPr lang="en-US" altLang="ko-KR" dirty="0"/>
+              <a:t>Total cycles, # of load/store</a:t>
+            </a:r>
+            <a:r>
+              <a:rPr lang="en-US" altLang="ko-KR"/>
+              <a:t>, compute cycles, </a:t>
+            </a:r>
+            <a:endParaRPr lang="en-US" altLang="ko-KR" dirty="0"/>
+          </a:p>
+          <a:p>
+            <a:r>
+              <a:rPr lang="en-US" altLang="ko-KR" dirty="0"/>
+              <a:t>Cache </a:t>
+            </a:r>
+            <a:r>
+              <a:rPr lang="en-US" altLang="ko-KR" dirty="0" err="1"/>
+              <a:t>hit,miss</a:t>
+            </a:r>
+            <a:endParaRPr lang="en-US" altLang="ko-KR" dirty="0"/>
+          </a:p>
+          <a:p>
+            <a:r>
+              <a:rPr lang="en-US" altLang="ko-KR" dirty="0"/>
+              <a:t>}</a:t>
+            </a:r>
+          </a:p>
+        </p:txBody>
+      </p:sp>
+    </p:spTree>
+    <p:extLst>
+      <p:ext uri="{BB962C8B-B14F-4D97-AF65-F5344CB8AC3E}">
+        <p14:creationId xmlns:p14="http://schemas.microsoft.com/office/powerpoint/2010/main" val="328982327"/>
+      </p:ext>
+    </p:extLst>
+  </p:cSld>
+  <p:clrMapOvr>
+    <a:masterClrMapping/>
+  </p:clrMapOvr>
+</p:sld>
+</file>
+
+<file path=ppt/slides/slide8.xml><?xml version="1.0" encoding="utf-8"?>
+<p:sld xmlns:a="http://schemas.openxmlformats.org/drawingml/2006/main" xmlns:r="http://schemas.openxmlformats.org/officeDocument/2006/relationships" xmlns:p="http://schemas.openxmlformats.org/presentationml/2006/main">
+  <p:cSld>
+    <p:spTree>
+      <p:nvGrpSpPr>
+        <p:cNvPr id="1" name="">
+          <a:extLst>
+            <a:ext uri="{FF2B5EF4-FFF2-40B4-BE49-F238E27FC236}">
+              <a16:creationId xmlns:a16="http://schemas.microsoft.com/office/drawing/2014/main" id="{71E0F4E1-E4B7-017C-79AD-D5BB7F2D20B5}"/>
+            </a:ext>
+          </a:extLst>
+        </p:cNvPr>
+        <p:cNvGrpSpPr/>
+        <p:nvPr/>
+      </p:nvGrpSpPr>
+      <p:grpSpPr>
+        <a:xfrm>
+          <a:off x="0" y="0"/>
+          <a:ext cx="0" cy="0"/>
+          <a:chOff x="0" y="0"/>
+          <a:chExt cx="0" cy="0"/>
+        </a:xfrm>
+      </p:grpSpPr>
+      <p:sp>
+        <p:nvSpPr>
+          <p:cNvPr id="4" name="TextBox 3">
+            <a:extLst>
+              <a:ext uri="{FF2B5EF4-FFF2-40B4-BE49-F238E27FC236}">
+                <a16:creationId xmlns:a16="http://schemas.microsoft.com/office/drawing/2014/main" id="{E1FE7431-7996-874F-B4C4-FE1C1456E3A6}"/>
+              </a:ext>
+            </a:extLst>
+          </p:cNvPr>
+          <p:cNvSpPr txBox="1"/>
+          <p:nvPr/>
+        </p:nvSpPr>
+        <p:spPr>
+          <a:xfrm>
+            <a:off x="111760" y="345440"/>
+            <a:ext cx="12346940" cy="1754326"/>
+          </a:xfrm>
+          <a:prstGeom prst="rect">
+            <a:avLst/>
+          </a:prstGeom>
+          <a:noFill/>
+        </p:spPr>
+        <p:txBody>
+          <a:bodyPr wrap="square" rtlCol="0">
+            <a:spAutoFit/>
+          </a:bodyPr>
+          <a:lstStyle/>
+          <a:p>
+            <a:r>
+              <a:rPr lang="en-US" altLang="ko-KR" dirty="0" err="1"/>
+              <a:t>ThreadExecuteCPU</a:t>
+            </a:r>
+            <a:r>
+              <a:rPr lang="en-US" altLang="ko-KR" dirty="0"/>
+              <a:t>(</a:t>
+            </a:r>
+            <a:r>
+              <a:rPr lang="ko-KR" altLang="en-US" dirty="0"/>
+              <a:t> </a:t>
+            </a:r>
+            <a:r>
+              <a:rPr lang="en-US" altLang="ko-KR" dirty="0" err="1"/>
+              <a:t>cpu</a:t>
+            </a:r>
+            <a:r>
+              <a:rPr lang="en-US" altLang="ko-KR" dirty="0"/>
+              <a:t>, file)</a:t>
+            </a:r>
+          </a:p>
+          <a:p>
+            <a:endParaRPr lang="en-US" altLang="ko-KR" dirty="0"/>
+          </a:p>
+          <a:p>
+            <a:r>
+              <a:rPr lang="en-US" altLang="ko-KR" dirty="0"/>
+              <a:t>While( until nothing to read ){</a:t>
+            </a:r>
+          </a:p>
+          <a:p>
+            <a:r>
+              <a:rPr lang="en-US" altLang="ko-KR" dirty="0"/>
+              <a:t>Read data;</a:t>
+            </a:r>
+          </a:p>
+          <a:p>
+            <a:r>
+              <a:rPr lang="en-US" altLang="ko-KR" dirty="0" err="1"/>
+              <a:t>CPU.execute</a:t>
+            </a:r>
+            <a:r>
+              <a:rPr lang="en-US" altLang="ko-KR" dirty="0"/>
+              <a:t> ( label , data);</a:t>
+            </a:r>
+          </a:p>
+          <a:p>
+            <a:r>
+              <a:rPr lang="en-US" altLang="ko-KR" dirty="0"/>
+              <a:t>}</a:t>
+            </a:r>
+          </a:p>
+        </p:txBody>
+      </p:sp>
+    </p:spTree>
+    <p:extLst>
+      <p:ext uri="{BB962C8B-B14F-4D97-AF65-F5344CB8AC3E}">
+        <p14:creationId xmlns:p14="http://schemas.microsoft.com/office/powerpoint/2010/main" val="4033880879"/>
+      </p:ext>
+    </p:extLst>
+  </p:cSld>
+  <p:clrMapOvr>
+    <a:masterClrMapping/>
+  </p:clrMapOvr>
+</p:sld>
+</file>
+
+<file path=ppt/slides/slide9.xml><?xml version="1.0" encoding="utf-8"?>
+<p:sld xmlns:a="http://schemas.openxmlformats.org/drawingml/2006/main" xmlns:r="http://schemas.openxmlformats.org/officeDocument/2006/relationships" xmlns:p="http://schemas.openxmlformats.org/presentationml/2006/main">
+  <p:cSld>
+    <p:spTree>
+      <p:nvGrpSpPr>
+        <p:cNvPr id="1" name="">
+          <a:extLst>
+            <a:ext uri="{FF2B5EF4-FFF2-40B4-BE49-F238E27FC236}">
+              <a16:creationId xmlns:a16="http://schemas.microsoft.com/office/drawing/2014/main" id="{A0187779-4360-9779-B34C-87E8D933FB28}"/>
+            </a:ext>
+          </a:extLst>
+        </p:cNvPr>
+        <p:cNvGrpSpPr/>
+        <p:nvPr/>
+      </p:nvGrpSpPr>
+      <p:grpSpPr>
+        <a:xfrm>
+          <a:off x="0" y="0"/>
+          <a:ext cx="0" cy="0"/>
+          <a:chOff x="0" y="0"/>
+          <a:chExt cx="0" cy="0"/>
+        </a:xfrm>
+      </p:grpSpPr>
+      <p:sp>
+        <p:nvSpPr>
+          <p:cNvPr id="4" name="TextBox 3">
+            <a:extLst>
+              <a:ext uri="{FF2B5EF4-FFF2-40B4-BE49-F238E27FC236}">
+                <a16:creationId xmlns:a16="http://schemas.microsoft.com/office/drawing/2014/main" id="{098D4C2F-1169-B7A6-4E5C-D8BBFCF29161}"/>
+              </a:ext>
+            </a:extLst>
+          </p:cNvPr>
+          <p:cNvSpPr txBox="1"/>
+          <p:nvPr/>
+        </p:nvSpPr>
+        <p:spPr>
+          <a:xfrm>
+            <a:off x="111760" y="345440"/>
+            <a:ext cx="12346940" cy="1754326"/>
+          </a:xfrm>
+          <a:prstGeom prst="rect">
+            <a:avLst/>
+          </a:prstGeom>
+          <a:noFill/>
+        </p:spPr>
+        <p:txBody>
+          <a:bodyPr wrap="square" rtlCol="0">
+            <a:spAutoFit/>
+          </a:bodyPr>
+          <a:lstStyle/>
+          <a:p>
+            <a:r>
+              <a:rPr lang="en-US" altLang="ko-KR" dirty="0" err="1"/>
+              <a:t>ThreadExecuteCPU</a:t>
+            </a:r>
+            <a:r>
+              <a:rPr lang="en-US" altLang="ko-KR" dirty="0"/>
+              <a:t>(</a:t>
+            </a:r>
+            <a:r>
+              <a:rPr lang="ko-KR" altLang="en-US" dirty="0"/>
+              <a:t> </a:t>
+            </a:r>
+            <a:r>
+              <a:rPr lang="en-US" altLang="ko-KR" dirty="0" err="1"/>
+              <a:t>cpu</a:t>
+            </a:r>
+            <a:r>
+              <a:rPr lang="en-US" altLang="ko-KR" dirty="0"/>
+              <a:t>, file)</a:t>
+            </a:r>
+          </a:p>
+          <a:p>
+            <a:endParaRPr lang="en-US" altLang="ko-KR" dirty="0"/>
+          </a:p>
+          <a:p>
+            <a:r>
+              <a:rPr lang="en-US" altLang="ko-KR" dirty="0"/>
+              <a:t>While( until nothing to read ){</a:t>
+            </a:r>
+          </a:p>
+          <a:p>
+            <a:r>
+              <a:rPr lang="en-US" altLang="ko-KR" dirty="0"/>
+              <a:t>Read data;</a:t>
+            </a:r>
+          </a:p>
+          <a:p>
+            <a:r>
+              <a:rPr lang="en-US" altLang="ko-KR" dirty="0" err="1"/>
+              <a:t>CPU.execute</a:t>
+            </a:r>
+            <a:r>
+              <a:rPr lang="en-US" altLang="ko-KR" dirty="0"/>
+              <a:t> ( label , data);</a:t>
+            </a:r>
+          </a:p>
+          <a:p>
+            <a:r>
+              <a:rPr lang="en-US" altLang="ko-KR" dirty="0"/>
+              <a:t>}</a:t>
+            </a:r>
+          </a:p>
+        </p:txBody>
+      </p:sp>
+    </p:spTree>
+    <p:extLst>
+      <p:ext uri="{BB962C8B-B14F-4D97-AF65-F5344CB8AC3E}">
+        <p14:creationId xmlns:p14="http://schemas.microsoft.com/office/powerpoint/2010/main" val="624881087"/>
       </p:ext>
     </p:extLst>
   </p:cSld>

--- a/assignment2/Assignment2.pptx
+++ b/assignment2/Assignment2.pptx
@@ -5,18 +5,19 @@
     <p:sldMasterId id="2147483648" r:id="rId1"/>
   </p:sldMasterIdLst>
   <p:notesMasterIdLst>
-    <p:notesMasterId r:id="rId11"/>
+    <p:notesMasterId r:id="rId12"/>
   </p:notesMasterIdLst>
   <p:sldIdLst>
     <p:sldId id="259" r:id="rId2"/>
     <p:sldId id="258" r:id="rId3"/>
     <p:sldId id="256" r:id="rId4"/>
     <p:sldId id="257" r:id="rId5"/>
-    <p:sldId id="260" r:id="rId6"/>
-    <p:sldId id="262" r:id="rId7"/>
-    <p:sldId id="263" r:id="rId8"/>
-    <p:sldId id="264" r:id="rId9"/>
-    <p:sldId id="265" r:id="rId10"/>
+    <p:sldId id="266" r:id="rId6"/>
+    <p:sldId id="260" r:id="rId7"/>
+    <p:sldId id="262" r:id="rId8"/>
+    <p:sldId id="263" r:id="rId9"/>
+    <p:sldId id="264" r:id="rId10"/>
+    <p:sldId id="265" r:id="rId11"/>
   </p:sldIdLst>
   <p:sldSz cx="12192000" cy="6858000"/>
   <p:notesSz cx="6858000" cy="9144000"/>
@@ -205,7 +206,7 @@
           <a:p>
             <a:fld id="{E0526D6B-6785-48FA-9A0F-025C9B50690D}" type="datetimeFigureOut">
               <a:rPr lang="ko-KR" altLang="en-US" smtClean="0"/>
-              <a:t>2024-10-20</a:t>
+              <a:t>2024-10-22</a:t>
             </a:fld>
             <a:endParaRPr lang="ko-KR" altLang="en-US"/>
           </a:p>
@@ -802,7 +803,7 @@
           <a:p>
             <a:fld id="{A00CF5C5-0F2B-4F7A-8484-F6806A9ADAF4}" type="datetimeFigureOut">
               <a:rPr lang="ko-KR" altLang="en-US" smtClean="0"/>
-              <a:t>2024-10-20</a:t>
+              <a:t>2024-10-22</a:t>
             </a:fld>
             <a:endParaRPr lang="ko-KR" altLang="en-US"/>
           </a:p>
@@ -1000,7 +1001,7 @@
           <a:p>
             <a:fld id="{A00CF5C5-0F2B-4F7A-8484-F6806A9ADAF4}" type="datetimeFigureOut">
               <a:rPr lang="ko-KR" altLang="en-US" smtClean="0"/>
-              <a:t>2024-10-20</a:t>
+              <a:t>2024-10-22</a:t>
             </a:fld>
             <a:endParaRPr lang="ko-KR" altLang="en-US"/>
           </a:p>
@@ -1208,7 +1209,7 @@
           <a:p>
             <a:fld id="{A00CF5C5-0F2B-4F7A-8484-F6806A9ADAF4}" type="datetimeFigureOut">
               <a:rPr lang="ko-KR" altLang="en-US" smtClean="0"/>
-              <a:t>2024-10-20</a:t>
+              <a:t>2024-10-22</a:t>
             </a:fld>
             <a:endParaRPr lang="ko-KR" altLang="en-US"/>
           </a:p>
@@ -1406,7 +1407,7 @@
           <a:p>
             <a:fld id="{A00CF5C5-0F2B-4F7A-8484-F6806A9ADAF4}" type="datetimeFigureOut">
               <a:rPr lang="ko-KR" altLang="en-US" smtClean="0"/>
-              <a:t>2024-10-20</a:t>
+              <a:t>2024-10-22</a:t>
             </a:fld>
             <a:endParaRPr lang="ko-KR" altLang="en-US"/>
           </a:p>
@@ -1681,7 +1682,7 @@
           <a:p>
             <a:fld id="{A00CF5C5-0F2B-4F7A-8484-F6806A9ADAF4}" type="datetimeFigureOut">
               <a:rPr lang="ko-KR" altLang="en-US" smtClean="0"/>
-              <a:t>2024-10-20</a:t>
+              <a:t>2024-10-22</a:t>
             </a:fld>
             <a:endParaRPr lang="ko-KR" altLang="en-US"/>
           </a:p>
@@ -1946,7 +1947,7 @@
           <a:p>
             <a:fld id="{A00CF5C5-0F2B-4F7A-8484-F6806A9ADAF4}" type="datetimeFigureOut">
               <a:rPr lang="ko-KR" altLang="en-US" smtClean="0"/>
-              <a:t>2024-10-20</a:t>
+              <a:t>2024-10-22</a:t>
             </a:fld>
             <a:endParaRPr lang="ko-KR" altLang="en-US"/>
           </a:p>
@@ -2358,7 +2359,7 @@
           <a:p>
             <a:fld id="{A00CF5C5-0F2B-4F7A-8484-F6806A9ADAF4}" type="datetimeFigureOut">
               <a:rPr lang="ko-KR" altLang="en-US" smtClean="0"/>
-              <a:t>2024-10-20</a:t>
+              <a:t>2024-10-22</a:t>
             </a:fld>
             <a:endParaRPr lang="ko-KR" altLang="en-US"/>
           </a:p>
@@ -2499,7 +2500,7 @@
           <a:p>
             <a:fld id="{A00CF5C5-0F2B-4F7A-8484-F6806A9ADAF4}" type="datetimeFigureOut">
               <a:rPr lang="ko-KR" altLang="en-US" smtClean="0"/>
-              <a:t>2024-10-20</a:t>
+              <a:t>2024-10-22</a:t>
             </a:fld>
             <a:endParaRPr lang="ko-KR" altLang="en-US"/>
           </a:p>
@@ -2612,7 +2613,7 @@
           <a:p>
             <a:fld id="{A00CF5C5-0F2B-4F7A-8484-F6806A9ADAF4}" type="datetimeFigureOut">
               <a:rPr lang="ko-KR" altLang="en-US" smtClean="0"/>
-              <a:t>2024-10-20</a:t>
+              <a:t>2024-10-22</a:t>
             </a:fld>
             <a:endParaRPr lang="ko-KR" altLang="en-US"/>
           </a:p>
@@ -2923,7 +2924,7 @@
           <a:p>
             <a:fld id="{A00CF5C5-0F2B-4F7A-8484-F6806A9ADAF4}" type="datetimeFigureOut">
               <a:rPr lang="ko-KR" altLang="en-US" smtClean="0"/>
-              <a:t>2024-10-20</a:t>
+              <a:t>2024-10-22</a:t>
             </a:fld>
             <a:endParaRPr lang="ko-KR" altLang="en-US"/>
           </a:p>
@@ -3211,7 +3212,7 @@
           <a:p>
             <a:fld id="{A00CF5C5-0F2B-4F7A-8484-F6806A9ADAF4}" type="datetimeFigureOut">
               <a:rPr lang="ko-KR" altLang="en-US" smtClean="0"/>
-              <a:t>2024-10-20</a:t>
+              <a:t>2024-10-22</a:t>
             </a:fld>
             <a:endParaRPr lang="ko-KR" altLang="en-US"/>
           </a:p>
@@ -3452,7 +3453,7 @@
           <a:p>
             <a:fld id="{A00CF5C5-0F2B-4F7A-8484-F6806A9ADAF4}" type="datetimeFigureOut">
               <a:rPr lang="ko-KR" altLang="en-US" smtClean="0"/>
-              <a:t>2024-10-20</a:t>
+              <a:t>2024-10-22</a:t>
             </a:fld>
             <a:endParaRPr lang="ko-KR" altLang="en-US"/>
           </a:p>
@@ -4106,6 +4107,479 @@
 </p:sld>
 </file>
 
+<file path=ppt/slides/slide10.xml><?xml version="1.0" encoding="utf-8"?>
+<p:sld xmlns:a="http://schemas.openxmlformats.org/drawingml/2006/main" xmlns:r="http://schemas.openxmlformats.org/officeDocument/2006/relationships" xmlns:p="http://schemas.openxmlformats.org/presentationml/2006/main">
+  <p:cSld>
+    <p:spTree>
+      <p:nvGrpSpPr>
+        <p:cNvPr id="1" name="">
+          <a:extLst>
+            <a:ext uri="{FF2B5EF4-FFF2-40B4-BE49-F238E27FC236}">
+              <a16:creationId xmlns:a16="http://schemas.microsoft.com/office/drawing/2014/main" id="{A0187779-4360-9779-B34C-87E8D933FB28}"/>
+            </a:ext>
+          </a:extLst>
+        </p:cNvPr>
+        <p:cNvGrpSpPr/>
+        <p:nvPr/>
+      </p:nvGrpSpPr>
+      <p:grpSpPr>
+        <a:xfrm>
+          <a:off x="0" y="0"/>
+          <a:ext cx="0" cy="0"/>
+          <a:chOff x="0" y="0"/>
+          <a:chExt cx="0" cy="0"/>
+        </a:xfrm>
+      </p:grpSpPr>
+      <p:sp>
+        <p:nvSpPr>
+          <p:cNvPr id="4" name="TextBox 3">
+            <a:extLst>
+              <a:ext uri="{FF2B5EF4-FFF2-40B4-BE49-F238E27FC236}">
+                <a16:creationId xmlns:a16="http://schemas.microsoft.com/office/drawing/2014/main" id="{098D4C2F-1169-B7A6-4E5C-D8BBFCF29161}"/>
+              </a:ext>
+            </a:extLst>
+          </p:cNvPr>
+          <p:cNvSpPr txBox="1"/>
+          <p:nvPr/>
+        </p:nvSpPr>
+        <p:spPr>
+          <a:xfrm>
+            <a:off x="111760" y="345440"/>
+            <a:ext cx="12346940" cy="3693319"/>
+          </a:xfrm>
+          <a:prstGeom prst="rect">
+            <a:avLst/>
+          </a:prstGeom>
+          <a:noFill/>
+        </p:spPr>
+        <p:txBody>
+          <a:bodyPr wrap="square" rtlCol="0">
+            <a:spAutoFit/>
+          </a:bodyPr>
+          <a:lstStyle/>
+          <a:p>
+            <a:endParaRPr lang="en-US" altLang="ko-KR" dirty="0"/>
+          </a:p>
+          <a:p>
+            <a:r>
+              <a:rPr lang="en-US" altLang="ko-KR" dirty="0"/>
+              <a:t>Total cycles = 0;</a:t>
+            </a:r>
+          </a:p>
+          <a:p>
+            <a:r>
+              <a:rPr lang="en-US" altLang="ko-KR" dirty="0"/>
+              <a:t>While(</a:t>
+            </a:r>
+            <a:r>
+              <a:rPr lang="en-US" altLang="ko-KR" dirty="0" err="1"/>
+              <a:t>Readfile_available</a:t>
+            </a:r>
+            <a:r>
+              <a:rPr lang="en-US" altLang="ko-KR" dirty="0"/>
+              <a:t>){</a:t>
+            </a:r>
+          </a:p>
+          <a:p>
+            <a:r>
+              <a:rPr lang="en-US" altLang="ko-KR" dirty="0"/>
+              <a:t>Set </a:t>
+            </a:r>
+            <a:r>
+              <a:rPr lang="en-US" altLang="ko-KR" dirty="0" err="1"/>
+              <a:t>Readfile_available</a:t>
+            </a:r>
+            <a:r>
+              <a:rPr lang="en-US" altLang="ko-KR" dirty="0"/>
+              <a:t>  = false;</a:t>
+            </a:r>
+          </a:p>
+          <a:p>
+            <a:r>
+              <a:rPr lang="en-US" altLang="ko-KR" dirty="0" err="1"/>
+              <a:t>Readfile_available</a:t>
+            </a:r>
+            <a:r>
+              <a:rPr lang="en-US" altLang="ko-KR" dirty="0"/>
+              <a:t> = CPU1.Execute </a:t>
+            </a:r>
+          </a:p>
+          <a:p>
+            <a:r>
+              <a:rPr lang="en-US" altLang="ko-KR" dirty="0" err="1"/>
+              <a:t>Readfile_available</a:t>
+            </a:r>
+            <a:r>
+              <a:rPr lang="en-US" altLang="ko-KR" dirty="0"/>
+              <a:t> = CPU2.Execute </a:t>
+            </a:r>
+          </a:p>
+          <a:p>
+            <a:r>
+              <a:rPr lang="en-US" altLang="ko-KR" dirty="0" err="1"/>
+              <a:t>Readfile_available</a:t>
+            </a:r>
+            <a:r>
+              <a:rPr lang="en-US" altLang="ko-KR" dirty="0"/>
+              <a:t> = CPU3.Execute </a:t>
+            </a:r>
+          </a:p>
+          <a:p>
+            <a:r>
+              <a:rPr lang="en-US" altLang="ko-KR" dirty="0" err="1"/>
+              <a:t>Readfile_available</a:t>
+            </a:r>
+            <a:r>
+              <a:rPr lang="en-US" altLang="ko-KR" dirty="0"/>
+              <a:t> = CPU4.Execute </a:t>
+            </a:r>
+          </a:p>
+          <a:p>
+            <a:r>
+              <a:rPr lang="en-US" altLang="ko-KR" dirty="0"/>
+              <a:t>Cycles ++;</a:t>
+            </a:r>
+          </a:p>
+          <a:p>
+            <a:r>
+              <a:rPr lang="en-US" altLang="ko-KR" dirty="0"/>
+              <a:t>}</a:t>
+            </a:r>
+          </a:p>
+          <a:p>
+            <a:endParaRPr lang="en-US" altLang="ko-KR" dirty="0"/>
+          </a:p>
+          <a:p>
+            <a:endParaRPr lang="en-US" altLang="ko-KR" dirty="0"/>
+          </a:p>
+          <a:p>
+            <a:endParaRPr lang="en-US" altLang="ko-KR" dirty="0"/>
+          </a:p>
+        </p:txBody>
+      </p:sp>
+      <p:sp>
+        <p:nvSpPr>
+          <p:cNvPr id="2" name="직사각형 1">
+            <a:extLst>
+              <a:ext uri="{FF2B5EF4-FFF2-40B4-BE49-F238E27FC236}">
+                <a16:creationId xmlns:a16="http://schemas.microsoft.com/office/drawing/2014/main" id="{5DB24D84-3277-97AD-3A3E-72FF05225618}"/>
+              </a:ext>
+            </a:extLst>
+          </p:cNvPr>
+          <p:cNvSpPr/>
+          <p:nvPr/>
+        </p:nvSpPr>
+        <p:spPr>
+          <a:xfrm>
+            <a:off x="6646128" y="345440"/>
+            <a:ext cx="2430965" cy="814287"/>
+          </a:xfrm>
+          <a:prstGeom prst="rect">
+            <a:avLst/>
+          </a:prstGeom>
+        </p:spPr>
+        <p:style>
+          <a:lnRef idx="2">
+            <a:schemeClr val="accent1">
+              <a:shade val="15000"/>
+            </a:schemeClr>
+          </a:lnRef>
+          <a:fillRef idx="1">
+            <a:schemeClr val="accent1"/>
+          </a:fillRef>
+          <a:effectRef idx="0">
+            <a:schemeClr val="accent1"/>
+          </a:effectRef>
+          <a:fontRef idx="minor">
+            <a:schemeClr val="lt1"/>
+          </a:fontRef>
+        </p:style>
+        <p:txBody>
+          <a:bodyPr rtlCol="0" anchor="ctr"/>
+          <a:lstStyle/>
+          <a:p>
+            <a:pPr algn="ctr"/>
+            <a:r>
+              <a:rPr lang="en-US" altLang="ko-KR" dirty="0"/>
+              <a:t>Execute CPU</a:t>
+            </a:r>
+            <a:endParaRPr lang="ko-KR" altLang="en-US" dirty="0"/>
+          </a:p>
+        </p:txBody>
+      </p:sp>
+      <p:sp>
+        <p:nvSpPr>
+          <p:cNvPr id="3" name="직사각형 2">
+            <a:extLst>
+              <a:ext uri="{FF2B5EF4-FFF2-40B4-BE49-F238E27FC236}">
+                <a16:creationId xmlns:a16="http://schemas.microsoft.com/office/drawing/2014/main" id="{11E1A94E-461A-8A03-AA3F-F60358692C55}"/>
+              </a:ext>
+            </a:extLst>
+          </p:cNvPr>
+          <p:cNvSpPr/>
+          <p:nvPr/>
+        </p:nvSpPr>
+        <p:spPr>
+          <a:xfrm>
+            <a:off x="6556917" y="5170202"/>
+            <a:ext cx="2430965" cy="814287"/>
+          </a:xfrm>
+          <a:prstGeom prst="rect">
+            <a:avLst/>
+          </a:prstGeom>
+        </p:spPr>
+        <p:style>
+          <a:lnRef idx="2">
+            <a:schemeClr val="accent1">
+              <a:shade val="15000"/>
+            </a:schemeClr>
+          </a:lnRef>
+          <a:fillRef idx="1">
+            <a:schemeClr val="accent1"/>
+          </a:fillRef>
+          <a:effectRef idx="0">
+            <a:schemeClr val="accent1"/>
+          </a:effectRef>
+          <a:fontRef idx="minor">
+            <a:schemeClr val="lt1"/>
+          </a:fontRef>
+        </p:style>
+        <p:txBody>
+          <a:bodyPr rtlCol="0" anchor="ctr"/>
+          <a:lstStyle/>
+          <a:p>
+            <a:pPr algn="ctr"/>
+            <a:r>
+              <a:rPr lang="en-US" altLang="ko-KR" dirty="0"/>
+              <a:t>Execute CPU</a:t>
+            </a:r>
+            <a:endParaRPr lang="ko-KR" altLang="en-US" dirty="0"/>
+          </a:p>
+        </p:txBody>
+      </p:sp>
+      <p:sp>
+        <p:nvSpPr>
+          <p:cNvPr id="5" name="다이아몬드 4">
+            <a:extLst>
+              <a:ext uri="{FF2B5EF4-FFF2-40B4-BE49-F238E27FC236}">
+                <a16:creationId xmlns:a16="http://schemas.microsoft.com/office/drawing/2014/main" id="{DC136F4D-B4E7-D327-CE58-6893AADFB949}"/>
+              </a:ext>
+            </a:extLst>
+          </p:cNvPr>
+          <p:cNvSpPr/>
+          <p:nvPr/>
+        </p:nvSpPr>
+        <p:spPr>
+          <a:xfrm>
+            <a:off x="6233531" y="2973661"/>
+            <a:ext cx="3256156" cy="1137424"/>
+          </a:xfrm>
+          <a:prstGeom prst="diamond">
+            <a:avLst/>
+          </a:prstGeom>
+        </p:spPr>
+        <p:style>
+          <a:lnRef idx="2">
+            <a:schemeClr val="accent1">
+              <a:shade val="15000"/>
+            </a:schemeClr>
+          </a:lnRef>
+          <a:fillRef idx="1">
+            <a:schemeClr val="accent1"/>
+          </a:fillRef>
+          <a:effectRef idx="0">
+            <a:schemeClr val="accent1"/>
+          </a:effectRef>
+          <a:fontRef idx="minor">
+            <a:schemeClr val="lt1"/>
+          </a:fontRef>
+        </p:style>
+        <p:txBody>
+          <a:bodyPr rtlCol="0" anchor="ctr"/>
+          <a:lstStyle/>
+          <a:p>
+            <a:pPr algn="ctr"/>
+            <a:r>
+              <a:rPr lang="en-US" altLang="ko-KR" sz="1600" dirty="0" err="1"/>
+              <a:t>Read_available</a:t>
+            </a:r>
+            <a:r>
+              <a:rPr lang="en-US" altLang="ko-KR" sz="1600" dirty="0"/>
+              <a:t>?</a:t>
+            </a:r>
+            <a:br>
+              <a:rPr lang="en-US" altLang="ko-KR" sz="1600" dirty="0"/>
+            </a:br>
+            <a:r>
+              <a:rPr lang="en-US" altLang="ko-KR" sz="1600" dirty="0"/>
+              <a:t>At least 1 file</a:t>
+            </a:r>
+            <a:endParaRPr lang="ko-KR" altLang="en-US" sz="1600" dirty="0"/>
+          </a:p>
+        </p:txBody>
+      </p:sp>
+      <p:cxnSp>
+        <p:nvCxnSpPr>
+          <p:cNvPr id="9" name="직선 연결선 8">
+            <a:extLst>
+              <a:ext uri="{FF2B5EF4-FFF2-40B4-BE49-F238E27FC236}">
+                <a16:creationId xmlns:a16="http://schemas.microsoft.com/office/drawing/2014/main" id="{069B139F-4253-8FEF-4D39-C5B18BE38BB2}"/>
+              </a:ext>
+            </a:extLst>
+          </p:cNvPr>
+          <p:cNvCxnSpPr/>
+          <p:nvPr/>
+        </p:nvCxnSpPr>
+        <p:spPr>
+          <a:xfrm flipH="1">
+            <a:off x="5319132" y="3542373"/>
+            <a:ext cx="680224" cy="0"/>
+          </a:xfrm>
+          <a:prstGeom prst="line">
+            <a:avLst/>
+          </a:prstGeom>
+        </p:spPr>
+        <p:style>
+          <a:lnRef idx="2">
+            <a:schemeClr val="accent1"/>
+          </a:lnRef>
+          <a:fillRef idx="0">
+            <a:schemeClr val="accent1"/>
+          </a:fillRef>
+          <a:effectRef idx="1">
+            <a:schemeClr val="accent1"/>
+          </a:effectRef>
+          <a:fontRef idx="minor">
+            <a:schemeClr val="tx1"/>
+          </a:fontRef>
+        </p:style>
+      </p:cxnSp>
+      <p:cxnSp>
+        <p:nvCxnSpPr>
+          <p:cNvPr id="10" name="직선 연결선 9">
+            <a:extLst>
+              <a:ext uri="{FF2B5EF4-FFF2-40B4-BE49-F238E27FC236}">
+                <a16:creationId xmlns:a16="http://schemas.microsoft.com/office/drawing/2014/main" id="{2D09DB7D-26A8-B666-050F-C98DA3E3D713}"/>
+              </a:ext>
+            </a:extLst>
+          </p:cNvPr>
+          <p:cNvCxnSpPr>
+            <a:cxnSpLocks/>
+          </p:cNvCxnSpPr>
+          <p:nvPr/>
+        </p:nvCxnSpPr>
+        <p:spPr>
+          <a:xfrm>
+            <a:off x="5319132" y="669073"/>
+            <a:ext cx="0" cy="2875812"/>
+          </a:xfrm>
+          <a:prstGeom prst="line">
+            <a:avLst/>
+          </a:prstGeom>
+        </p:spPr>
+        <p:style>
+          <a:lnRef idx="2">
+            <a:schemeClr val="accent1"/>
+          </a:lnRef>
+          <a:fillRef idx="0">
+            <a:schemeClr val="accent1"/>
+          </a:fillRef>
+          <a:effectRef idx="1">
+            <a:schemeClr val="accent1"/>
+          </a:effectRef>
+          <a:fontRef idx="minor">
+            <a:schemeClr val="tx1"/>
+          </a:fontRef>
+        </p:style>
+      </p:cxnSp>
+      <p:cxnSp>
+        <p:nvCxnSpPr>
+          <p:cNvPr id="14" name="직선 화살표 연결선 13">
+            <a:extLst>
+              <a:ext uri="{FF2B5EF4-FFF2-40B4-BE49-F238E27FC236}">
+                <a16:creationId xmlns:a16="http://schemas.microsoft.com/office/drawing/2014/main" id="{C433D37A-2FCE-4D2A-14C7-075D872AF925}"/>
+              </a:ext>
+            </a:extLst>
+          </p:cNvPr>
+          <p:cNvCxnSpPr/>
+          <p:nvPr/>
+        </p:nvCxnSpPr>
+        <p:spPr>
+          <a:xfrm>
+            <a:off x="5319132" y="669073"/>
+            <a:ext cx="914399" cy="0"/>
+          </a:xfrm>
+          <a:prstGeom prst="straightConnector1">
+            <a:avLst/>
+          </a:prstGeom>
+          <a:ln>
+            <a:tailEnd type="triangle"/>
+          </a:ln>
+        </p:spPr>
+        <p:style>
+          <a:lnRef idx="2">
+            <a:schemeClr val="accent1"/>
+          </a:lnRef>
+          <a:fillRef idx="0">
+            <a:schemeClr val="accent1"/>
+          </a:fillRef>
+          <a:effectRef idx="1">
+            <a:schemeClr val="accent1"/>
+          </a:effectRef>
+          <a:fontRef idx="minor">
+            <a:schemeClr val="tx1"/>
+          </a:fontRef>
+        </p:style>
+      </p:cxnSp>
+      <p:sp>
+        <p:nvSpPr>
+          <p:cNvPr id="15" name="TextBox 14">
+            <a:extLst>
+              <a:ext uri="{FF2B5EF4-FFF2-40B4-BE49-F238E27FC236}">
+                <a16:creationId xmlns:a16="http://schemas.microsoft.com/office/drawing/2014/main" id="{F5DF84C1-7D8C-A6F3-8A9B-ABBCB54658E3}"/>
+              </a:ext>
+            </a:extLst>
+          </p:cNvPr>
+          <p:cNvSpPr txBox="1"/>
+          <p:nvPr/>
+        </p:nvSpPr>
+        <p:spPr>
+          <a:xfrm>
+            <a:off x="5659244" y="3165605"/>
+            <a:ext cx="776869" cy="369332"/>
+          </a:xfrm>
+          <a:prstGeom prst="rect">
+            <a:avLst/>
+          </a:prstGeom>
+          <a:noFill/>
+        </p:spPr>
+        <p:txBody>
+          <a:bodyPr wrap="square" rtlCol="0">
+            <a:spAutoFit/>
+          </a:bodyPr>
+          <a:lstStyle/>
+          <a:p>
+            <a:r>
+              <a:rPr lang="en-US" altLang="ko-KR" dirty="0"/>
+              <a:t>yes</a:t>
+            </a:r>
+            <a:endParaRPr lang="ko-KR" altLang="en-US" dirty="0"/>
+          </a:p>
+        </p:txBody>
+      </p:sp>
+    </p:spTree>
+    <p:extLst>
+      <p:ext uri="{BB962C8B-B14F-4D97-AF65-F5344CB8AC3E}">
+        <p14:creationId xmlns:p14="http://schemas.microsoft.com/office/powerpoint/2010/main" val="624881087"/>
+      </p:ext>
+    </p:extLst>
+  </p:cSld>
+  <p:clrMapOvr>
+    <a:masterClrMapping/>
+  </p:clrMapOvr>
+</p:sld>
+</file>
+
 <file path=ppt/slides/slide2.xml><?xml version="1.0" encoding="utf-8"?>
 <p:sld xmlns:a="http://schemas.openxmlformats.org/drawingml/2006/main" xmlns:r="http://schemas.openxmlformats.org/officeDocument/2006/relationships" xmlns:p="http://schemas.openxmlformats.org/presentationml/2006/main">
   <p:cSld>
@@ -4940,7 +5414,7 @@
             </a:r>
             <a:r>
               <a:rPr lang="en-US" altLang="ko-KR" sz="1600" dirty="0"/>
-              <a:t>0</a:t>
+              <a:t>2</a:t>
             </a:r>
           </a:p>
         </p:txBody>
@@ -5078,7 +5552,7 @@
             </a:r>
             <a:r>
               <a:rPr lang="en-US" altLang="ko-KR" sz="1600" dirty="0"/>
-              <a:t>1</a:t>
+              <a:t>3</a:t>
             </a:r>
           </a:p>
         </p:txBody>
@@ -5660,69 +6134,9 @@
                 <a:effectLst/>
                 <a:latin typeface="var(--vscode-repl-font-family)"/>
               </a:rPr>
-              <a:t>mem access 0 : 4,994,697 </a:t>
+              <a:t>Total instruction fil1 : 4,994,697 </a:t>
             </a:r>
             <a:endParaRPr lang="en-US" altLang="ko-KR" b="0" i="0" u="sng" dirty="0">
-              <a:solidFill>
-                <a:srgbClr val="CCCCCC"/>
-              </a:solidFill>
-              <a:effectLst/>
-              <a:latin typeface="var(--vscode-repl-font-family)"/>
-            </a:endParaRPr>
-          </a:p>
-          <a:p>
-            <a:pPr rtl="1" latinLnBrk="1"/>
-            <a:r>
-              <a:rPr lang="en-US" altLang="ko-KR" b="0" i="0" dirty="0">
-                <a:solidFill>
-                  <a:srgbClr val="3794FF"/>
-                </a:solidFill>
-                <a:effectLst/>
-                <a:latin typeface="var(--vscode-repl-font-family)"/>
-              </a:rPr>
-              <a:t>mem access 1 : 4,980,935 </a:t>
-            </a:r>
-            <a:endParaRPr lang="en-US" altLang="ko-KR" b="0" i="0" u="sng" dirty="0">
-              <a:solidFill>
-                <a:srgbClr val="CCCCCC"/>
-              </a:solidFill>
-              <a:effectLst/>
-              <a:latin typeface="var(--vscode-repl-font-family)"/>
-            </a:endParaRPr>
-          </a:p>
-          <a:p>
-            <a:pPr rtl="1" latinLnBrk="1"/>
-            <a:r>
-              <a:rPr lang="en-US" altLang="ko-KR" b="0" i="0" dirty="0">
-                <a:solidFill>
-                  <a:srgbClr val="3794FF"/>
-                </a:solidFill>
-                <a:effectLst/>
-                <a:latin typeface="var(--vscode-repl-font-family)"/>
-              </a:rPr>
-              <a:t>mem access 2 : 5,018,113 </a:t>
-            </a:r>
-            <a:endParaRPr lang="en-US" altLang="ko-KR" b="0" i="0" u="sng" dirty="0">
-              <a:solidFill>
-                <a:srgbClr val="CCCCCC"/>
-              </a:solidFill>
-              <a:effectLst/>
-              <a:latin typeface="var(--vscode-repl-font-family)"/>
-            </a:endParaRPr>
-          </a:p>
-          <a:p>
-            <a:pPr latinLnBrk="1"/>
-            <a:r>
-              <a:rPr lang="en-US" altLang="ko-KR" b="0" i="0" dirty="0">
-                <a:solidFill>
-                  <a:srgbClr val="3794FF"/>
-                </a:solidFill>
-                <a:effectLst/>
-                <a:latin typeface="var(--vscode-repl-font-family)"/>
-              </a:rPr>
-              <a:t>mem access 3 : 5,006,253</a:t>
-            </a:r>
-            <a:endParaRPr lang="en-US" altLang="ko-KR" b="0" i="0" dirty="0">
               <a:solidFill>
                 <a:srgbClr val="CCCCCC"/>
               </a:solidFill>
@@ -5909,6 +6323,211 @@
   <p:cSld>
     <p:spTree>
       <p:nvGrpSpPr>
+        <p:cNvPr id="1" name="">
+          <a:extLst>
+            <a:ext uri="{FF2B5EF4-FFF2-40B4-BE49-F238E27FC236}">
+              <a16:creationId xmlns:a16="http://schemas.microsoft.com/office/drawing/2014/main" id="{973E9FB6-16C4-EE0D-801B-C6ED0D04C465}"/>
+            </a:ext>
+          </a:extLst>
+        </p:cNvPr>
+        <p:cNvGrpSpPr/>
+        <p:nvPr/>
+      </p:nvGrpSpPr>
+      <p:grpSpPr>
+        <a:xfrm>
+          <a:off x="0" y="0"/>
+          <a:ext cx="0" cy="0"/>
+          <a:chOff x="0" y="0"/>
+          <a:chExt cx="0" cy="0"/>
+        </a:xfrm>
+      </p:grpSpPr>
+      <p:sp>
+        <p:nvSpPr>
+          <p:cNvPr id="4" name="TextBox 3">
+            <a:extLst>
+              <a:ext uri="{FF2B5EF4-FFF2-40B4-BE49-F238E27FC236}">
+                <a16:creationId xmlns:a16="http://schemas.microsoft.com/office/drawing/2014/main" id="{873E118C-E3D4-1C6A-0E07-D4692A41E282}"/>
+              </a:ext>
+            </a:extLst>
+          </p:cNvPr>
+          <p:cNvSpPr txBox="1"/>
+          <p:nvPr/>
+        </p:nvSpPr>
+        <p:spPr>
+          <a:xfrm>
+            <a:off x="111760" y="345440"/>
+            <a:ext cx="12346940" cy="5909310"/>
+          </a:xfrm>
+          <a:prstGeom prst="rect">
+            <a:avLst/>
+          </a:prstGeom>
+          <a:noFill/>
+        </p:spPr>
+        <p:txBody>
+          <a:bodyPr wrap="square" rtlCol="0">
+            <a:spAutoFit/>
+          </a:bodyPr>
+          <a:lstStyle/>
+          <a:p>
+            <a:r>
+              <a:rPr lang="en-US" altLang="ko-KR" dirty="0"/>
+              <a:t>Cycles</a:t>
+            </a:r>
+          </a:p>
+          <a:p>
+            <a:endParaRPr lang="en-US" altLang="ko-KR" dirty="0"/>
+          </a:p>
+          <a:p>
+            <a:r>
+              <a:rPr lang="en-US" altLang="ko-KR" dirty="0" err="1"/>
+              <a:t>Total_cycles</a:t>
+            </a:r>
+            <a:r>
+              <a:rPr lang="en-US" altLang="ko-KR" dirty="0"/>
+              <a:t> : timing, count cycles until end of instructions</a:t>
+            </a:r>
+          </a:p>
+          <a:p>
+            <a:endParaRPr lang="en-US" altLang="ko-KR" dirty="0"/>
+          </a:p>
+          <a:p>
+            <a:r>
+              <a:rPr lang="en-US" altLang="ko-KR" dirty="0" err="1"/>
+              <a:t>Compute_cycles</a:t>
+            </a:r>
+            <a:r>
+              <a:rPr lang="en-US" altLang="ko-KR" dirty="0"/>
+              <a:t>: count label==2(compute) cycles.</a:t>
+            </a:r>
+          </a:p>
+          <a:p>
+            <a:endParaRPr lang="en-US" altLang="ko-KR" dirty="0"/>
+          </a:p>
+          <a:p>
+            <a:r>
+              <a:rPr lang="en-US" altLang="ko-KR" dirty="0" err="1"/>
+              <a:t>Total_instructions</a:t>
+            </a:r>
+            <a:r>
+              <a:rPr lang="en-US" altLang="ko-KR" dirty="0"/>
+              <a:t> : total instructions, # of lines in a file</a:t>
+            </a:r>
+          </a:p>
+          <a:p>
+            <a:endParaRPr lang="en-US" altLang="ko-KR" dirty="0"/>
+          </a:p>
+          <a:p>
+            <a:r>
+              <a:rPr lang="en-US" altLang="ko-KR" dirty="0" err="1"/>
+              <a:t>Num_ls</a:t>
+            </a:r>
+            <a:r>
+              <a:rPr lang="en-US" altLang="ko-KR" dirty="0"/>
+              <a:t> : # of load/store </a:t>
+            </a:r>
+            <a:r>
+              <a:rPr lang="en-US" altLang="ko-KR" dirty="0" err="1"/>
+              <a:t>inst</a:t>
+            </a:r>
+            <a:endParaRPr lang="en-US" altLang="ko-KR" dirty="0"/>
+          </a:p>
+          <a:p>
+            <a:endParaRPr lang="en-US" altLang="ko-KR" dirty="0"/>
+          </a:p>
+          <a:p>
+            <a:r>
+              <a:rPr lang="en-US" altLang="ko-KR" dirty="0" err="1"/>
+              <a:t>Cache_hit</a:t>
+            </a:r>
+            <a:r>
+              <a:rPr lang="en-US" altLang="ko-KR" dirty="0"/>
+              <a:t> : cache hit</a:t>
+            </a:r>
+          </a:p>
+          <a:p>
+            <a:endParaRPr lang="en-US" altLang="ko-KR" dirty="0"/>
+          </a:p>
+          <a:p>
+            <a:r>
+              <a:rPr lang="en-US" altLang="ko-KR" dirty="0" err="1"/>
+              <a:t>Cache_miss</a:t>
+            </a:r>
+            <a:r>
+              <a:rPr lang="en-US" altLang="ko-KR" dirty="0"/>
+              <a:t> : cache miss</a:t>
+            </a:r>
+          </a:p>
+          <a:p>
+            <a:endParaRPr lang="en-US" altLang="ko-KR" dirty="0"/>
+          </a:p>
+          <a:p>
+            <a:endParaRPr lang="en-US" altLang="ko-KR" dirty="0"/>
+          </a:p>
+          <a:p>
+            <a:r>
+              <a:rPr lang="en-US" altLang="ko-KR" dirty="0"/>
+              <a:t>You can trace </a:t>
+            </a:r>
+            <a:br>
+              <a:rPr lang="en-US" altLang="ko-KR" dirty="0"/>
+            </a:br>
+            <a:endParaRPr lang="en-US" altLang="ko-KR" dirty="0"/>
+          </a:p>
+          <a:p>
+            <a:r>
+              <a:rPr lang="en-US" altLang="ko-KR" dirty="0" err="1"/>
+              <a:t>Cache_miss</a:t>
+            </a:r>
+            <a:r>
+              <a:rPr lang="en-US" altLang="ko-KR" dirty="0"/>
+              <a:t>*100(DRAM latency) + cache hit * 1 (hit takes 1 cycle) + </a:t>
+            </a:r>
+            <a:r>
+              <a:rPr lang="en-US" altLang="ko-KR" dirty="0" err="1"/>
+              <a:t>compute_cycles</a:t>
+            </a:r>
+            <a:r>
+              <a:rPr lang="en-US" altLang="ko-KR" dirty="0"/>
+              <a:t> = </a:t>
+            </a:r>
+            <a:r>
+              <a:rPr lang="en-US" altLang="ko-KR" dirty="0" err="1"/>
+              <a:t>total_cycles</a:t>
+            </a:r>
+            <a:r>
+              <a:rPr lang="en-US" altLang="ko-KR" dirty="0"/>
+              <a:t>.</a:t>
+            </a:r>
+          </a:p>
+          <a:p>
+            <a:endParaRPr lang="en-US" altLang="ko-KR" dirty="0"/>
+          </a:p>
+          <a:p>
+            <a:endParaRPr lang="en-US" altLang="ko-KR" dirty="0"/>
+          </a:p>
+          <a:p>
+            <a:endParaRPr lang="en-US" altLang="ko-KR" dirty="0"/>
+          </a:p>
+        </p:txBody>
+      </p:sp>
+    </p:spTree>
+    <p:extLst>
+      <p:ext uri="{BB962C8B-B14F-4D97-AF65-F5344CB8AC3E}">
+        <p14:creationId xmlns:p14="http://schemas.microsoft.com/office/powerpoint/2010/main" val="1047882246"/>
+      </p:ext>
+    </p:extLst>
+  </p:cSld>
+  <p:clrMapOvr>
+    <a:masterClrMapping/>
+  </p:clrMapOvr>
+</p:sld>
+</file>
+
+<file path=ppt/slides/slide6.xml><?xml version="1.0" encoding="utf-8"?>
+<p:sld xmlns:a="http://schemas.openxmlformats.org/drawingml/2006/main" xmlns:r="http://schemas.openxmlformats.org/officeDocument/2006/relationships" xmlns:p="http://schemas.openxmlformats.org/presentationml/2006/main">
+  <p:cSld>
+    <p:spTree>
+      <p:nvGrpSpPr>
         <p:cNvPr id="1" name=""/>
         <p:cNvGrpSpPr/>
         <p:nvPr/>
@@ -5936,7 +6555,7 @@
         <p:spPr>
           <a:xfrm>
             <a:off x="111760" y="345440"/>
-            <a:ext cx="4856480" cy="5355312"/>
+            <a:ext cx="4856480" cy="5078313"/>
           </a:xfrm>
           <a:prstGeom prst="rect">
             <a:avLst/>
@@ -5988,19 +6607,13 @@
           <a:p>
             <a:r>
               <a:rPr lang="en-US" altLang="ko-KR" dirty="0"/>
-              <a:t>-access to dram(mutex)</a:t>
+              <a:t>-access to dram</a:t>
             </a:r>
           </a:p>
           <a:p>
             <a:r>
               <a:rPr lang="en-US" altLang="ko-KR" strike="sngStrike" dirty="0"/>
               <a:t>-set up cycles</a:t>
-            </a:r>
-          </a:p>
-          <a:p>
-            <a:r>
-              <a:rPr lang="en-US" altLang="ko-KR" dirty="0"/>
-              <a:t>-thread design</a:t>
             </a:r>
           </a:p>
           <a:p>
@@ -6078,7 +6691,7 @@
 </p:sld>
 </file>
 
-<file path=ppt/slides/slide6.xml><?xml version="1.0" encoding="utf-8"?>
+<file path=ppt/slides/slide7.xml><?xml version="1.0" encoding="utf-8"?>
 <p:sld xmlns:a="http://schemas.openxmlformats.org/drawingml/2006/main" xmlns:r="http://schemas.openxmlformats.org/officeDocument/2006/relationships" xmlns:p="http://schemas.openxmlformats.org/presentationml/2006/main">
   <p:cSld>
     <p:spTree>
@@ -6189,7 +6802,7 @@
 </p:sld>
 </file>
 
-<file path=ppt/slides/slide7.xml><?xml version="1.0" encoding="utf-8"?>
+<file path=ppt/slides/slide8.xml><?xml version="1.0" encoding="utf-8"?>
 <p:sld xmlns:a="http://schemas.openxmlformats.org/drawingml/2006/main" xmlns:r="http://schemas.openxmlformats.org/officeDocument/2006/relationships" xmlns:p="http://schemas.openxmlformats.org/presentationml/2006/main">
   <p:cSld>
     <p:spTree>
@@ -6422,7 +7035,7 @@
 </p:sld>
 </file>
 
-<file path=ppt/slides/slide8.xml><?xml version="1.0" encoding="utf-8"?>
+<file path=ppt/slides/slide9.xml><?xml version="1.0" encoding="utf-8"?>
 <p:sld xmlns:a="http://schemas.openxmlformats.org/drawingml/2006/main" xmlns:r="http://schemas.openxmlformats.org/officeDocument/2006/relationships" xmlns:p="http://schemas.openxmlformats.org/presentationml/2006/main">
   <p:cSld>
     <p:spTree>
@@ -6531,124 +7144,6 @@
     <p:extLst>
       <p:ext uri="{BB962C8B-B14F-4D97-AF65-F5344CB8AC3E}">
         <p14:creationId xmlns:p14="http://schemas.microsoft.com/office/powerpoint/2010/main" val="4033880879"/>
-      </p:ext>
-    </p:extLst>
-  </p:cSld>
-  <p:clrMapOvr>
-    <a:masterClrMapping/>
-  </p:clrMapOvr>
-</p:sld>
-</file>
-
-<file path=ppt/slides/slide9.xml><?xml version="1.0" encoding="utf-8"?>
-<p:sld xmlns:a="http://schemas.openxmlformats.org/drawingml/2006/main" xmlns:r="http://schemas.openxmlformats.org/officeDocument/2006/relationships" xmlns:p="http://schemas.openxmlformats.org/presentationml/2006/main">
-  <p:cSld>
-    <p:spTree>
-      <p:nvGrpSpPr>
-        <p:cNvPr id="1" name="">
-          <a:extLst>
-            <a:ext uri="{FF2B5EF4-FFF2-40B4-BE49-F238E27FC236}">
-              <a16:creationId xmlns:a16="http://schemas.microsoft.com/office/drawing/2014/main" id="{A0187779-4360-9779-B34C-87E8D933FB28}"/>
-            </a:ext>
-          </a:extLst>
-        </p:cNvPr>
-        <p:cNvGrpSpPr/>
-        <p:nvPr/>
-      </p:nvGrpSpPr>
-      <p:grpSpPr>
-        <a:xfrm>
-          <a:off x="0" y="0"/>
-          <a:ext cx="0" cy="0"/>
-          <a:chOff x="0" y="0"/>
-          <a:chExt cx="0" cy="0"/>
-        </a:xfrm>
-      </p:grpSpPr>
-      <p:sp>
-        <p:nvSpPr>
-          <p:cNvPr id="4" name="TextBox 3">
-            <a:extLst>
-              <a:ext uri="{FF2B5EF4-FFF2-40B4-BE49-F238E27FC236}">
-                <a16:creationId xmlns:a16="http://schemas.microsoft.com/office/drawing/2014/main" id="{098D4C2F-1169-B7A6-4E5C-D8BBFCF29161}"/>
-              </a:ext>
-            </a:extLst>
-          </p:cNvPr>
-          <p:cNvSpPr txBox="1"/>
-          <p:nvPr/>
-        </p:nvSpPr>
-        <p:spPr>
-          <a:xfrm>
-            <a:off x="111760" y="345440"/>
-            <a:ext cx="12346940" cy="1754326"/>
-          </a:xfrm>
-          <a:prstGeom prst="rect">
-            <a:avLst/>
-          </a:prstGeom>
-          <a:noFill/>
-        </p:spPr>
-        <p:txBody>
-          <a:bodyPr wrap="square" rtlCol="0">
-            <a:spAutoFit/>
-          </a:bodyPr>
-          <a:lstStyle/>
-          <a:p>
-            <a:r>
-              <a:rPr lang="en-US" altLang="ko-KR" dirty="0" err="1"/>
-              <a:t>ThreadExecuteCPU</a:t>
-            </a:r>
-            <a:r>
-              <a:rPr lang="en-US" altLang="ko-KR" dirty="0"/>
-              <a:t>(</a:t>
-            </a:r>
-            <a:r>
-              <a:rPr lang="ko-KR" altLang="en-US" dirty="0"/>
-              <a:t> </a:t>
-            </a:r>
-            <a:r>
-              <a:rPr lang="en-US" altLang="ko-KR" dirty="0" err="1"/>
-              <a:t>cpu</a:t>
-            </a:r>
-            <a:r>
-              <a:rPr lang="en-US" altLang="ko-KR" dirty="0"/>
-              <a:t>, file)</a:t>
-            </a:r>
-          </a:p>
-          <a:p>
-            <a:endParaRPr lang="en-US" altLang="ko-KR" dirty="0"/>
-          </a:p>
-          <a:p>
-            <a:r>
-              <a:rPr lang="en-US" altLang="ko-KR" dirty="0"/>
-              <a:t>While( until nothing to read ){</a:t>
-            </a:r>
-          </a:p>
-          <a:p>
-            <a:r>
-              <a:rPr lang="en-US" altLang="ko-KR" dirty="0"/>
-              <a:t>Read data;</a:t>
-            </a:r>
-          </a:p>
-          <a:p>
-            <a:r>
-              <a:rPr lang="en-US" altLang="ko-KR" dirty="0" err="1"/>
-              <a:t>CPU.execute</a:t>
-            </a:r>
-            <a:r>
-              <a:rPr lang="en-US" altLang="ko-KR" dirty="0"/>
-              <a:t> ( label , data);</a:t>
-            </a:r>
-          </a:p>
-          <a:p>
-            <a:r>
-              <a:rPr lang="en-US" altLang="ko-KR" dirty="0"/>
-              <a:t>}</a:t>
-            </a:r>
-          </a:p>
-        </p:txBody>
-      </p:sp>
-    </p:spTree>
-    <p:extLst>
-      <p:ext uri="{BB962C8B-B14F-4D97-AF65-F5344CB8AC3E}">
-        <p14:creationId xmlns:p14="http://schemas.microsoft.com/office/powerpoint/2010/main" val="624881087"/>
       </p:ext>
     </p:extLst>
   </p:cSld>

--- a/assignment2/Assignment2.pptx
+++ b/assignment2/Assignment2.pptx
@@ -206,7 +206,7 @@
           <a:p>
             <a:fld id="{E0526D6B-6785-48FA-9A0F-025C9B50690D}" type="datetimeFigureOut">
               <a:rPr lang="ko-KR" altLang="en-US" smtClean="0"/>
-              <a:t>2024-10-22</a:t>
+              <a:t>2024-10-24</a:t>
             </a:fld>
             <a:endParaRPr lang="ko-KR" altLang="en-US"/>
           </a:p>
@@ -532,6 +532,15 @@
             <a:endParaRPr lang="en-US" altLang="ko-KR" dirty="0"/>
           </a:p>
           <a:p>
+            <a:r>
+              <a:rPr lang="en-US" altLang="ko-KR" dirty="0"/>
+              <a:t>I think bus first would work better – have each CPU try to “drive” the bus in a cycle, then it broadcasts that state in the next cycle</a:t>
+            </a:r>
+          </a:p>
+          <a:p>
+            <a:endParaRPr lang="en-US" altLang="ko-KR" dirty="0"/>
+          </a:p>
+          <a:p>
             <a:endParaRPr lang="ko-KR" altLang="en-US" dirty="0"/>
           </a:p>
         </p:txBody>
@@ -647,6 +656,99 @@
     <p:extLst>
       <p:ext uri="{BB962C8B-B14F-4D97-AF65-F5344CB8AC3E}">
         <p14:creationId xmlns:p14="http://schemas.microsoft.com/office/powerpoint/2010/main" val="3463440433"/>
+      </p:ext>
+    </p:extLst>
+  </p:cSld>
+  <p:clrMapOvr>
+    <a:masterClrMapping/>
+  </p:clrMapOvr>
+</p:notes>
+</file>
+
+<file path=ppt/notesSlides/notesSlide3.xml><?xml version="1.0" encoding="utf-8"?>
+<p:notes xmlns:a="http://schemas.openxmlformats.org/drawingml/2006/main" xmlns:r="http://schemas.openxmlformats.org/officeDocument/2006/relationships" xmlns:p="http://schemas.openxmlformats.org/presentationml/2006/main">
+  <p:cSld>
+    <p:spTree>
+      <p:nvGrpSpPr>
+        <p:cNvPr id="1" name=""/>
+        <p:cNvGrpSpPr/>
+        <p:nvPr/>
+      </p:nvGrpSpPr>
+      <p:grpSpPr>
+        <a:xfrm>
+          <a:off x="0" y="0"/>
+          <a:ext cx="0" cy="0"/>
+          <a:chOff x="0" y="0"/>
+          <a:chExt cx="0" cy="0"/>
+        </a:xfrm>
+      </p:grpSpPr>
+      <p:sp>
+        <p:nvSpPr>
+          <p:cNvPr id="2" name="Slide Image Placeholder 1"/>
+          <p:cNvSpPr>
+            <a:spLocks noGrp="1" noRot="1" noChangeAspect="1"/>
+          </p:cNvSpPr>
+          <p:nvPr>
+            <p:ph type="sldImg"/>
+          </p:nvPr>
+        </p:nvSpPr>
+        <p:spPr/>
+      </p:sp>
+      <p:sp>
+        <p:nvSpPr>
+          <p:cNvPr id="3" name="Notes Placeholder 2"/>
+          <p:cNvSpPr>
+            <a:spLocks noGrp="1"/>
+          </p:cNvSpPr>
+          <p:nvPr>
+            <p:ph type="body" idx="1"/>
+          </p:nvPr>
+        </p:nvSpPr>
+        <p:spPr/>
+        <p:txBody>
+          <a:bodyPr/>
+          <a:lstStyle/>
+          <a:p>
+            <a:r>
+              <a:rPr lang="en-US" dirty="0"/>
+              <a:t>Not sure if it would be 100 * cache miss or 117 * cache miss. </a:t>
+            </a:r>
+          </a:p>
+          <a:p>
+            <a:r>
+              <a:rPr lang="en-US" dirty="0"/>
+              <a:t>100 cycles due to DRAM latency + 1 cycle due to bus read request + 16 cycles due to bus bandwidth sending the cache block to the cache</a:t>
+            </a:r>
+          </a:p>
+        </p:txBody>
+      </p:sp>
+      <p:sp>
+        <p:nvSpPr>
+          <p:cNvPr id="4" name="Slide Number Placeholder 3"/>
+          <p:cNvSpPr>
+            <a:spLocks noGrp="1"/>
+          </p:cNvSpPr>
+          <p:nvPr>
+            <p:ph type="sldNum" sz="quarter" idx="5"/>
+          </p:nvPr>
+        </p:nvSpPr>
+        <p:spPr/>
+        <p:txBody>
+          <a:bodyPr/>
+          <a:lstStyle/>
+          <a:p>
+            <a:fld id="{2607865D-A729-4FAA-B6D7-2EF682BBF689}" type="slidenum">
+              <a:rPr lang="ko-KR" altLang="en-US" smtClean="0"/>
+              <a:t>5</a:t>
+            </a:fld>
+            <a:endParaRPr lang="ko-KR" altLang="en-US"/>
+          </a:p>
+        </p:txBody>
+      </p:sp>
+    </p:spTree>
+    <p:extLst>
+      <p:ext uri="{BB962C8B-B14F-4D97-AF65-F5344CB8AC3E}">
+        <p14:creationId xmlns:p14="http://schemas.microsoft.com/office/powerpoint/2010/main" val="801808105"/>
       </p:ext>
     </p:extLst>
   </p:cSld>
@@ -803,7 +905,7 @@
           <a:p>
             <a:fld id="{A00CF5C5-0F2B-4F7A-8484-F6806A9ADAF4}" type="datetimeFigureOut">
               <a:rPr lang="ko-KR" altLang="en-US" smtClean="0"/>
-              <a:t>2024-10-22</a:t>
+              <a:t>2024-10-24</a:t>
             </a:fld>
             <a:endParaRPr lang="ko-KR" altLang="en-US"/>
           </a:p>
@@ -1001,7 +1103,7 @@
           <a:p>
             <a:fld id="{A00CF5C5-0F2B-4F7A-8484-F6806A9ADAF4}" type="datetimeFigureOut">
               <a:rPr lang="ko-KR" altLang="en-US" smtClean="0"/>
-              <a:t>2024-10-22</a:t>
+              <a:t>2024-10-24</a:t>
             </a:fld>
             <a:endParaRPr lang="ko-KR" altLang="en-US"/>
           </a:p>
@@ -1209,7 +1311,7 @@
           <a:p>
             <a:fld id="{A00CF5C5-0F2B-4F7A-8484-F6806A9ADAF4}" type="datetimeFigureOut">
               <a:rPr lang="ko-KR" altLang="en-US" smtClean="0"/>
-              <a:t>2024-10-22</a:t>
+              <a:t>2024-10-24</a:t>
             </a:fld>
             <a:endParaRPr lang="ko-KR" altLang="en-US"/>
           </a:p>
@@ -1407,7 +1509,7 @@
           <a:p>
             <a:fld id="{A00CF5C5-0F2B-4F7A-8484-F6806A9ADAF4}" type="datetimeFigureOut">
               <a:rPr lang="ko-KR" altLang="en-US" smtClean="0"/>
-              <a:t>2024-10-22</a:t>
+              <a:t>2024-10-24</a:t>
             </a:fld>
             <a:endParaRPr lang="ko-KR" altLang="en-US"/>
           </a:p>
@@ -1682,7 +1784,7 @@
           <a:p>
             <a:fld id="{A00CF5C5-0F2B-4F7A-8484-F6806A9ADAF4}" type="datetimeFigureOut">
               <a:rPr lang="ko-KR" altLang="en-US" smtClean="0"/>
-              <a:t>2024-10-22</a:t>
+              <a:t>2024-10-24</a:t>
             </a:fld>
             <a:endParaRPr lang="ko-KR" altLang="en-US"/>
           </a:p>
@@ -1947,7 +2049,7 @@
           <a:p>
             <a:fld id="{A00CF5C5-0F2B-4F7A-8484-F6806A9ADAF4}" type="datetimeFigureOut">
               <a:rPr lang="ko-KR" altLang="en-US" smtClean="0"/>
-              <a:t>2024-10-22</a:t>
+              <a:t>2024-10-24</a:t>
             </a:fld>
             <a:endParaRPr lang="ko-KR" altLang="en-US"/>
           </a:p>
@@ -2359,7 +2461,7 @@
           <a:p>
             <a:fld id="{A00CF5C5-0F2B-4F7A-8484-F6806A9ADAF4}" type="datetimeFigureOut">
               <a:rPr lang="ko-KR" altLang="en-US" smtClean="0"/>
-              <a:t>2024-10-22</a:t>
+              <a:t>2024-10-24</a:t>
             </a:fld>
             <a:endParaRPr lang="ko-KR" altLang="en-US"/>
           </a:p>
@@ -2500,7 +2602,7 @@
           <a:p>
             <a:fld id="{A00CF5C5-0F2B-4F7A-8484-F6806A9ADAF4}" type="datetimeFigureOut">
               <a:rPr lang="ko-KR" altLang="en-US" smtClean="0"/>
-              <a:t>2024-10-22</a:t>
+              <a:t>2024-10-24</a:t>
             </a:fld>
             <a:endParaRPr lang="ko-KR" altLang="en-US"/>
           </a:p>
@@ -2613,7 +2715,7 @@
           <a:p>
             <a:fld id="{A00CF5C5-0F2B-4F7A-8484-F6806A9ADAF4}" type="datetimeFigureOut">
               <a:rPr lang="ko-KR" altLang="en-US" smtClean="0"/>
-              <a:t>2024-10-22</a:t>
+              <a:t>2024-10-24</a:t>
             </a:fld>
             <a:endParaRPr lang="ko-KR" altLang="en-US"/>
           </a:p>
@@ -2924,7 +3026,7 @@
           <a:p>
             <a:fld id="{A00CF5C5-0F2B-4F7A-8484-F6806A9ADAF4}" type="datetimeFigureOut">
               <a:rPr lang="ko-KR" altLang="en-US" smtClean="0"/>
-              <a:t>2024-10-22</a:t>
+              <a:t>2024-10-24</a:t>
             </a:fld>
             <a:endParaRPr lang="ko-KR" altLang="en-US"/>
           </a:p>
@@ -3212,7 +3314,7 @@
           <a:p>
             <a:fld id="{A00CF5C5-0F2B-4F7A-8484-F6806A9ADAF4}" type="datetimeFigureOut">
               <a:rPr lang="ko-KR" altLang="en-US" smtClean="0"/>
-              <a:t>2024-10-22</a:t>
+              <a:t>2024-10-24</a:t>
             </a:fld>
             <a:endParaRPr lang="ko-KR" altLang="en-US"/>
           </a:p>
@@ -3453,7 +3555,7 @@
           <a:p>
             <a:fld id="{A00CF5C5-0F2B-4F7A-8484-F6806A9ADAF4}" type="datetimeFigureOut">
               <a:rPr lang="ko-KR" altLang="en-US" smtClean="0"/>
-              <a:t>2024-10-22</a:t>
+              <a:t>2024-10-24</a:t>
             </a:fld>
             <a:endParaRPr lang="ko-KR" altLang="en-US"/>
           </a:p>

--- a/assignment2/Assignment2.pptx
+++ b/assignment2/Assignment2.pptx
@@ -8,15 +8,15 @@
     <p:notesMasterId r:id="rId12"/>
   </p:notesMasterIdLst>
   <p:sldIdLst>
-    <p:sldId id="259" r:id="rId2"/>
-    <p:sldId id="258" r:id="rId3"/>
-    <p:sldId id="256" r:id="rId4"/>
-    <p:sldId id="257" r:id="rId5"/>
-    <p:sldId id="266" r:id="rId6"/>
-    <p:sldId id="260" r:id="rId7"/>
-    <p:sldId id="262" r:id="rId8"/>
-    <p:sldId id="263" r:id="rId9"/>
-    <p:sldId id="264" r:id="rId10"/>
+    <p:sldId id="267" r:id="rId2"/>
+    <p:sldId id="259" r:id="rId3"/>
+    <p:sldId id="258" r:id="rId4"/>
+    <p:sldId id="256" r:id="rId5"/>
+    <p:sldId id="257" r:id="rId6"/>
+    <p:sldId id="266" r:id="rId7"/>
+    <p:sldId id="260" r:id="rId8"/>
+    <p:sldId id="262" r:id="rId9"/>
+    <p:sldId id="263" r:id="rId10"/>
     <p:sldId id="265" r:id="rId11"/>
   </p:sldIdLst>
   <p:sldSz cx="12192000" cy="6858000"/>
@@ -206,7 +206,7 @@
           <a:p>
             <a:fld id="{E0526D6B-6785-48FA-9A0F-025C9B50690D}" type="datetimeFigureOut">
               <a:rPr lang="ko-KR" altLang="en-US" smtClean="0"/>
-              <a:t>2024-10-24</a:t>
+              <a:t>2024-10-25</a:t>
             </a:fld>
             <a:endParaRPr lang="ko-KR" altLang="en-US"/>
           </a:p>
@@ -562,7 +562,7 @@
           <a:p>
             <a:fld id="{2607865D-A729-4FAA-B6D7-2EF682BBF689}" type="slidenum">
               <a:rPr lang="ko-KR" altLang="en-US" smtClean="0"/>
-              <a:t>1</a:t>
+              <a:t>2</a:t>
             </a:fld>
             <a:endParaRPr lang="ko-KR" altLang="en-US"/>
           </a:p>
@@ -646,7 +646,7 @@
           <a:p>
             <a:fld id="{2607865D-A729-4FAA-B6D7-2EF682BBF689}" type="slidenum">
               <a:rPr lang="ko-KR" altLang="en-US" smtClean="0"/>
-              <a:t>3</a:t>
+              <a:t>4</a:t>
             </a:fld>
             <a:endParaRPr lang="ko-KR" altLang="en-US"/>
           </a:p>
@@ -739,7 +739,7 @@
           <a:p>
             <a:fld id="{2607865D-A729-4FAA-B6D7-2EF682BBF689}" type="slidenum">
               <a:rPr lang="ko-KR" altLang="en-US" smtClean="0"/>
-              <a:t>5</a:t>
+              <a:t>6</a:t>
             </a:fld>
             <a:endParaRPr lang="ko-KR" altLang="en-US"/>
           </a:p>
@@ -905,7 +905,7 @@
           <a:p>
             <a:fld id="{A00CF5C5-0F2B-4F7A-8484-F6806A9ADAF4}" type="datetimeFigureOut">
               <a:rPr lang="ko-KR" altLang="en-US" smtClean="0"/>
-              <a:t>2024-10-24</a:t>
+              <a:t>2024-10-25</a:t>
             </a:fld>
             <a:endParaRPr lang="ko-KR" altLang="en-US"/>
           </a:p>
@@ -1103,7 +1103,7 @@
           <a:p>
             <a:fld id="{A00CF5C5-0F2B-4F7A-8484-F6806A9ADAF4}" type="datetimeFigureOut">
               <a:rPr lang="ko-KR" altLang="en-US" smtClean="0"/>
-              <a:t>2024-10-24</a:t>
+              <a:t>2024-10-25</a:t>
             </a:fld>
             <a:endParaRPr lang="ko-KR" altLang="en-US"/>
           </a:p>
@@ -1311,7 +1311,7 @@
           <a:p>
             <a:fld id="{A00CF5C5-0F2B-4F7A-8484-F6806A9ADAF4}" type="datetimeFigureOut">
               <a:rPr lang="ko-KR" altLang="en-US" smtClean="0"/>
-              <a:t>2024-10-24</a:t>
+              <a:t>2024-10-25</a:t>
             </a:fld>
             <a:endParaRPr lang="ko-KR" altLang="en-US"/>
           </a:p>
@@ -1509,7 +1509,7 @@
           <a:p>
             <a:fld id="{A00CF5C5-0F2B-4F7A-8484-F6806A9ADAF4}" type="datetimeFigureOut">
               <a:rPr lang="ko-KR" altLang="en-US" smtClean="0"/>
-              <a:t>2024-10-24</a:t>
+              <a:t>2024-10-25</a:t>
             </a:fld>
             <a:endParaRPr lang="ko-KR" altLang="en-US"/>
           </a:p>
@@ -1784,7 +1784,7 @@
           <a:p>
             <a:fld id="{A00CF5C5-0F2B-4F7A-8484-F6806A9ADAF4}" type="datetimeFigureOut">
               <a:rPr lang="ko-KR" altLang="en-US" smtClean="0"/>
-              <a:t>2024-10-24</a:t>
+              <a:t>2024-10-25</a:t>
             </a:fld>
             <a:endParaRPr lang="ko-KR" altLang="en-US"/>
           </a:p>
@@ -2049,7 +2049,7 @@
           <a:p>
             <a:fld id="{A00CF5C5-0F2B-4F7A-8484-F6806A9ADAF4}" type="datetimeFigureOut">
               <a:rPr lang="ko-KR" altLang="en-US" smtClean="0"/>
-              <a:t>2024-10-24</a:t>
+              <a:t>2024-10-25</a:t>
             </a:fld>
             <a:endParaRPr lang="ko-KR" altLang="en-US"/>
           </a:p>
@@ -2461,7 +2461,7 @@
           <a:p>
             <a:fld id="{A00CF5C5-0F2B-4F7A-8484-F6806A9ADAF4}" type="datetimeFigureOut">
               <a:rPr lang="ko-KR" altLang="en-US" smtClean="0"/>
-              <a:t>2024-10-24</a:t>
+              <a:t>2024-10-25</a:t>
             </a:fld>
             <a:endParaRPr lang="ko-KR" altLang="en-US"/>
           </a:p>
@@ -2602,7 +2602,7 @@
           <a:p>
             <a:fld id="{A00CF5C5-0F2B-4F7A-8484-F6806A9ADAF4}" type="datetimeFigureOut">
               <a:rPr lang="ko-KR" altLang="en-US" smtClean="0"/>
-              <a:t>2024-10-24</a:t>
+              <a:t>2024-10-25</a:t>
             </a:fld>
             <a:endParaRPr lang="ko-KR" altLang="en-US"/>
           </a:p>
@@ -2715,7 +2715,7 @@
           <a:p>
             <a:fld id="{A00CF5C5-0F2B-4F7A-8484-F6806A9ADAF4}" type="datetimeFigureOut">
               <a:rPr lang="ko-KR" altLang="en-US" smtClean="0"/>
-              <a:t>2024-10-24</a:t>
+              <a:t>2024-10-25</a:t>
             </a:fld>
             <a:endParaRPr lang="ko-KR" altLang="en-US"/>
           </a:p>
@@ -3026,7 +3026,7 @@
           <a:p>
             <a:fld id="{A00CF5C5-0F2B-4F7A-8484-F6806A9ADAF4}" type="datetimeFigureOut">
               <a:rPr lang="ko-KR" altLang="en-US" smtClean="0"/>
-              <a:t>2024-10-24</a:t>
+              <a:t>2024-10-25</a:t>
             </a:fld>
             <a:endParaRPr lang="ko-KR" altLang="en-US"/>
           </a:p>
@@ -3314,7 +3314,7 @@
           <a:p>
             <a:fld id="{A00CF5C5-0F2B-4F7A-8484-F6806A9ADAF4}" type="datetimeFigureOut">
               <a:rPr lang="ko-KR" altLang="en-US" smtClean="0"/>
-              <a:t>2024-10-24</a:t>
+              <a:t>2024-10-25</a:t>
             </a:fld>
             <a:endParaRPr lang="ko-KR" altLang="en-US"/>
           </a:p>
@@ -3555,7 +3555,7 @@
           <a:p>
             <a:fld id="{A00CF5C5-0F2B-4F7A-8484-F6806A9ADAF4}" type="datetimeFigureOut">
               <a:rPr lang="ko-KR" altLang="en-US" smtClean="0"/>
-              <a:t>2024-10-24</a:t>
+              <a:t>2024-10-25</a:t>
             </a:fld>
             <a:endParaRPr lang="ko-KR" altLang="en-US"/>
           </a:p>
@@ -3960,6 +3960,599 @@
   <p:cSld>
     <p:spTree>
       <p:nvGrpSpPr>
+        <p:cNvPr id="1" name=""/>
+        <p:cNvGrpSpPr/>
+        <p:nvPr/>
+      </p:nvGrpSpPr>
+      <p:grpSpPr>
+        <a:xfrm>
+          <a:off x="0" y="0"/>
+          <a:ext cx="0" cy="0"/>
+          <a:chOff x="0" y="0"/>
+          <a:chExt cx="0" cy="0"/>
+        </a:xfrm>
+      </p:grpSpPr>
+      <p:sp>
+        <p:nvSpPr>
+          <p:cNvPr id="2" name="제목 1">
+            <a:extLst>
+              <a:ext uri="{FF2B5EF4-FFF2-40B4-BE49-F238E27FC236}">
+                <a16:creationId xmlns:a16="http://schemas.microsoft.com/office/drawing/2014/main" id="{76C625F2-4579-86E5-3F1E-82E76AC1E9A2}"/>
+              </a:ext>
+            </a:extLst>
+          </p:cNvPr>
+          <p:cNvSpPr>
+            <a:spLocks noGrp="1"/>
+          </p:cNvSpPr>
+          <p:nvPr>
+            <p:ph type="ctrTitle"/>
+          </p:nvPr>
+        </p:nvSpPr>
+        <p:spPr/>
+        <p:txBody>
+          <a:bodyPr>
+            <a:normAutofit/>
+          </a:bodyPr>
+          <a:lstStyle/>
+          <a:p>
+            <a:r>
+              <a:rPr lang="en-US" altLang="ko-KR" sz="4800" dirty="0" err="1"/>
+              <a:t>Multlcore</a:t>
+            </a:r>
+            <a:r>
+              <a:rPr lang="en-US" altLang="ko-KR" sz="4800" dirty="0"/>
+              <a:t> simulator</a:t>
+            </a:r>
+            <a:br>
+              <a:rPr lang="en-US" altLang="ko-KR" sz="4800" dirty="0"/>
+            </a:br>
+            <a:r>
+              <a:rPr lang="en-US" altLang="ko-KR" sz="4800" dirty="0"/>
+              <a:t>cache coherence</a:t>
+            </a:r>
+            <a:endParaRPr lang="ko-KR" altLang="en-US" sz="4800" dirty="0"/>
+          </a:p>
+        </p:txBody>
+      </p:sp>
+      <p:sp>
+        <p:nvSpPr>
+          <p:cNvPr id="3" name="부제목 2">
+            <a:extLst>
+              <a:ext uri="{FF2B5EF4-FFF2-40B4-BE49-F238E27FC236}">
+                <a16:creationId xmlns:a16="http://schemas.microsoft.com/office/drawing/2014/main" id="{05CEBD02-5799-55F0-1C22-6EA4135A75BD}"/>
+              </a:ext>
+            </a:extLst>
+          </p:cNvPr>
+          <p:cNvSpPr>
+            <a:spLocks noGrp="1"/>
+          </p:cNvSpPr>
+          <p:nvPr>
+            <p:ph type="subTitle" idx="1"/>
+          </p:nvPr>
+        </p:nvSpPr>
+        <p:spPr/>
+        <p:txBody>
+          <a:bodyPr/>
+          <a:lstStyle/>
+          <a:p>
+            <a:r>
+              <a:rPr lang="en-US" altLang="ko-KR" dirty="0"/>
+              <a:t>For assignment 2</a:t>
+            </a:r>
+          </a:p>
+          <a:p>
+            <a:r>
+              <a:rPr lang="en-US" altLang="ko-KR" dirty="0"/>
+              <a:t>LEE Seoungsub </a:t>
+            </a:r>
+          </a:p>
+          <a:p>
+            <a:r>
+              <a:rPr lang="en-US" altLang="ko-KR" dirty="0"/>
+              <a:t>Ryan </a:t>
+            </a:r>
+            <a:r>
+              <a:rPr lang="en-US" altLang="ko-KR" dirty="0" err="1"/>
+              <a:t>harwood</a:t>
+            </a:r>
+            <a:endParaRPr lang="en-US" altLang="ko-KR" dirty="0"/>
+          </a:p>
+          <a:p>
+            <a:endParaRPr lang="en-US" altLang="ko-KR" dirty="0"/>
+          </a:p>
+        </p:txBody>
+      </p:sp>
+    </p:spTree>
+    <p:extLst>
+      <p:ext uri="{BB962C8B-B14F-4D97-AF65-F5344CB8AC3E}">
+        <p14:creationId xmlns:p14="http://schemas.microsoft.com/office/powerpoint/2010/main" val="1789390159"/>
+      </p:ext>
+    </p:extLst>
+  </p:cSld>
+  <p:clrMapOvr>
+    <a:masterClrMapping/>
+  </p:clrMapOvr>
+</p:sld>
+</file>
+
+<file path=ppt/slides/slide10.xml><?xml version="1.0" encoding="utf-8"?>
+<p:sld xmlns:a="http://schemas.openxmlformats.org/drawingml/2006/main" xmlns:r="http://schemas.openxmlformats.org/officeDocument/2006/relationships" xmlns:p="http://schemas.openxmlformats.org/presentationml/2006/main">
+  <p:cSld>
+    <p:spTree>
+      <p:nvGrpSpPr>
+        <p:cNvPr id="1" name="">
+          <a:extLst>
+            <a:ext uri="{FF2B5EF4-FFF2-40B4-BE49-F238E27FC236}">
+              <a16:creationId xmlns:a16="http://schemas.microsoft.com/office/drawing/2014/main" id="{A0187779-4360-9779-B34C-87E8D933FB28}"/>
+            </a:ext>
+          </a:extLst>
+        </p:cNvPr>
+        <p:cNvGrpSpPr/>
+        <p:nvPr/>
+      </p:nvGrpSpPr>
+      <p:grpSpPr>
+        <a:xfrm>
+          <a:off x="0" y="0"/>
+          <a:ext cx="0" cy="0"/>
+          <a:chOff x="0" y="0"/>
+          <a:chExt cx="0" cy="0"/>
+        </a:xfrm>
+      </p:grpSpPr>
+      <p:sp>
+        <p:nvSpPr>
+          <p:cNvPr id="4" name="TextBox 3">
+            <a:extLst>
+              <a:ext uri="{FF2B5EF4-FFF2-40B4-BE49-F238E27FC236}">
+                <a16:creationId xmlns:a16="http://schemas.microsoft.com/office/drawing/2014/main" id="{098D4C2F-1169-B7A6-4E5C-D8BBFCF29161}"/>
+              </a:ext>
+            </a:extLst>
+          </p:cNvPr>
+          <p:cNvSpPr txBox="1"/>
+          <p:nvPr/>
+        </p:nvSpPr>
+        <p:spPr>
+          <a:xfrm>
+            <a:off x="111760" y="345440"/>
+            <a:ext cx="12346940" cy="3693319"/>
+          </a:xfrm>
+          <a:prstGeom prst="rect">
+            <a:avLst/>
+          </a:prstGeom>
+          <a:noFill/>
+        </p:spPr>
+        <p:txBody>
+          <a:bodyPr wrap="square" rtlCol="0">
+            <a:spAutoFit/>
+          </a:bodyPr>
+          <a:lstStyle/>
+          <a:p>
+            <a:endParaRPr lang="en-US" altLang="ko-KR" dirty="0"/>
+          </a:p>
+          <a:p>
+            <a:r>
+              <a:rPr lang="en-US" altLang="ko-KR" dirty="0"/>
+              <a:t>Total cycles = 0;</a:t>
+            </a:r>
+          </a:p>
+          <a:p>
+            <a:r>
+              <a:rPr lang="en-US" altLang="ko-KR" dirty="0"/>
+              <a:t>While(</a:t>
+            </a:r>
+            <a:r>
+              <a:rPr lang="en-US" altLang="ko-KR" dirty="0" err="1"/>
+              <a:t>Readfile_available</a:t>
+            </a:r>
+            <a:r>
+              <a:rPr lang="en-US" altLang="ko-KR" dirty="0"/>
+              <a:t>){</a:t>
+            </a:r>
+          </a:p>
+          <a:p>
+            <a:r>
+              <a:rPr lang="en-US" altLang="ko-KR" dirty="0"/>
+              <a:t>Set </a:t>
+            </a:r>
+            <a:r>
+              <a:rPr lang="en-US" altLang="ko-KR" dirty="0" err="1"/>
+              <a:t>Readfile_available</a:t>
+            </a:r>
+            <a:r>
+              <a:rPr lang="en-US" altLang="ko-KR" dirty="0"/>
+              <a:t>  = false;</a:t>
+            </a:r>
+          </a:p>
+          <a:p>
+            <a:r>
+              <a:rPr lang="en-US" altLang="ko-KR" dirty="0" err="1"/>
+              <a:t>Readfile_available</a:t>
+            </a:r>
+            <a:r>
+              <a:rPr lang="en-US" altLang="ko-KR" dirty="0"/>
+              <a:t> = CPU1.Execute </a:t>
+            </a:r>
+          </a:p>
+          <a:p>
+            <a:r>
+              <a:rPr lang="en-US" altLang="ko-KR" dirty="0" err="1"/>
+              <a:t>Readfile_available</a:t>
+            </a:r>
+            <a:r>
+              <a:rPr lang="en-US" altLang="ko-KR" dirty="0"/>
+              <a:t> = CPU2.Execute </a:t>
+            </a:r>
+          </a:p>
+          <a:p>
+            <a:r>
+              <a:rPr lang="en-US" altLang="ko-KR" dirty="0" err="1"/>
+              <a:t>Readfile_available</a:t>
+            </a:r>
+            <a:r>
+              <a:rPr lang="en-US" altLang="ko-KR" dirty="0"/>
+              <a:t> = CPU3.Execute </a:t>
+            </a:r>
+          </a:p>
+          <a:p>
+            <a:r>
+              <a:rPr lang="en-US" altLang="ko-KR" dirty="0" err="1"/>
+              <a:t>Readfile_available</a:t>
+            </a:r>
+            <a:r>
+              <a:rPr lang="en-US" altLang="ko-KR" dirty="0"/>
+              <a:t> = CPU4.Execute </a:t>
+            </a:r>
+          </a:p>
+          <a:p>
+            <a:r>
+              <a:rPr lang="en-US" altLang="ko-KR" dirty="0"/>
+              <a:t>Cycles ++;</a:t>
+            </a:r>
+          </a:p>
+          <a:p>
+            <a:r>
+              <a:rPr lang="en-US" altLang="ko-KR" dirty="0"/>
+              <a:t>}</a:t>
+            </a:r>
+          </a:p>
+          <a:p>
+            <a:endParaRPr lang="en-US" altLang="ko-KR" dirty="0"/>
+          </a:p>
+          <a:p>
+            <a:endParaRPr lang="en-US" altLang="ko-KR" dirty="0"/>
+          </a:p>
+          <a:p>
+            <a:endParaRPr lang="en-US" altLang="ko-KR" dirty="0"/>
+          </a:p>
+        </p:txBody>
+      </p:sp>
+      <p:sp>
+        <p:nvSpPr>
+          <p:cNvPr id="2" name="직사각형 1">
+            <a:extLst>
+              <a:ext uri="{FF2B5EF4-FFF2-40B4-BE49-F238E27FC236}">
+                <a16:creationId xmlns:a16="http://schemas.microsoft.com/office/drawing/2014/main" id="{5DB24D84-3277-97AD-3A3E-72FF05225618}"/>
+              </a:ext>
+            </a:extLst>
+          </p:cNvPr>
+          <p:cNvSpPr/>
+          <p:nvPr/>
+        </p:nvSpPr>
+        <p:spPr>
+          <a:xfrm>
+            <a:off x="6646128" y="345440"/>
+            <a:ext cx="2430965" cy="814287"/>
+          </a:xfrm>
+          <a:prstGeom prst="rect">
+            <a:avLst/>
+          </a:prstGeom>
+        </p:spPr>
+        <p:style>
+          <a:lnRef idx="2">
+            <a:schemeClr val="accent1">
+              <a:shade val="15000"/>
+            </a:schemeClr>
+          </a:lnRef>
+          <a:fillRef idx="1">
+            <a:schemeClr val="accent1"/>
+          </a:fillRef>
+          <a:effectRef idx="0">
+            <a:schemeClr val="accent1"/>
+          </a:effectRef>
+          <a:fontRef idx="minor">
+            <a:schemeClr val="lt1"/>
+          </a:fontRef>
+        </p:style>
+        <p:txBody>
+          <a:bodyPr rtlCol="0" anchor="ctr"/>
+          <a:lstStyle/>
+          <a:p>
+            <a:pPr algn="ctr"/>
+            <a:r>
+              <a:rPr lang="en-US" altLang="ko-KR" dirty="0"/>
+              <a:t>Execute CPU</a:t>
+            </a:r>
+            <a:endParaRPr lang="ko-KR" altLang="en-US" dirty="0"/>
+          </a:p>
+        </p:txBody>
+      </p:sp>
+      <p:sp>
+        <p:nvSpPr>
+          <p:cNvPr id="3" name="직사각형 2">
+            <a:extLst>
+              <a:ext uri="{FF2B5EF4-FFF2-40B4-BE49-F238E27FC236}">
+                <a16:creationId xmlns:a16="http://schemas.microsoft.com/office/drawing/2014/main" id="{11E1A94E-461A-8A03-AA3F-F60358692C55}"/>
+              </a:ext>
+            </a:extLst>
+          </p:cNvPr>
+          <p:cNvSpPr/>
+          <p:nvPr/>
+        </p:nvSpPr>
+        <p:spPr>
+          <a:xfrm>
+            <a:off x="6556917" y="5170202"/>
+            <a:ext cx="2430965" cy="814287"/>
+          </a:xfrm>
+          <a:prstGeom prst="rect">
+            <a:avLst/>
+          </a:prstGeom>
+        </p:spPr>
+        <p:style>
+          <a:lnRef idx="2">
+            <a:schemeClr val="accent1">
+              <a:shade val="15000"/>
+            </a:schemeClr>
+          </a:lnRef>
+          <a:fillRef idx="1">
+            <a:schemeClr val="accent1"/>
+          </a:fillRef>
+          <a:effectRef idx="0">
+            <a:schemeClr val="accent1"/>
+          </a:effectRef>
+          <a:fontRef idx="minor">
+            <a:schemeClr val="lt1"/>
+          </a:fontRef>
+        </p:style>
+        <p:txBody>
+          <a:bodyPr rtlCol="0" anchor="ctr"/>
+          <a:lstStyle/>
+          <a:p>
+            <a:pPr algn="ctr"/>
+            <a:r>
+              <a:rPr lang="en-US" altLang="ko-KR" dirty="0"/>
+              <a:t>Execute CPU</a:t>
+            </a:r>
+            <a:endParaRPr lang="ko-KR" altLang="en-US" dirty="0"/>
+          </a:p>
+        </p:txBody>
+      </p:sp>
+      <p:sp>
+        <p:nvSpPr>
+          <p:cNvPr id="5" name="다이아몬드 4">
+            <a:extLst>
+              <a:ext uri="{FF2B5EF4-FFF2-40B4-BE49-F238E27FC236}">
+                <a16:creationId xmlns:a16="http://schemas.microsoft.com/office/drawing/2014/main" id="{DC136F4D-B4E7-D327-CE58-6893AADFB949}"/>
+              </a:ext>
+            </a:extLst>
+          </p:cNvPr>
+          <p:cNvSpPr/>
+          <p:nvPr/>
+        </p:nvSpPr>
+        <p:spPr>
+          <a:xfrm>
+            <a:off x="6233531" y="2973661"/>
+            <a:ext cx="3256156" cy="1137424"/>
+          </a:xfrm>
+          <a:prstGeom prst="diamond">
+            <a:avLst/>
+          </a:prstGeom>
+        </p:spPr>
+        <p:style>
+          <a:lnRef idx="2">
+            <a:schemeClr val="accent1">
+              <a:shade val="15000"/>
+            </a:schemeClr>
+          </a:lnRef>
+          <a:fillRef idx="1">
+            <a:schemeClr val="accent1"/>
+          </a:fillRef>
+          <a:effectRef idx="0">
+            <a:schemeClr val="accent1"/>
+          </a:effectRef>
+          <a:fontRef idx="minor">
+            <a:schemeClr val="lt1"/>
+          </a:fontRef>
+        </p:style>
+        <p:txBody>
+          <a:bodyPr rtlCol="0" anchor="ctr"/>
+          <a:lstStyle/>
+          <a:p>
+            <a:pPr algn="ctr"/>
+            <a:r>
+              <a:rPr lang="en-US" altLang="ko-KR" sz="1600" dirty="0" err="1"/>
+              <a:t>Read_available</a:t>
+            </a:r>
+            <a:r>
+              <a:rPr lang="en-US" altLang="ko-KR" sz="1600" dirty="0"/>
+              <a:t>?</a:t>
+            </a:r>
+            <a:br>
+              <a:rPr lang="en-US" altLang="ko-KR" sz="1600" dirty="0"/>
+            </a:br>
+            <a:r>
+              <a:rPr lang="en-US" altLang="ko-KR" sz="1600" dirty="0"/>
+              <a:t>At least 1 file</a:t>
+            </a:r>
+            <a:endParaRPr lang="ko-KR" altLang="en-US" sz="1600" dirty="0"/>
+          </a:p>
+        </p:txBody>
+      </p:sp>
+      <p:cxnSp>
+        <p:nvCxnSpPr>
+          <p:cNvPr id="9" name="직선 연결선 8">
+            <a:extLst>
+              <a:ext uri="{FF2B5EF4-FFF2-40B4-BE49-F238E27FC236}">
+                <a16:creationId xmlns:a16="http://schemas.microsoft.com/office/drawing/2014/main" id="{069B139F-4253-8FEF-4D39-C5B18BE38BB2}"/>
+              </a:ext>
+            </a:extLst>
+          </p:cNvPr>
+          <p:cNvCxnSpPr/>
+          <p:nvPr/>
+        </p:nvCxnSpPr>
+        <p:spPr>
+          <a:xfrm flipH="1">
+            <a:off x="5319132" y="3542373"/>
+            <a:ext cx="680224" cy="0"/>
+          </a:xfrm>
+          <a:prstGeom prst="line">
+            <a:avLst/>
+          </a:prstGeom>
+        </p:spPr>
+        <p:style>
+          <a:lnRef idx="2">
+            <a:schemeClr val="accent1"/>
+          </a:lnRef>
+          <a:fillRef idx="0">
+            <a:schemeClr val="accent1"/>
+          </a:fillRef>
+          <a:effectRef idx="1">
+            <a:schemeClr val="accent1"/>
+          </a:effectRef>
+          <a:fontRef idx="minor">
+            <a:schemeClr val="tx1"/>
+          </a:fontRef>
+        </p:style>
+      </p:cxnSp>
+      <p:cxnSp>
+        <p:nvCxnSpPr>
+          <p:cNvPr id="10" name="직선 연결선 9">
+            <a:extLst>
+              <a:ext uri="{FF2B5EF4-FFF2-40B4-BE49-F238E27FC236}">
+                <a16:creationId xmlns:a16="http://schemas.microsoft.com/office/drawing/2014/main" id="{2D09DB7D-26A8-B666-050F-C98DA3E3D713}"/>
+              </a:ext>
+            </a:extLst>
+          </p:cNvPr>
+          <p:cNvCxnSpPr>
+            <a:cxnSpLocks/>
+          </p:cNvCxnSpPr>
+          <p:nvPr/>
+        </p:nvCxnSpPr>
+        <p:spPr>
+          <a:xfrm>
+            <a:off x="5319132" y="669073"/>
+            <a:ext cx="0" cy="2875812"/>
+          </a:xfrm>
+          <a:prstGeom prst="line">
+            <a:avLst/>
+          </a:prstGeom>
+        </p:spPr>
+        <p:style>
+          <a:lnRef idx="2">
+            <a:schemeClr val="accent1"/>
+          </a:lnRef>
+          <a:fillRef idx="0">
+            <a:schemeClr val="accent1"/>
+          </a:fillRef>
+          <a:effectRef idx="1">
+            <a:schemeClr val="accent1"/>
+          </a:effectRef>
+          <a:fontRef idx="minor">
+            <a:schemeClr val="tx1"/>
+          </a:fontRef>
+        </p:style>
+      </p:cxnSp>
+      <p:cxnSp>
+        <p:nvCxnSpPr>
+          <p:cNvPr id="14" name="직선 화살표 연결선 13">
+            <a:extLst>
+              <a:ext uri="{FF2B5EF4-FFF2-40B4-BE49-F238E27FC236}">
+                <a16:creationId xmlns:a16="http://schemas.microsoft.com/office/drawing/2014/main" id="{C433D37A-2FCE-4D2A-14C7-075D872AF925}"/>
+              </a:ext>
+            </a:extLst>
+          </p:cNvPr>
+          <p:cNvCxnSpPr/>
+          <p:nvPr/>
+        </p:nvCxnSpPr>
+        <p:spPr>
+          <a:xfrm>
+            <a:off x="5319132" y="669073"/>
+            <a:ext cx="914399" cy="0"/>
+          </a:xfrm>
+          <a:prstGeom prst="straightConnector1">
+            <a:avLst/>
+          </a:prstGeom>
+          <a:ln>
+            <a:tailEnd type="triangle"/>
+          </a:ln>
+        </p:spPr>
+        <p:style>
+          <a:lnRef idx="2">
+            <a:schemeClr val="accent1"/>
+          </a:lnRef>
+          <a:fillRef idx="0">
+            <a:schemeClr val="accent1"/>
+          </a:fillRef>
+          <a:effectRef idx="1">
+            <a:schemeClr val="accent1"/>
+          </a:effectRef>
+          <a:fontRef idx="minor">
+            <a:schemeClr val="tx1"/>
+          </a:fontRef>
+        </p:style>
+      </p:cxnSp>
+      <p:sp>
+        <p:nvSpPr>
+          <p:cNvPr id="15" name="TextBox 14">
+            <a:extLst>
+              <a:ext uri="{FF2B5EF4-FFF2-40B4-BE49-F238E27FC236}">
+                <a16:creationId xmlns:a16="http://schemas.microsoft.com/office/drawing/2014/main" id="{F5DF84C1-7D8C-A6F3-8A9B-ABBCB54658E3}"/>
+              </a:ext>
+            </a:extLst>
+          </p:cNvPr>
+          <p:cNvSpPr txBox="1"/>
+          <p:nvPr/>
+        </p:nvSpPr>
+        <p:spPr>
+          <a:xfrm>
+            <a:off x="5659244" y="3165605"/>
+            <a:ext cx="776869" cy="369332"/>
+          </a:xfrm>
+          <a:prstGeom prst="rect">
+            <a:avLst/>
+          </a:prstGeom>
+          <a:noFill/>
+        </p:spPr>
+        <p:txBody>
+          <a:bodyPr wrap="square" rtlCol="0">
+            <a:spAutoFit/>
+          </a:bodyPr>
+          <a:lstStyle/>
+          <a:p>
+            <a:r>
+              <a:rPr lang="en-US" altLang="ko-KR" dirty="0"/>
+              <a:t>yes</a:t>
+            </a:r>
+            <a:endParaRPr lang="ko-KR" altLang="en-US" dirty="0"/>
+          </a:p>
+        </p:txBody>
+      </p:sp>
+    </p:spTree>
+    <p:extLst>
+      <p:ext uri="{BB962C8B-B14F-4D97-AF65-F5344CB8AC3E}">
+        <p14:creationId xmlns:p14="http://schemas.microsoft.com/office/powerpoint/2010/main" val="624881087"/>
+      </p:ext>
+    </p:extLst>
+  </p:cSld>
+  <p:clrMapOvr>
+    <a:masterClrMapping/>
+  </p:clrMapOvr>
+</p:sld>
+</file>
+
+<file path=ppt/slides/slide2.xml><?xml version="1.0" encoding="utf-8"?>
+<p:sld xmlns:a="http://schemas.openxmlformats.org/drawingml/2006/main" xmlns:r="http://schemas.openxmlformats.org/officeDocument/2006/relationships" xmlns:p="http://schemas.openxmlformats.org/presentationml/2006/main">
+  <p:cSld>
+    <p:spTree>
+      <p:nvGrpSpPr>
         <p:cNvPr id="1" name="">
           <a:extLst>
             <a:ext uri="{FF2B5EF4-FFF2-40B4-BE49-F238E27FC236}">
@@ -4209,480 +4802,7 @@
 </p:sld>
 </file>
 
-<file path=ppt/slides/slide10.xml><?xml version="1.0" encoding="utf-8"?>
-<p:sld xmlns:a="http://schemas.openxmlformats.org/drawingml/2006/main" xmlns:r="http://schemas.openxmlformats.org/officeDocument/2006/relationships" xmlns:p="http://schemas.openxmlformats.org/presentationml/2006/main">
-  <p:cSld>
-    <p:spTree>
-      <p:nvGrpSpPr>
-        <p:cNvPr id="1" name="">
-          <a:extLst>
-            <a:ext uri="{FF2B5EF4-FFF2-40B4-BE49-F238E27FC236}">
-              <a16:creationId xmlns:a16="http://schemas.microsoft.com/office/drawing/2014/main" id="{A0187779-4360-9779-B34C-87E8D933FB28}"/>
-            </a:ext>
-          </a:extLst>
-        </p:cNvPr>
-        <p:cNvGrpSpPr/>
-        <p:nvPr/>
-      </p:nvGrpSpPr>
-      <p:grpSpPr>
-        <a:xfrm>
-          <a:off x="0" y="0"/>
-          <a:ext cx="0" cy="0"/>
-          <a:chOff x="0" y="0"/>
-          <a:chExt cx="0" cy="0"/>
-        </a:xfrm>
-      </p:grpSpPr>
-      <p:sp>
-        <p:nvSpPr>
-          <p:cNvPr id="4" name="TextBox 3">
-            <a:extLst>
-              <a:ext uri="{FF2B5EF4-FFF2-40B4-BE49-F238E27FC236}">
-                <a16:creationId xmlns:a16="http://schemas.microsoft.com/office/drawing/2014/main" id="{098D4C2F-1169-B7A6-4E5C-D8BBFCF29161}"/>
-              </a:ext>
-            </a:extLst>
-          </p:cNvPr>
-          <p:cNvSpPr txBox="1"/>
-          <p:nvPr/>
-        </p:nvSpPr>
-        <p:spPr>
-          <a:xfrm>
-            <a:off x="111760" y="345440"/>
-            <a:ext cx="12346940" cy="3693319"/>
-          </a:xfrm>
-          <a:prstGeom prst="rect">
-            <a:avLst/>
-          </a:prstGeom>
-          <a:noFill/>
-        </p:spPr>
-        <p:txBody>
-          <a:bodyPr wrap="square" rtlCol="0">
-            <a:spAutoFit/>
-          </a:bodyPr>
-          <a:lstStyle/>
-          <a:p>
-            <a:endParaRPr lang="en-US" altLang="ko-KR" dirty="0"/>
-          </a:p>
-          <a:p>
-            <a:r>
-              <a:rPr lang="en-US" altLang="ko-KR" dirty="0"/>
-              <a:t>Total cycles = 0;</a:t>
-            </a:r>
-          </a:p>
-          <a:p>
-            <a:r>
-              <a:rPr lang="en-US" altLang="ko-KR" dirty="0"/>
-              <a:t>While(</a:t>
-            </a:r>
-            <a:r>
-              <a:rPr lang="en-US" altLang="ko-KR" dirty="0" err="1"/>
-              <a:t>Readfile_available</a:t>
-            </a:r>
-            <a:r>
-              <a:rPr lang="en-US" altLang="ko-KR" dirty="0"/>
-              <a:t>){</a:t>
-            </a:r>
-          </a:p>
-          <a:p>
-            <a:r>
-              <a:rPr lang="en-US" altLang="ko-KR" dirty="0"/>
-              <a:t>Set </a:t>
-            </a:r>
-            <a:r>
-              <a:rPr lang="en-US" altLang="ko-KR" dirty="0" err="1"/>
-              <a:t>Readfile_available</a:t>
-            </a:r>
-            <a:r>
-              <a:rPr lang="en-US" altLang="ko-KR" dirty="0"/>
-              <a:t>  = false;</a:t>
-            </a:r>
-          </a:p>
-          <a:p>
-            <a:r>
-              <a:rPr lang="en-US" altLang="ko-KR" dirty="0" err="1"/>
-              <a:t>Readfile_available</a:t>
-            </a:r>
-            <a:r>
-              <a:rPr lang="en-US" altLang="ko-KR" dirty="0"/>
-              <a:t> = CPU1.Execute </a:t>
-            </a:r>
-          </a:p>
-          <a:p>
-            <a:r>
-              <a:rPr lang="en-US" altLang="ko-KR" dirty="0" err="1"/>
-              <a:t>Readfile_available</a:t>
-            </a:r>
-            <a:r>
-              <a:rPr lang="en-US" altLang="ko-KR" dirty="0"/>
-              <a:t> = CPU2.Execute </a:t>
-            </a:r>
-          </a:p>
-          <a:p>
-            <a:r>
-              <a:rPr lang="en-US" altLang="ko-KR" dirty="0" err="1"/>
-              <a:t>Readfile_available</a:t>
-            </a:r>
-            <a:r>
-              <a:rPr lang="en-US" altLang="ko-KR" dirty="0"/>
-              <a:t> = CPU3.Execute </a:t>
-            </a:r>
-          </a:p>
-          <a:p>
-            <a:r>
-              <a:rPr lang="en-US" altLang="ko-KR" dirty="0" err="1"/>
-              <a:t>Readfile_available</a:t>
-            </a:r>
-            <a:r>
-              <a:rPr lang="en-US" altLang="ko-KR" dirty="0"/>
-              <a:t> = CPU4.Execute </a:t>
-            </a:r>
-          </a:p>
-          <a:p>
-            <a:r>
-              <a:rPr lang="en-US" altLang="ko-KR" dirty="0"/>
-              <a:t>Cycles ++;</a:t>
-            </a:r>
-          </a:p>
-          <a:p>
-            <a:r>
-              <a:rPr lang="en-US" altLang="ko-KR" dirty="0"/>
-              <a:t>}</a:t>
-            </a:r>
-          </a:p>
-          <a:p>
-            <a:endParaRPr lang="en-US" altLang="ko-KR" dirty="0"/>
-          </a:p>
-          <a:p>
-            <a:endParaRPr lang="en-US" altLang="ko-KR" dirty="0"/>
-          </a:p>
-          <a:p>
-            <a:endParaRPr lang="en-US" altLang="ko-KR" dirty="0"/>
-          </a:p>
-        </p:txBody>
-      </p:sp>
-      <p:sp>
-        <p:nvSpPr>
-          <p:cNvPr id="2" name="직사각형 1">
-            <a:extLst>
-              <a:ext uri="{FF2B5EF4-FFF2-40B4-BE49-F238E27FC236}">
-                <a16:creationId xmlns:a16="http://schemas.microsoft.com/office/drawing/2014/main" id="{5DB24D84-3277-97AD-3A3E-72FF05225618}"/>
-              </a:ext>
-            </a:extLst>
-          </p:cNvPr>
-          <p:cNvSpPr/>
-          <p:nvPr/>
-        </p:nvSpPr>
-        <p:spPr>
-          <a:xfrm>
-            <a:off x="6646128" y="345440"/>
-            <a:ext cx="2430965" cy="814287"/>
-          </a:xfrm>
-          <a:prstGeom prst="rect">
-            <a:avLst/>
-          </a:prstGeom>
-        </p:spPr>
-        <p:style>
-          <a:lnRef idx="2">
-            <a:schemeClr val="accent1">
-              <a:shade val="15000"/>
-            </a:schemeClr>
-          </a:lnRef>
-          <a:fillRef idx="1">
-            <a:schemeClr val="accent1"/>
-          </a:fillRef>
-          <a:effectRef idx="0">
-            <a:schemeClr val="accent1"/>
-          </a:effectRef>
-          <a:fontRef idx="minor">
-            <a:schemeClr val="lt1"/>
-          </a:fontRef>
-        </p:style>
-        <p:txBody>
-          <a:bodyPr rtlCol="0" anchor="ctr"/>
-          <a:lstStyle/>
-          <a:p>
-            <a:pPr algn="ctr"/>
-            <a:r>
-              <a:rPr lang="en-US" altLang="ko-KR" dirty="0"/>
-              <a:t>Execute CPU</a:t>
-            </a:r>
-            <a:endParaRPr lang="ko-KR" altLang="en-US" dirty="0"/>
-          </a:p>
-        </p:txBody>
-      </p:sp>
-      <p:sp>
-        <p:nvSpPr>
-          <p:cNvPr id="3" name="직사각형 2">
-            <a:extLst>
-              <a:ext uri="{FF2B5EF4-FFF2-40B4-BE49-F238E27FC236}">
-                <a16:creationId xmlns:a16="http://schemas.microsoft.com/office/drawing/2014/main" id="{11E1A94E-461A-8A03-AA3F-F60358692C55}"/>
-              </a:ext>
-            </a:extLst>
-          </p:cNvPr>
-          <p:cNvSpPr/>
-          <p:nvPr/>
-        </p:nvSpPr>
-        <p:spPr>
-          <a:xfrm>
-            <a:off x="6556917" y="5170202"/>
-            <a:ext cx="2430965" cy="814287"/>
-          </a:xfrm>
-          <a:prstGeom prst="rect">
-            <a:avLst/>
-          </a:prstGeom>
-        </p:spPr>
-        <p:style>
-          <a:lnRef idx="2">
-            <a:schemeClr val="accent1">
-              <a:shade val="15000"/>
-            </a:schemeClr>
-          </a:lnRef>
-          <a:fillRef idx="1">
-            <a:schemeClr val="accent1"/>
-          </a:fillRef>
-          <a:effectRef idx="0">
-            <a:schemeClr val="accent1"/>
-          </a:effectRef>
-          <a:fontRef idx="minor">
-            <a:schemeClr val="lt1"/>
-          </a:fontRef>
-        </p:style>
-        <p:txBody>
-          <a:bodyPr rtlCol="0" anchor="ctr"/>
-          <a:lstStyle/>
-          <a:p>
-            <a:pPr algn="ctr"/>
-            <a:r>
-              <a:rPr lang="en-US" altLang="ko-KR" dirty="0"/>
-              <a:t>Execute CPU</a:t>
-            </a:r>
-            <a:endParaRPr lang="ko-KR" altLang="en-US" dirty="0"/>
-          </a:p>
-        </p:txBody>
-      </p:sp>
-      <p:sp>
-        <p:nvSpPr>
-          <p:cNvPr id="5" name="다이아몬드 4">
-            <a:extLst>
-              <a:ext uri="{FF2B5EF4-FFF2-40B4-BE49-F238E27FC236}">
-                <a16:creationId xmlns:a16="http://schemas.microsoft.com/office/drawing/2014/main" id="{DC136F4D-B4E7-D327-CE58-6893AADFB949}"/>
-              </a:ext>
-            </a:extLst>
-          </p:cNvPr>
-          <p:cNvSpPr/>
-          <p:nvPr/>
-        </p:nvSpPr>
-        <p:spPr>
-          <a:xfrm>
-            <a:off x="6233531" y="2973661"/>
-            <a:ext cx="3256156" cy="1137424"/>
-          </a:xfrm>
-          <a:prstGeom prst="diamond">
-            <a:avLst/>
-          </a:prstGeom>
-        </p:spPr>
-        <p:style>
-          <a:lnRef idx="2">
-            <a:schemeClr val="accent1">
-              <a:shade val="15000"/>
-            </a:schemeClr>
-          </a:lnRef>
-          <a:fillRef idx="1">
-            <a:schemeClr val="accent1"/>
-          </a:fillRef>
-          <a:effectRef idx="0">
-            <a:schemeClr val="accent1"/>
-          </a:effectRef>
-          <a:fontRef idx="minor">
-            <a:schemeClr val="lt1"/>
-          </a:fontRef>
-        </p:style>
-        <p:txBody>
-          <a:bodyPr rtlCol="0" anchor="ctr"/>
-          <a:lstStyle/>
-          <a:p>
-            <a:pPr algn="ctr"/>
-            <a:r>
-              <a:rPr lang="en-US" altLang="ko-KR" sz="1600" dirty="0" err="1"/>
-              <a:t>Read_available</a:t>
-            </a:r>
-            <a:r>
-              <a:rPr lang="en-US" altLang="ko-KR" sz="1600" dirty="0"/>
-              <a:t>?</a:t>
-            </a:r>
-            <a:br>
-              <a:rPr lang="en-US" altLang="ko-KR" sz="1600" dirty="0"/>
-            </a:br>
-            <a:r>
-              <a:rPr lang="en-US" altLang="ko-KR" sz="1600" dirty="0"/>
-              <a:t>At least 1 file</a:t>
-            </a:r>
-            <a:endParaRPr lang="ko-KR" altLang="en-US" sz="1600" dirty="0"/>
-          </a:p>
-        </p:txBody>
-      </p:sp>
-      <p:cxnSp>
-        <p:nvCxnSpPr>
-          <p:cNvPr id="9" name="직선 연결선 8">
-            <a:extLst>
-              <a:ext uri="{FF2B5EF4-FFF2-40B4-BE49-F238E27FC236}">
-                <a16:creationId xmlns:a16="http://schemas.microsoft.com/office/drawing/2014/main" id="{069B139F-4253-8FEF-4D39-C5B18BE38BB2}"/>
-              </a:ext>
-            </a:extLst>
-          </p:cNvPr>
-          <p:cNvCxnSpPr/>
-          <p:nvPr/>
-        </p:nvCxnSpPr>
-        <p:spPr>
-          <a:xfrm flipH="1">
-            <a:off x="5319132" y="3542373"/>
-            <a:ext cx="680224" cy="0"/>
-          </a:xfrm>
-          <a:prstGeom prst="line">
-            <a:avLst/>
-          </a:prstGeom>
-        </p:spPr>
-        <p:style>
-          <a:lnRef idx="2">
-            <a:schemeClr val="accent1"/>
-          </a:lnRef>
-          <a:fillRef idx="0">
-            <a:schemeClr val="accent1"/>
-          </a:fillRef>
-          <a:effectRef idx="1">
-            <a:schemeClr val="accent1"/>
-          </a:effectRef>
-          <a:fontRef idx="minor">
-            <a:schemeClr val="tx1"/>
-          </a:fontRef>
-        </p:style>
-      </p:cxnSp>
-      <p:cxnSp>
-        <p:nvCxnSpPr>
-          <p:cNvPr id="10" name="직선 연결선 9">
-            <a:extLst>
-              <a:ext uri="{FF2B5EF4-FFF2-40B4-BE49-F238E27FC236}">
-                <a16:creationId xmlns:a16="http://schemas.microsoft.com/office/drawing/2014/main" id="{2D09DB7D-26A8-B666-050F-C98DA3E3D713}"/>
-              </a:ext>
-            </a:extLst>
-          </p:cNvPr>
-          <p:cNvCxnSpPr>
-            <a:cxnSpLocks/>
-          </p:cNvCxnSpPr>
-          <p:nvPr/>
-        </p:nvCxnSpPr>
-        <p:spPr>
-          <a:xfrm>
-            <a:off x="5319132" y="669073"/>
-            <a:ext cx="0" cy="2875812"/>
-          </a:xfrm>
-          <a:prstGeom prst="line">
-            <a:avLst/>
-          </a:prstGeom>
-        </p:spPr>
-        <p:style>
-          <a:lnRef idx="2">
-            <a:schemeClr val="accent1"/>
-          </a:lnRef>
-          <a:fillRef idx="0">
-            <a:schemeClr val="accent1"/>
-          </a:fillRef>
-          <a:effectRef idx="1">
-            <a:schemeClr val="accent1"/>
-          </a:effectRef>
-          <a:fontRef idx="minor">
-            <a:schemeClr val="tx1"/>
-          </a:fontRef>
-        </p:style>
-      </p:cxnSp>
-      <p:cxnSp>
-        <p:nvCxnSpPr>
-          <p:cNvPr id="14" name="직선 화살표 연결선 13">
-            <a:extLst>
-              <a:ext uri="{FF2B5EF4-FFF2-40B4-BE49-F238E27FC236}">
-                <a16:creationId xmlns:a16="http://schemas.microsoft.com/office/drawing/2014/main" id="{C433D37A-2FCE-4D2A-14C7-075D872AF925}"/>
-              </a:ext>
-            </a:extLst>
-          </p:cNvPr>
-          <p:cNvCxnSpPr/>
-          <p:nvPr/>
-        </p:nvCxnSpPr>
-        <p:spPr>
-          <a:xfrm>
-            <a:off x="5319132" y="669073"/>
-            <a:ext cx="914399" cy="0"/>
-          </a:xfrm>
-          <a:prstGeom prst="straightConnector1">
-            <a:avLst/>
-          </a:prstGeom>
-          <a:ln>
-            <a:tailEnd type="triangle"/>
-          </a:ln>
-        </p:spPr>
-        <p:style>
-          <a:lnRef idx="2">
-            <a:schemeClr val="accent1"/>
-          </a:lnRef>
-          <a:fillRef idx="0">
-            <a:schemeClr val="accent1"/>
-          </a:fillRef>
-          <a:effectRef idx="1">
-            <a:schemeClr val="accent1"/>
-          </a:effectRef>
-          <a:fontRef idx="minor">
-            <a:schemeClr val="tx1"/>
-          </a:fontRef>
-        </p:style>
-      </p:cxnSp>
-      <p:sp>
-        <p:nvSpPr>
-          <p:cNvPr id="15" name="TextBox 14">
-            <a:extLst>
-              <a:ext uri="{FF2B5EF4-FFF2-40B4-BE49-F238E27FC236}">
-                <a16:creationId xmlns:a16="http://schemas.microsoft.com/office/drawing/2014/main" id="{F5DF84C1-7D8C-A6F3-8A9B-ABBCB54658E3}"/>
-              </a:ext>
-            </a:extLst>
-          </p:cNvPr>
-          <p:cNvSpPr txBox="1"/>
-          <p:nvPr/>
-        </p:nvSpPr>
-        <p:spPr>
-          <a:xfrm>
-            <a:off x="5659244" y="3165605"/>
-            <a:ext cx="776869" cy="369332"/>
-          </a:xfrm>
-          <a:prstGeom prst="rect">
-            <a:avLst/>
-          </a:prstGeom>
-          <a:noFill/>
-        </p:spPr>
-        <p:txBody>
-          <a:bodyPr wrap="square" rtlCol="0">
-            <a:spAutoFit/>
-          </a:bodyPr>
-          <a:lstStyle/>
-          <a:p>
-            <a:r>
-              <a:rPr lang="en-US" altLang="ko-KR" dirty="0"/>
-              <a:t>yes</a:t>
-            </a:r>
-            <a:endParaRPr lang="ko-KR" altLang="en-US" dirty="0"/>
-          </a:p>
-        </p:txBody>
-      </p:sp>
-    </p:spTree>
-    <p:extLst>
-      <p:ext uri="{BB962C8B-B14F-4D97-AF65-F5344CB8AC3E}">
-        <p14:creationId xmlns:p14="http://schemas.microsoft.com/office/powerpoint/2010/main" val="624881087"/>
-      </p:ext>
-    </p:extLst>
-  </p:cSld>
-  <p:clrMapOvr>
-    <a:masterClrMapping/>
-  </p:clrMapOvr>
-</p:sld>
-</file>
-
-<file path=ppt/slides/slide2.xml><?xml version="1.0" encoding="utf-8"?>
+<file path=ppt/slides/slide3.xml><?xml version="1.0" encoding="utf-8"?>
 <p:sld xmlns:a="http://schemas.openxmlformats.org/drawingml/2006/main" xmlns:r="http://schemas.openxmlformats.org/officeDocument/2006/relationships" xmlns:p="http://schemas.openxmlformats.org/presentationml/2006/main">
   <p:cSld>
     <p:spTree>
@@ -5083,7 +5203,7 @@
 </p:sld>
 </file>
 
-<file path=ppt/slides/slide3.xml><?xml version="1.0" encoding="utf-8"?>
+<file path=ppt/slides/slide4.xml><?xml version="1.0" encoding="utf-8"?>
 <p:sld xmlns:a="http://schemas.openxmlformats.org/drawingml/2006/main" xmlns:r="http://schemas.openxmlformats.org/officeDocument/2006/relationships" xmlns:p="http://schemas.openxmlformats.org/presentationml/2006/main">
   <p:cSld>
     <p:spTree>
@@ -6163,7 +6283,7 @@
 </p:sld>
 </file>
 
-<file path=ppt/slides/slide4.xml><?xml version="1.0" encoding="utf-8"?>
+<file path=ppt/slides/slide5.xml><?xml version="1.0" encoding="utf-8"?>
 <p:sld xmlns:a="http://schemas.openxmlformats.org/drawingml/2006/main" xmlns:r="http://schemas.openxmlformats.org/officeDocument/2006/relationships" xmlns:p="http://schemas.openxmlformats.org/presentationml/2006/main">
   <p:cSld>
     <p:spTree>
@@ -6420,7 +6540,7 @@
 </p:sld>
 </file>
 
-<file path=ppt/slides/slide5.xml><?xml version="1.0" encoding="utf-8"?>
+<file path=ppt/slides/slide6.xml><?xml version="1.0" encoding="utf-8"?>
 <p:sld xmlns:a="http://schemas.openxmlformats.org/drawingml/2006/main" xmlns:r="http://schemas.openxmlformats.org/officeDocument/2006/relationships" xmlns:p="http://schemas.openxmlformats.org/presentationml/2006/main">
   <p:cSld>
     <p:spTree>
@@ -6625,7 +6745,7 @@
 </p:sld>
 </file>
 
-<file path=ppt/slides/slide6.xml><?xml version="1.0" encoding="utf-8"?>
+<file path=ppt/slides/slide7.xml><?xml version="1.0" encoding="utf-8"?>
 <p:sld xmlns:a="http://schemas.openxmlformats.org/drawingml/2006/main" xmlns:r="http://schemas.openxmlformats.org/officeDocument/2006/relationships" xmlns:p="http://schemas.openxmlformats.org/presentationml/2006/main">
   <p:cSld>
     <p:spTree>
@@ -6793,7 +6913,7 @@
 </p:sld>
 </file>
 
-<file path=ppt/slides/slide7.xml><?xml version="1.0" encoding="utf-8"?>
+<file path=ppt/slides/slide8.xml><?xml version="1.0" encoding="utf-8"?>
 <p:sld xmlns:a="http://schemas.openxmlformats.org/drawingml/2006/main" xmlns:r="http://schemas.openxmlformats.org/officeDocument/2006/relationships" xmlns:p="http://schemas.openxmlformats.org/presentationml/2006/main">
   <p:cSld>
     <p:spTree>
@@ -6904,7 +7024,7 @@
 </p:sld>
 </file>
 
-<file path=ppt/slides/slide8.xml><?xml version="1.0" encoding="utf-8"?>
+<file path=ppt/slides/slide9.xml><?xml version="1.0" encoding="utf-8"?>
 <p:sld xmlns:a="http://schemas.openxmlformats.org/drawingml/2006/main" xmlns:r="http://schemas.openxmlformats.org/officeDocument/2006/relationships" xmlns:p="http://schemas.openxmlformats.org/presentationml/2006/main">
   <p:cSld>
     <p:spTree>
@@ -7097,13 +7217,8 @@
           <a:p>
             <a:r>
               <a:rPr lang="en-US" altLang="ko-KR" dirty="0"/>
-              <a:t>Total cycles, # of load/store</a:t>
-            </a:r>
-            <a:r>
-              <a:rPr lang="en-US" altLang="ko-KR"/>
-              <a:t>, compute cycles, </a:t>
-            </a:r>
-            <a:endParaRPr lang="en-US" altLang="ko-KR" dirty="0"/>
+              <a:t>Total cycles, # of load/store, compute cycles, </a:t>
+            </a:r>
           </a:p>
           <a:p>
             <a:r>
@@ -7128,124 +7243,6 @@
     <p:extLst>
       <p:ext uri="{BB962C8B-B14F-4D97-AF65-F5344CB8AC3E}">
         <p14:creationId xmlns:p14="http://schemas.microsoft.com/office/powerpoint/2010/main" val="328982327"/>
-      </p:ext>
-    </p:extLst>
-  </p:cSld>
-  <p:clrMapOvr>
-    <a:masterClrMapping/>
-  </p:clrMapOvr>
-</p:sld>
-</file>
-
-<file path=ppt/slides/slide9.xml><?xml version="1.0" encoding="utf-8"?>
-<p:sld xmlns:a="http://schemas.openxmlformats.org/drawingml/2006/main" xmlns:r="http://schemas.openxmlformats.org/officeDocument/2006/relationships" xmlns:p="http://schemas.openxmlformats.org/presentationml/2006/main">
-  <p:cSld>
-    <p:spTree>
-      <p:nvGrpSpPr>
-        <p:cNvPr id="1" name="">
-          <a:extLst>
-            <a:ext uri="{FF2B5EF4-FFF2-40B4-BE49-F238E27FC236}">
-              <a16:creationId xmlns:a16="http://schemas.microsoft.com/office/drawing/2014/main" id="{71E0F4E1-E4B7-017C-79AD-D5BB7F2D20B5}"/>
-            </a:ext>
-          </a:extLst>
-        </p:cNvPr>
-        <p:cNvGrpSpPr/>
-        <p:nvPr/>
-      </p:nvGrpSpPr>
-      <p:grpSpPr>
-        <a:xfrm>
-          <a:off x="0" y="0"/>
-          <a:ext cx="0" cy="0"/>
-          <a:chOff x="0" y="0"/>
-          <a:chExt cx="0" cy="0"/>
-        </a:xfrm>
-      </p:grpSpPr>
-      <p:sp>
-        <p:nvSpPr>
-          <p:cNvPr id="4" name="TextBox 3">
-            <a:extLst>
-              <a:ext uri="{FF2B5EF4-FFF2-40B4-BE49-F238E27FC236}">
-                <a16:creationId xmlns:a16="http://schemas.microsoft.com/office/drawing/2014/main" id="{E1FE7431-7996-874F-B4C4-FE1C1456E3A6}"/>
-              </a:ext>
-            </a:extLst>
-          </p:cNvPr>
-          <p:cNvSpPr txBox="1"/>
-          <p:nvPr/>
-        </p:nvSpPr>
-        <p:spPr>
-          <a:xfrm>
-            <a:off x="111760" y="345440"/>
-            <a:ext cx="12346940" cy="1754326"/>
-          </a:xfrm>
-          <a:prstGeom prst="rect">
-            <a:avLst/>
-          </a:prstGeom>
-          <a:noFill/>
-        </p:spPr>
-        <p:txBody>
-          <a:bodyPr wrap="square" rtlCol="0">
-            <a:spAutoFit/>
-          </a:bodyPr>
-          <a:lstStyle/>
-          <a:p>
-            <a:r>
-              <a:rPr lang="en-US" altLang="ko-KR" dirty="0" err="1"/>
-              <a:t>ThreadExecuteCPU</a:t>
-            </a:r>
-            <a:r>
-              <a:rPr lang="en-US" altLang="ko-KR" dirty="0"/>
-              <a:t>(</a:t>
-            </a:r>
-            <a:r>
-              <a:rPr lang="ko-KR" altLang="en-US" dirty="0"/>
-              <a:t> </a:t>
-            </a:r>
-            <a:r>
-              <a:rPr lang="en-US" altLang="ko-KR" dirty="0" err="1"/>
-              <a:t>cpu</a:t>
-            </a:r>
-            <a:r>
-              <a:rPr lang="en-US" altLang="ko-KR" dirty="0"/>
-              <a:t>, file)</a:t>
-            </a:r>
-          </a:p>
-          <a:p>
-            <a:endParaRPr lang="en-US" altLang="ko-KR" dirty="0"/>
-          </a:p>
-          <a:p>
-            <a:r>
-              <a:rPr lang="en-US" altLang="ko-KR" dirty="0"/>
-              <a:t>While( until nothing to read ){</a:t>
-            </a:r>
-          </a:p>
-          <a:p>
-            <a:r>
-              <a:rPr lang="en-US" altLang="ko-KR" dirty="0"/>
-              <a:t>Read data;</a:t>
-            </a:r>
-          </a:p>
-          <a:p>
-            <a:r>
-              <a:rPr lang="en-US" altLang="ko-KR" dirty="0" err="1"/>
-              <a:t>CPU.execute</a:t>
-            </a:r>
-            <a:r>
-              <a:rPr lang="en-US" altLang="ko-KR" dirty="0"/>
-              <a:t> ( label , data);</a:t>
-            </a:r>
-          </a:p>
-          <a:p>
-            <a:r>
-              <a:rPr lang="en-US" altLang="ko-KR" dirty="0"/>
-              <a:t>}</a:t>
-            </a:r>
-          </a:p>
-        </p:txBody>
-      </p:sp>
-    </p:spTree>
-    <p:extLst>
-      <p:ext uri="{BB962C8B-B14F-4D97-AF65-F5344CB8AC3E}">
-        <p14:creationId xmlns:p14="http://schemas.microsoft.com/office/powerpoint/2010/main" val="4033880879"/>
       </p:ext>
     </p:extLst>
   </p:cSld>

--- a/assignment2/Assignment2.pptx
+++ b/assignment2/Assignment2.pptx
@@ -5,7 +5,7 @@
     <p:sldMasterId id="2147483648" r:id="rId1"/>
   </p:sldMasterIdLst>
   <p:notesMasterIdLst>
-    <p:notesMasterId r:id="rId12"/>
+    <p:notesMasterId r:id="rId21"/>
   </p:notesMasterIdLst>
   <p:sldIdLst>
     <p:sldId id="267" r:id="rId2"/>
@@ -18,6 +18,15 @@
     <p:sldId id="262" r:id="rId9"/>
     <p:sldId id="263" r:id="rId10"/>
     <p:sldId id="265" r:id="rId11"/>
+    <p:sldId id="269" r:id="rId12"/>
+    <p:sldId id="272" r:id="rId13"/>
+    <p:sldId id="274" r:id="rId14"/>
+    <p:sldId id="273" r:id="rId15"/>
+    <p:sldId id="271" r:id="rId16"/>
+    <p:sldId id="277" r:id="rId17"/>
+    <p:sldId id="270" r:id="rId18"/>
+    <p:sldId id="276" r:id="rId19"/>
+    <p:sldId id="275" r:id="rId20"/>
   </p:sldIdLst>
   <p:sldSz cx="12192000" cy="6858000"/>
   <p:notesSz cx="6858000" cy="9144000"/>
@@ -206,7 +215,7 @@
           <a:p>
             <a:fld id="{E0526D6B-6785-48FA-9A0F-025C9B50690D}" type="datetimeFigureOut">
               <a:rPr lang="ko-KR" altLang="en-US" smtClean="0"/>
-              <a:t>2024-10-25</a:t>
+              <a:t>2024-11-17</a:t>
             </a:fld>
             <a:endParaRPr lang="ko-KR" altLang="en-US"/>
           </a:p>
@@ -905,7 +914,7 @@
           <a:p>
             <a:fld id="{A00CF5C5-0F2B-4F7A-8484-F6806A9ADAF4}" type="datetimeFigureOut">
               <a:rPr lang="ko-KR" altLang="en-US" smtClean="0"/>
-              <a:t>2024-10-25</a:t>
+              <a:t>2024-11-17</a:t>
             </a:fld>
             <a:endParaRPr lang="ko-KR" altLang="en-US"/>
           </a:p>
@@ -1103,7 +1112,7 @@
           <a:p>
             <a:fld id="{A00CF5C5-0F2B-4F7A-8484-F6806A9ADAF4}" type="datetimeFigureOut">
               <a:rPr lang="ko-KR" altLang="en-US" smtClean="0"/>
-              <a:t>2024-10-25</a:t>
+              <a:t>2024-11-17</a:t>
             </a:fld>
             <a:endParaRPr lang="ko-KR" altLang="en-US"/>
           </a:p>
@@ -1311,7 +1320,7 @@
           <a:p>
             <a:fld id="{A00CF5C5-0F2B-4F7A-8484-F6806A9ADAF4}" type="datetimeFigureOut">
               <a:rPr lang="ko-KR" altLang="en-US" smtClean="0"/>
-              <a:t>2024-10-25</a:t>
+              <a:t>2024-11-17</a:t>
             </a:fld>
             <a:endParaRPr lang="ko-KR" altLang="en-US"/>
           </a:p>
@@ -1509,7 +1518,7 @@
           <a:p>
             <a:fld id="{A00CF5C5-0F2B-4F7A-8484-F6806A9ADAF4}" type="datetimeFigureOut">
               <a:rPr lang="ko-KR" altLang="en-US" smtClean="0"/>
-              <a:t>2024-10-25</a:t>
+              <a:t>2024-11-17</a:t>
             </a:fld>
             <a:endParaRPr lang="ko-KR" altLang="en-US"/>
           </a:p>
@@ -1784,7 +1793,7 @@
           <a:p>
             <a:fld id="{A00CF5C5-0F2B-4F7A-8484-F6806A9ADAF4}" type="datetimeFigureOut">
               <a:rPr lang="ko-KR" altLang="en-US" smtClean="0"/>
-              <a:t>2024-10-25</a:t>
+              <a:t>2024-11-17</a:t>
             </a:fld>
             <a:endParaRPr lang="ko-KR" altLang="en-US"/>
           </a:p>
@@ -2049,7 +2058,7 @@
           <a:p>
             <a:fld id="{A00CF5C5-0F2B-4F7A-8484-F6806A9ADAF4}" type="datetimeFigureOut">
               <a:rPr lang="ko-KR" altLang="en-US" smtClean="0"/>
-              <a:t>2024-10-25</a:t>
+              <a:t>2024-11-17</a:t>
             </a:fld>
             <a:endParaRPr lang="ko-KR" altLang="en-US"/>
           </a:p>
@@ -2461,7 +2470,7 @@
           <a:p>
             <a:fld id="{A00CF5C5-0F2B-4F7A-8484-F6806A9ADAF4}" type="datetimeFigureOut">
               <a:rPr lang="ko-KR" altLang="en-US" smtClean="0"/>
-              <a:t>2024-10-25</a:t>
+              <a:t>2024-11-17</a:t>
             </a:fld>
             <a:endParaRPr lang="ko-KR" altLang="en-US"/>
           </a:p>
@@ -2602,7 +2611,7 @@
           <a:p>
             <a:fld id="{A00CF5C5-0F2B-4F7A-8484-F6806A9ADAF4}" type="datetimeFigureOut">
               <a:rPr lang="ko-KR" altLang="en-US" smtClean="0"/>
-              <a:t>2024-10-25</a:t>
+              <a:t>2024-11-17</a:t>
             </a:fld>
             <a:endParaRPr lang="ko-KR" altLang="en-US"/>
           </a:p>
@@ -2715,7 +2724,7 @@
           <a:p>
             <a:fld id="{A00CF5C5-0F2B-4F7A-8484-F6806A9ADAF4}" type="datetimeFigureOut">
               <a:rPr lang="ko-KR" altLang="en-US" smtClean="0"/>
-              <a:t>2024-10-25</a:t>
+              <a:t>2024-11-17</a:t>
             </a:fld>
             <a:endParaRPr lang="ko-KR" altLang="en-US"/>
           </a:p>
@@ -3026,7 +3035,7 @@
           <a:p>
             <a:fld id="{A00CF5C5-0F2B-4F7A-8484-F6806A9ADAF4}" type="datetimeFigureOut">
               <a:rPr lang="ko-KR" altLang="en-US" smtClean="0"/>
-              <a:t>2024-10-25</a:t>
+              <a:t>2024-11-17</a:t>
             </a:fld>
             <a:endParaRPr lang="ko-KR" altLang="en-US"/>
           </a:p>
@@ -3314,7 +3323,7 @@
           <a:p>
             <a:fld id="{A00CF5C5-0F2B-4F7A-8484-F6806A9ADAF4}" type="datetimeFigureOut">
               <a:rPr lang="ko-KR" altLang="en-US" smtClean="0"/>
-              <a:t>2024-10-25</a:t>
+              <a:t>2024-11-17</a:t>
             </a:fld>
             <a:endParaRPr lang="ko-KR" altLang="en-US"/>
           </a:p>
@@ -3555,7 +3564,7 @@
           <a:p>
             <a:fld id="{A00CF5C5-0F2B-4F7A-8484-F6806A9ADAF4}" type="datetimeFigureOut">
               <a:rPr lang="ko-KR" altLang="en-US" smtClean="0"/>
-              <a:t>2024-10-25</a:t>
+              <a:t>2024-11-17</a:t>
             </a:fld>
             <a:endParaRPr lang="ko-KR" altLang="en-US"/>
           </a:p>
@@ -4548,6 +4557,1870 @@
 </p:sld>
 </file>
 
+<file path=ppt/slides/slide11.xml><?xml version="1.0" encoding="utf-8"?>
+<p:sld xmlns:a="http://schemas.openxmlformats.org/drawingml/2006/main" xmlns:r="http://schemas.openxmlformats.org/officeDocument/2006/relationships" xmlns:p="http://schemas.openxmlformats.org/presentationml/2006/main">
+  <p:cSld>
+    <p:spTree>
+      <p:nvGrpSpPr>
+        <p:cNvPr id="1" name=""/>
+        <p:cNvGrpSpPr/>
+        <p:nvPr/>
+      </p:nvGrpSpPr>
+      <p:grpSpPr>
+        <a:xfrm>
+          <a:off x="0" y="0"/>
+          <a:ext cx="0" cy="0"/>
+          <a:chOff x="0" y="0"/>
+          <a:chExt cx="0" cy="0"/>
+        </a:xfrm>
+      </p:grpSpPr>
+      <p:sp>
+        <p:nvSpPr>
+          <p:cNvPr id="2" name="제목 1">
+            <a:extLst>
+              <a:ext uri="{FF2B5EF4-FFF2-40B4-BE49-F238E27FC236}">
+                <a16:creationId xmlns:a16="http://schemas.microsoft.com/office/drawing/2014/main" id="{D97A9FA3-4ADC-3538-4B80-D08F4B306098}"/>
+              </a:ext>
+            </a:extLst>
+          </p:cNvPr>
+          <p:cNvSpPr>
+            <a:spLocks noGrp="1"/>
+          </p:cNvSpPr>
+          <p:nvPr>
+            <p:ph type="title"/>
+          </p:nvPr>
+        </p:nvSpPr>
+        <p:spPr/>
+        <p:txBody>
+          <a:bodyPr/>
+          <a:lstStyle/>
+          <a:p>
+            <a:r>
+              <a:rPr lang="en-US" altLang="ko-KR" dirty="0"/>
+              <a:t>Cache coherence protocol</a:t>
+            </a:r>
+            <a:endParaRPr lang="ko-KR" altLang="en-US" dirty="0"/>
+          </a:p>
+        </p:txBody>
+      </p:sp>
+      <p:sp>
+        <p:nvSpPr>
+          <p:cNvPr id="3" name="내용 개체 틀 2">
+            <a:extLst>
+              <a:ext uri="{FF2B5EF4-FFF2-40B4-BE49-F238E27FC236}">
+                <a16:creationId xmlns:a16="http://schemas.microsoft.com/office/drawing/2014/main" id="{7CE37493-DC53-60E8-C3CA-21AD72848EE8}"/>
+              </a:ext>
+            </a:extLst>
+          </p:cNvPr>
+          <p:cNvSpPr>
+            <a:spLocks noGrp="1"/>
+          </p:cNvSpPr>
+          <p:nvPr>
+            <p:ph idx="1"/>
+          </p:nvPr>
+        </p:nvSpPr>
+        <p:spPr/>
+        <p:txBody>
+          <a:bodyPr>
+            <a:normAutofit/>
+          </a:bodyPr>
+          <a:lstStyle/>
+          <a:p>
+            <a:pPr marL="0" indent="0">
+              <a:buNone/>
+            </a:pPr>
+            <a:endParaRPr lang="en-US" altLang="ko-KR" sz="2000" dirty="0"/>
+          </a:p>
+          <a:p>
+            <a:pPr marL="0" indent="0">
+              <a:buNone/>
+            </a:pPr>
+            <a:r>
+              <a:rPr lang="en-US" altLang="ko-KR" sz="2000" dirty="0"/>
+              <a:t>Assuming : we can access cache, bus, dram at one cycle.</a:t>
+            </a:r>
+          </a:p>
+          <a:p>
+            <a:pPr marL="0" indent="0">
+              <a:buNone/>
+            </a:pPr>
+            <a:r>
+              <a:rPr lang="en-US" altLang="ko-KR" sz="2000" dirty="0"/>
+              <a:t>That means. We can check there’s data in cache or other caches or in dram at one cycle. After then, wait the required cycles.</a:t>
+            </a:r>
+          </a:p>
+          <a:p>
+            <a:pPr marL="0" indent="0">
+              <a:buNone/>
+            </a:pPr>
+            <a:endParaRPr lang="en-US" altLang="ko-KR" dirty="0"/>
+          </a:p>
+          <a:p>
+            <a:pPr marL="0" indent="0">
+              <a:buNone/>
+            </a:pPr>
+            <a:r>
+              <a:rPr lang="en-US" altLang="ko-KR" sz="2000" dirty="0"/>
+              <a:t>Cache</a:t>
+            </a:r>
+            <a:r>
+              <a:rPr lang="ko-KR" altLang="en-US" sz="2000" dirty="0"/>
+              <a:t>에 새로운 </a:t>
+            </a:r>
+            <a:r>
+              <a:rPr lang="en-US" altLang="ko-KR" sz="2000" dirty="0"/>
+              <a:t>cache line</a:t>
+            </a:r>
+            <a:r>
+              <a:rPr lang="ko-KR" altLang="en-US" sz="2000" dirty="0"/>
+              <a:t>이 추가되는 경우는 </a:t>
+            </a:r>
+            <a:endParaRPr lang="en-US" altLang="ko-KR" sz="2000" dirty="0"/>
+          </a:p>
+          <a:p>
+            <a:pPr marL="0" indent="0">
+              <a:buNone/>
+            </a:pPr>
+            <a:r>
+              <a:rPr lang="en-US" altLang="ko-KR" sz="2000" dirty="0"/>
+              <a:t>Load</a:t>
+            </a:r>
+            <a:r>
+              <a:rPr lang="ko-KR" altLang="en-US" sz="2000" dirty="0"/>
+              <a:t>시에 기존 캐시에 없던가</a:t>
+            </a:r>
+            <a:r>
+              <a:rPr lang="en-US" altLang="ko-KR" sz="2000" dirty="0"/>
+              <a:t>,</a:t>
+            </a:r>
+          </a:p>
+          <a:p>
+            <a:pPr marL="0" indent="0">
+              <a:buNone/>
+            </a:pPr>
+            <a:r>
+              <a:rPr lang="en-US" altLang="ko-KR" sz="2000" dirty="0"/>
+              <a:t>Store</a:t>
+            </a:r>
+            <a:r>
+              <a:rPr lang="ko-KR" altLang="en-US" sz="2000" dirty="0"/>
+              <a:t>시에 기존 캐시에 없던가 </a:t>
+            </a:r>
+            <a:endParaRPr lang="en-US" altLang="ko-KR" sz="2000" dirty="0"/>
+          </a:p>
+          <a:p>
+            <a:pPr marL="0" indent="0">
+              <a:buNone/>
+            </a:pPr>
+            <a:r>
+              <a:rPr lang="ko-KR" altLang="en-US" sz="2000" dirty="0"/>
+              <a:t>결국 </a:t>
+            </a:r>
+            <a:r>
+              <a:rPr lang="ko-KR" altLang="en-US" sz="2000" dirty="0" err="1"/>
+              <a:t>둘다</a:t>
+            </a:r>
+            <a:r>
+              <a:rPr lang="ko-KR" altLang="en-US" sz="2000" dirty="0"/>
+              <a:t> </a:t>
+            </a:r>
+            <a:r>
+              <a:rPr lang="en-US" altLang="ko-KR" sz="2000" dirty="0"/>
+              <a:t>cache write</a:t>
+            </a:r>
+            <a:r>
+              <a:rPr lang="ko-KR" altLang="en-US" sz="2000" dirty="0"/>
+              <a:t>임 </a:t>
+            </a:r>
+            <a:r>
+              <a:rPr lang="en-US" altLang="ko-KR" sz="2000" dirty="0"/>
+              <a:t>. </a:t>
+            </a:r>
+            <a:r>
+              <a:rPr lang="ko-KR" altLang="en-US" sz="2000" dirty="0" err="1"/>
+              <a:t>기존캐시에</a:t>
+            </a:r>
+            <a:r>
+              <a:rPr lang="ko-KR" altLang="en-US" sz="2000" dirty="0"/>
+              <a:t> 없다는 것은 </a:t>
+            </a:r>
+            <a:r>
+              <a:rPr lang="en-US" altLang="ko-KR" sz="2000" dirty="0"/>
+              <a:t>cache hit</a:t>
+            </a:r>
+            <a:r>
+              <a:rPr lang="ko-KR" altLang="en-US" sz="2000" dirty="0"/>
+              <a:t>를 체크하고</a:t>
+            </a:r>
+            <a:r>
+              <a:rPr lang="en-US" altLang="ko-KR" sz="2000" dirty="0"/>
+              <a:t>, </a:t>
+            </a:r>
+            <a:r>
+              <a:rPr lang="ko-KR" altLang="en-US" sz="2000" dirty="0"/>
+              <a:t>다른 </a:t>
+            </a:r>
+            <a:r>
+              <a:rPr lang="en-US" altLang="ko-KR" sz="2000" dirty="0"/>
+              <a:t>cache</a:t>
+            </a:r>
+            <a:r>
+              <a:rPr lang="ko-KR" altLang="en-US" sz="2000" dirty="0"/>
+              <a:t>에 </a:t>
+            </a:r>
+            <a:r>
+              <a:rPr lang="en-US" altLang="ko-KR" sz="2000" dirty="0"/>
+              <a:t>access</a:t>
+            </a:r>
+            <a:r>
+              <a:rPr lang="ko-KR" altLang="en-US" sz="2000" dirty="0"/>
+              <a:t>를 </a:t>
+            </a:r>
+            <a:r>
+              <a:rPr lang="ko-KR" altLang="en-US" sz="2000" dirty="0" err="1"/>
+              <a:t>해봐야함</a:t>
+            </a:r>
+            <a:r>
+              <a:rPr lang="en-US" altLang="ko-KR" sz="2000" dirty="0"/>
+              <a:t>.</a:t>
+            </a:r>
+          </a:p>
+          <a:p>
+            <a:pPr marL="0" indent="0">
+              <a:buNone/>
+            </a:pPr>
+            <a:r>
+              <a:rPr lang="ko-KR" altLang="en-US" sz="2000" dirty="0"/>
+              <a:t>기존 캐시에 있던 게 바뀌는 경우는</a:t>
+            </a:r>
+            <a:r>
+              <a:rPr lang="en-US" altLang="ko-KR" sz="2000" dirty="0"/>
+              <a:t>? Store </a:t>
+            </a:r>
+            <a:r>
+              <a:rPr lang="ko-KR" altLang="en-US" sz="2000" dirty="0"/>
+              <a:t>뿐이다</a:t>
+            </a:r>
+            <a:r>
+              <a:rPr lang="en-US" altLang="ko-KR" sz="2000" dirty="0"/>
+              <a:t>. label</a:t>
+            </a:r>
+          </a:p>
+          <a:p>
+            <a:pPr marL="0" indent="0">
+              <a:buNone/>
+            </a:pPr>
+            <a:endParaRPr lang="en-US" altLang="ko-KR" dirty="0"/>
+          </a:p>
+        </p:txBody>
+      </p:sp>
+    </p:spTree>
+    <p:extLst>
+      <p:ext uri="{BB962C8B-B14F-4D97-AF65-F5344CB8AC3E}">
+        <p14:creationId xmlns:p14="http://schemas.microsoft.com/office/powerpoint/2010/main" val="2651666689"/>
+      </p:ext>
+    </p:extLst>
+  </p:cSld>
+  <p:clrMapOvr>
+    <a:masterClrMapping/>
+  </p:clrMapOvr>
+</p:sld>
+</file>
+
+<file path=ppt/slides/slide12.xml><?xml version="1.0" encoding="utf-8"?>
+<p:sld xmlns:a="http://schemas.openxmlformats.org/drawingml/2006/main" xmlns:r="http://schemas.openxmlformats.org/officeDocument/2006/relationships" xmlns:p="http://schemas.openxmlformats.org/presentationml/2006/main">
+  <p:cSld>
+    <p:spTree>
+      <p:nvGrpSpPr>
+        <p:cNvPr id="1" name="">
+          <a:extLst>
+            <a:ext uri="{FF2B5EF4-FFF2-40B4-BE49-F238E27FC236}">
+              <a16:creationId xmlns:a16="http://schemas.microsoft.com/office/drawing/2014/main" id="{CDC83FE6-3C6F-4984-273A-D7B6CAA84674}"/>
+            </a:ext>
+          </a:extLst>
+        </p:cNvPr>
+        <p:cNvGrpSpPr/>
+        <p:nvPr/>
+      </p:nvGrpSpPr>
+      <p:grpSpPr>
+        <a:xfrm>
+          <a:off x="0" y="0"/>
+          <a:ext cx="0" cy="0"/>
+          <a:chOff x="0" y="0"/>
+          <a:chExt cx="0" cy="0"/>
+        </a:xfrm>
+      </p:grpSpPr>
+      <p:sp>
+        <p:nvSpPr>
+          <p:cNvPr id="2" name="제목 1">
+            <a:extLst>
+              <a:ext uri="{FF2B5EF4-FFF2-40B4-BE49-F238E27FC236}">
+                <a16:creationId xmlns:a16="http://schemas.microsoft.com/office/drawing/2014/main" id="{503CDA9C-1A2F-12CB-5990-A6D723151E39}"/>
+              </a:ext>
+            </a:extLst>
+          </p:cNvPr>
+          <p:cNvSpPr>
+            <a:spLocks noGrp="1"/>
+          </p:cNvSpPr>
+          <p:nvPr>
+            <p:ph type="title"/>
+          </p:nvPr>
+        </p:nvSpPr>
+        <p:spPr/>
+        <p:txBody>
+          <a:bodyPr/>
+          <a:lstStyle/>
+          <a:p>
+            <a:r>
+              <a:rPr lang="en-US" altLang="ko-KR" dirty="0"/>
+              <a:t>Cache coherence protocol</a:t>
+            </a:r>
+            <a:endParaRPr lang="ko-KR" altLang="en-US" dirty="0"/>
+          </a:p>
+        </p:txBody>
+      </p:sp>
+      <p:sp>
+        <p:nvSpPr>
+          <p:cNvPr id="3" name="내용 개체 틀 2">
+            <a:extLst>
+              <a:ext uri="{FF2B5EF4-FFF2-40B4-BE49-F238E27FC236}">
+                <a16:creationId xmlns:a16="http://schemas.microsoft.com/office/drawing/2014/main" id="{6876FACD-7AB9-5855-6869-1EC21BE25024}"/>
+              </a:ext>
+            </a:extLst>
+          </p:cNvPr>
+          <p:cNvSpPr>
+            <a:spLocks noGrp="1"/>
+          </p:cNvSpPr>
+          <p:nvPr>
+            <p:ph idx="1"/>
+          </p:nvPr>
+        </p:nvSpPr>
+        <p:spPr/>
+        <p:txBody>
+          <a:bodyPr>
+            <a:normAutofit/>
+          </a:bodyPr>
+          <a:lstStyle/>
+          <a:p>
+            <a:pPr marL="0" indent="0">
+              <a:buNone/>
+            </a:pPr>
+            <a:r>
+              <a:rPr lang="en-US" altLang="ko-KR" sz="2000" b="1" dirty="0"/>
+              <a:t>BUS read</a:t>
+            </a:r>
+          </a:p>
+          <a:p>
+            <a:pPr marL="0" indent="0">
+              <a:buNone/>
+            </a:pPr>
+            <a:r>
+              <a:rPr lang="en-US" altLang="ko-KR" sz="1800" dirty="0"/>
+              <a:t>If cache 1 is M-state or E-state -&gt; other cache have all invalid data.(I-state)</a:t>
+            </a:r>
+          </a:p>
+          <a:p>
+            <a:pPr marL="0" indent="0">
+              <a:buNone/>
+            </a:pPr>
+            <a:r>
+              <a:rPr lang="en-US" altLang="ko-KR" sz="1800" dirty="0"/>
+              <a:t>-&gt; No other cache access and keep the state.</a:t>
+            </a:r>
+          </a:p>
+          <a:p>
+            <a:pPr marL="0" indent="0">
+              <a:buNone/>
+            </a:pPr>
+            <a:r>
+              <a:rPr lang="en-US" altLang="ko-KR" sz="1800" dirty="0"/>
+              <a:t>If cache 1 is S-state -&gt; a cache have S-state -&gt; it would make cache1 to S-state</a:t>
+            </a:r>
+          </a:p>
+          <a:p>
+            <a:pPr marL="0" indent="0">
+              <a:buNone/>
+            </a:pPr>
+            <a:r>
+              <a:rPr lang="en-US" altLang="ko-KR" sz="1800" dirty="0"/>
+              <a:t>		      -&gt; </a:t>
+            </a:r>
+          </a:p>
+          <a:p>
+            <a:pPr marL="0" indent="0">
+              <a:buNone/>
+            </a:pPr>
+            <a:r>
+              <a:rPr lang="en-US" altLang="ko-KR" sz="1800" dirty="0"/>
+              <a:t>If cache 1 is I-state -&gt; 1) a cache has that data   -&gt; change cache1 and that cache to S-state  </a:t>
+            </a:r>
+          </a:p>
+          <a:p>
+            <a:pPr marL="0" indent="0">
+              <a:buNone/>
+            </a:pPr>
+            <a:r>
+              <a:rPr lang="en-US" altLang="ko-KR" sz="1800" dirty="0"/>
+              <a:t>		     -&gt; 2) no cache has that data -&gt; change cache 1 to E-state</a:t>
+            </a:r>
+          </a:p>
+          <a:p>
+            <a:pPr marL="0" indent="0">
+              <a:buNone/>
+            </a:pPr>
+            <a:r>
+              <a:rPr lang="en-US" altLang="ko-KR" sz="1800" b="1" dirty="0"/>
+              <a:t>BUS write</a:t>
+            </a:r>
+          </a:p>
+          <a:p>
+            <a:pPr marL="0" indent="0">
+              <a:buNone/>
+            </a:pPr>
+            <a:r>
+              <a:rPr lang="en-US" altLang="ko-KR" sz="1800" dirty="0"/>
+              <a:t>Change cache 1 to M-state.</a:t>
+            </a:r>
+          </a:p>
+          <a:p>
+            <a:pPr marL="0" indent="0">
+              <a:buNone/>
+            </a:pPr>
+            <a:r>
+              <a:rPr lang="en-US" altLang="ko-KR" sz="1800" dirty="0"/>
+              <a:t>Change all other caches to I-state. If they have same address.</a:t>
+            </a:r>
+          </a:p>
+          <a:p>
+            <a:pPr marL="0" indent="0">
+              <a:buNone/>
+            </a:pPr>
+            <a:endParaRPr lang="en-US" altLang="ko-KR" sz="1600" dirty="0"/>
+          </a:p>
+          <a:p>
+            <a:pPr marL="0" indent="0">
+              <a:buNone/>
+            </a:pPr>
+            <a:endParaRPr lang="en-US" altLang="ko-KR" sz="1800" dirty="0"/>
+          </a:p>
+          <a:p>
+            <a:pPr marL="0" indent="0">
+              <a:buNone/>
+            </a:pPr>
+            <a:endParaRPr lang="en-US" altLang="ko-KR" sz="1800" dirty="0"/>
+          </a:p>
+          <a:p>
+            <a:pPr marL="0" indent="0">
+              <a:buNone/>
+            </a:pPr>
+            <a:endParaRPr lang="en-US" altLang="ko-KR" sz="1800" dirty="0"/>
+          </a:p>
+          <a:p>
+            <a:pPr marL="0" indent="0">
+              <a:buNone/>
+            </a:pPr>
+            <a:endParaRPr lang="en-US" altLang="ko-KR" sz="1800" dirty="0"/>
+          </a:p>
+          <a:p>
+            <a:pPr marL="0" indent="0">
+              <a:buNone/>
+            </a:pPr>
+            <a:endParaRPr lang="en-US" altLang="ko-KR" sz="2000" dirty="0"/>
+          </a:p>
+          <a:p>
+            <a:pPr marL="0" indent="0">
+              <a:buNone/>
+            </a:pPr>
+            <a:endParaRPr lang="en-US" altLang="ko-KR" dirty="0"/>
+          </a:p>
+        </p:txBody>
+      </p:sp>
+    </p:spTree>
+    <p:extLst>
+      <p:ext uri="{BB962C8B-B14F-4D97-AF65-F5344CB8AC3E}">
+        <p14:creationId xmlns:p14="http://schemas.microsoft.com/office/powerpoint/2010/main" val="2369220999"/>
+      </p:ext>
+    </p:extLst>
+  </p:cSld>
+  <p:clrMapOvr>
+    <a:masterClrMapping/>
+  </p:clrMapOvr>
+</p:sld>
+</file>
+
+<file path=ppt/slides/slide13.xml><?xml version="1.0" encoding="utf-8"?>
+<p:sld xmlns:a="http://schemas.openxmlformats.org/drawingml/2006/main" xmlns:r="http://schemas.openxmlformats.org/officeDocument/2006/relationships" xmlns:p="http://schemas.openxmlformats.org/presentationml/2006/main">
+  <p:cSld>
+    <p:spTree>
+      <p:nvGrpSpPr>
+        <p:cNvPr id="1" name="">
+          <a:extLst>
+            <a:ext uri="{FF2B5EF4-FFF2-40B4-BE49-F238E27FC236}">
+              <a16:creationId xmlns:a16="http://schemas.microsoft.com/office/drawing/2014/main" id="{7F4F6278-BB85-CD2B-65DF-C0761C939C3D}"/>
+            </a:ext>
+          </a:extLst>
+        </p:cNvPr>
+        <p:cNvGrpSpPr/>
+        <p:nvPr/>
+      </p:nvGrpSpPr>
+      <p:grpSpPr>
+        <a:xfrm>
+          <a:off x="0" y="0"/>
+          <a:ext cx="0" cy="0"/>
+          <a:chOff x="0" y="0"/>
+          <a:chExt cx="0" cy="0"/>
+        </a:xfrm>
+      </p:grpSpPr>
+      <p:sp>
+        <p:nvSpPr>
+          <p:cNvPr id="2" name="제목 1">
+            <a:extLst>
+              <a:ext uri="{FF2B5EF4-FFF2-40B4-BE49-F238E27FC236}">
+                <a16:creationId xmlns:a16="http://schemas.microsoft.com/office/drawing/2014/main" id="{EF98A1CD-4345-6064-D81A-98299747825E}"/>
+              </a:ext>
+            </a:extLst>
+          </p:cNvPr>
+          <p:cNvSpPr>
+            <a:spLocks noGrp="1"/>
+          </p:cNvSpPr>
+          <p:nvPr>
+            <p:ph type="title"/>
+          </p:nvPr>
+        </p:nvSpPr>
+        <p:spPr/>
+        <p:txBody>
+          <a:bodyPr/>
+          <a:lstStyle/>
+          <a:p>
+            <a:r>
+              <a:rPr lang="en-US" altLang="ko-KR" dirty="0"/>
+              <a:t>Cache coherence protocol</a:t>
+            </a:r>
+            <a:endParaRPr lang="ko-KR" altLang="en-US" dirty="0"/>
+          </a:p>
+        </p:txBody>
+      </p:sp>
+      <p:sp>
+        <p:nvSpPr>
+          <p:cNvPr id="3" name="내용 개체 틀 2">
+            <a:extLst>
+              <a:ext uri="{FF2B5EF4-FFF2-40B4-BE49-F238E27FC236}">
+                <a16:creationId xmlns:a16="http://schemas.microsoft.com/office/drawing/2014/main" id="{A43B6873-F6D1-4C85-028D-1B941B995432}"/>
+              </a:ext>
+            </a:extLst>
+          </p:cNvPr>
+          <p:cNvSpPr>
+            <a:spLocks noGrp="1"/>
+          </p:cNvSpPr>
+          <p:nvPr>
+            <p:ph idx="1"/>
+          </p:nvPr>
+        </p:nvSpPr>
+        <p:spPr/>
+        <p:txBody>
+          <a:bodyPr>
+            <a:normAutofit fontScale="92500" lnSpcReduction="20000"/>
+          </a:bodyPr>
+          <a:lstStyle/>
+          <a:p>
+            <a:pPr marL="0" indent="0">
+              <a:buNone/>
+            </a:pPr>
+            <a:r>
+              <a:rPr lang="en-US" altLang="ko-KR" sz="1800" b="1" dirty="0"/>
+              <a:t>BUS write</a:t>
+            </a:r>
+          </a:p>
+          <a:p>
+            <a:pPr marL="0" indent="0">
+              <a:buNone/>
+            </a:pPr>
+            <a:r>
+              <a:rPr lang="en-US" altLang="ko-KR" sz="1800" dirty="0"/>
+              <a:t>Change cache 1 to M-state.</a:t>
+            </a:r>
+          </a:p>
+          <a:p>
+            <a:pPr marL="0" indent="0">
+              <a:buNone/>
+            </a:pPr>
+            <a:r>
+              <a:rPr lang="en-US" altLang="ko-KR" sz="1800" dirty="0"/>
+              <a:t>Change all other caches to I-state. even If they have same address.</a:t>
+            </a:r>
+          </a:p>
+          <a:p>
+            <a:pPr>
+              <a:buFont typeface="Wingdings" panose="05000000000000000000" pitchFamily="2" charset="2"/>
+              <a:buChar char="è"/>
+            </a:pPr>
+            <a:r>
+              <a:rPr lang="en-US" altLang="ko-KR" sz="1800" dirty="0"/>
+              <a:t>Cache</a:t>
+            </a:r>
+            <a:r>
+              <a:rPr lang="ko-KR" altLang="en-US" sz="1800" dirty="0"/>
+              <a:t>에 메모리를 가져와서 쓰는 형식</a:t>
+            </a:r>
+            <a:r>
+              <a:rPr lang="en-US" altLang="ko-KR" sz="1800" dirty="0"/>
+              <a:t>. Write</a:t>
+            </a:r>
+            <a:r>
+              <a:rPr lang="ko-KR" altLang="en-US" sz="1800" dirty="0"/>
+              <a:t> </a:t>
+            </a:r>
+            <a:r>
+              <a:rPr lang="en-US" altLang="ko-KR" sz="1800" dirty="0"/>
+              <a:t>allocate.</a:t>
+            </a:r>
+          </a:p>
+          <a:p>
+            <a:pPr marL="0" indent="0">
+              <a:buNone/>
+            </a:pPr>
+            <a:endParaRPr lang="en-US" altLang="ko-KR" sz="1800" dirty="0"/>
+          </a:p>
+          <a:p>
+            <a:pPr marL="0" indent="0">
+              <a:buNone/>
+            </a:pPr>
+            <a:endParaRPr lang="en-US" altLang="ko-KR" sz="1800" dirty="0"/>
+          </a:p>
+          <a:p>
+            <a:pPr marL="0" indent="0">
+              <a:buNone/>
+            </a:pPr>
+            <a:r>
+              <a:rPr lang="en-US" altLang="ko-KR" sz="1600" dirty="0"/>
+              <a:t>“</a:t>
+            </a:r>
+            <a:r>
+              <a:rPr lang="en-US" altLang="ko-KR" sz="1600" dirty="0" err="1"/>
+              <a:t>Bus_invalid</a:t>
+            </a:r>
+            <a:r>
+              <a:rPr lang="en-US" altLang="ko-KR" sz="1600" dirty="0"/>
+              <a:t>” function. If there’s same cache line  in other caches. Make it invalid and put it on last of LRU position</a:t>
+            </a:r>
+          </a:p>
+          <a:p>
+            <a:pPr marL="0" indent="0">
+              <a:buNone/>
+            </a:pPr>
+            <a:endParaRPr lang="en-US" altLang="ko-KR" sz="1800" dirty="0"/>
+          </a:p>
+          <a:p>
+            <a:pPr marL="0" indent="0">
+              <a:buNone/>
+            </a:pPr>
+            <a:r>
+              <a:rPr lang="ko-KR" altLang="en-US" sz="1800" dirty="0"/>
+              <a:t>메모리 </a:t>
+            </a:r>
+            <a:r>
+              <a:rPr lang="en-US" altLang="ko-KR" sz="1800" dirty="0"/>
+              <a:t>load -&gt; </a:t>
+            </a:r>
+            <a:r>
+              <a:rPr lang="ko-KR" altLang="en-US" sz="1800" dirty="0"/>
+              <a:t>그 메모리에 있는 것을 불러옴 </a:t>
+            </a:r>
+            <a:r>
+              <a:rPr lang="en-US" altLang="ko-KR" sz="1800" dirty="0"/>
+              <a:t>-&gt; cache</a:t>
+            </a:r>
+            <a:r>
+              <a:rPr lang="ko-KR" altLang="en-US" sz="1800" dirty="0"/>
+              <a:t>에 </a:t>
+            </a:r>
+            <a:r>
+              <a:rPr lang="ko-KR" altLang="en-US" sz="1800" dirty="0" err="1"/>
+              <a:t>쓰는게</a:t>
+            </a:r>
+            <a:r>
+              <a:rPr lang="ko-KR" altLang="en-US" sz="1800" dirty="0"/>
+              <a:t> 아니고 그저 불러오는 것</a:t>
+            </a:r>
+            <a:r>
+              <a:rPr lang="en-US" altLang="ko-KR" sz="1800" dirty="0"/>
+              <a:t>…!</a:t>
+            </a:r>
+          </a:p>
+          <a:p>
+            <a:pPr marL="0" indent="0">
+              <a:buNone/>
+            </a:pPr>
+            <a:r>
+              <a:rPr lang="ko-KR" altLang="en-US" sz="1800" dirty="0"/>
+              <a:t>메모리 </a:t>
+            </a:r>
+            <a:r>
+              <a:rPr lang="en-US" altLang="ko-KR" sz="1800" dirty="0"/>
+              <a:t>store -&gt; </a:t>
+            </a:r>
+            <a:r>
+              <a:rPr lang="ko-KR" altLang="en-US" sz="1800" dirty="0"/>
+              <a:t>그 메모리에 </a:t>
+            </a:r>
+            <a:r>
+              <a:rPr lang="ko-KR" altLang="en-US" sz="1800" dirty="0" err="1"/>
+              <a:t>써야함</a:t>
+            </a:r>
+            <a:r>
+              <a:rPr lang="ko-KR" altLang="en-US" sz="1800" dirty="0"/>
+              <a:t> </a:t>
+            </a:r>
+            <a:r>
+              <a:rPr lang="en-US" altLang="ko-KR" sz="1800" dirty="0"/>
+              <a:t>-&gt; cache</a:t>
+            </a:r>
+            <a:r>
+              <a:rPr lang="ko-KR" altLang="en-US" sz="1800" dirty="0"/>
+              <a:t>에 </a:t>
+            </a:r>
+            <a:r>
+              <a:rPr lang="ko-KR" altLang="en-US" sz="1800" dirty="0" err="1"/>
+              <a:t>있던거를</a:t>
+            </a:r>
+            <a:r>
+              <a:rPr lang="ko-KR" altLang="en-US" sz="1800" dirty="0"/>
+              <a:t> </a:t>
+            </a:r>
+            <a:r>
+              <a:rPr lang="ko-KR" altLang="en-US" sz="1800" dirty="0" err="1"/>
+              <a:t>읽는거임</a:t>
+            </a:r>
+            <a:r>
+              <a:rPr lang="ko-KR" altLang="en-US" sz="1800" dirty="0"/>
+              <a:t> </a:t>
+            </a:r>
+            <a:r>
+              <a:rPr lang="en-US" altLang="ko-KR" sz="1800" dirty="0"/>
+              <a:t>write-back</a:t>
+            </a:r>
+            <a:r>
+              <a:rPr lang="ko-KR" altLang="en-US" sz="1800" dirty="0"/>
+              <a:t>을 이용</a:t>
+            </a:r>
+            <a:r>
+              <a:rPr lang="en-US" altLang="ko-KR" sz="1800" dirty="0"/>
+              <a:t> cache</a:t>
+            </a:r>
+            <a:r>
+              <a:rPr lang="ko-KR" altLang="en-US" sz="1800" dirty="0"/>
+              <a:t>에 있으면 </a:t>
+            </a:r>
+            <a:r>
+              <a:rPr lang="en-US" altLang="ko-KR" sz="1800" dirty="0"/>
+              <a:t>cache</a:t>
+            </a:r>
+            <a:r>
+              <a:rPr lang="ko-KR" altLang="en-US" sz="1800" dirty="0"/>
+              <a:t>에 </a:t>
+            </a:r>
+            <a:r>
+              <a:rPr lang="ko-KR" altLang="en-US" sz="1800" dirty="0" err="1"/>
+              <a:t>써야함</a:t>
+            </a:r>
+            <a:r>
+              <a:rPr lang="en-US" altLang="ko-KR" sz="1800" dirty="0"/>
+              <a:t>. </a:t>
+            </a:r>
+            <a:r>
+              <a:rPr lang="ko-KR" altLang="en-US" sz="1800" dirty="0"/>
+              <a:t>이는 </a:t>
+            </a:r>
+            <a:r>
+              <a:rPr lang="en-US" altLang="ko-KR" sz="1800" dirty="0"/>
+              <a:t>target cycle</a:t>
+            </a:r>
+            <a:r>
+              <a:rPr lang="ko-KR" altLang="en-US" sz="1800" dirty="0"/>
+              <a:t>에 </a:t>
+            </a:r>
+            <a:r>
+              <a:rPr lang="en-US" altLang="ko-KR" sz="1800" dirty="0"/>
+              <a:t>100</a:t>
+            </a:r>
+            <a:r>
+              <a:rPr lang="ko-KR" altLang="en-US" sz="1800" dirty="0"/>
+              <a:t>을 추가하면 됨</a:t>
+            </a:r>
+            <a:r>
+              <a:rPr lang="en-US" altLang="ko-KR" sz="1800" dirty="0"/>
+              <a:t>. </a:t>
+            </a:r>
+          </a:p>
+          <a:p>
+            <a:pPr marL="0" indent="0">
+              <a:buNone/>
+            </a:pPr>
+            <a:endParaRPr lang="en-US" altLang="ko-KR" sz="1800" dirty="0"/>
+          </a:p>
+          <a:p>
+            <a:pPr marL="0" indent="0">
+              <a:buNone/>
+            </a:pPr>
+            <a:r>
+              <a:rPr lang="en-US" altLang="ko-KR" sz="1800" dirty="0"/>
+              <a:t>Cache write </a:t>
+            </a:r>
+            <a:r>
+              <a:rPr lang="ko-KR" altLang="en-US" sz="1800" dirty="0"/>
+              <a:t>시에 다른 </a:t>
+            </a:r>
+            <a:r>
+              <a:rPr lang="en-US" altLang="ko-KR" sz="1800" dirty="0"/>
+              <a:t>cache</a:t>
+            </a:r>
+            <a:r>
+              <a:rPr lang="ko-KR" altLang="en-US" sz="1800" dirty="0"/>
+              <a:t>에는 존재하지만 본인 </a:t>
+            </a:r>
+            <a:r>
+              <a:rPr lang="en-US" altLang="ko-KR" sz="1800" dirty="0"/>
+              <a:t>cache</a:t>
+            </a:r>
+            <a:r>
+              <a:rPr lang="ko-KR" altLang="en-US" sz="1800" dirty="0"/>
+              <a:t>에 존재하지 </a:t>
+            </a:r>
+            <a:r>
+              <a:rPr lang="ko-KR" altLang="en-US" sz="1800" dirty="0" err="1"/>
+              <a:t>않을때</a:t>
+            </a:r>
+            <a:r>
+              <a:rPr lang="en-US" altLang="ko-KR" sz="1800" dirty="0"/>
+              <a:t>? </a:t>
+            </a:r>
+            <a:r>
+              <a:rPr lang="ko-KR" altLang="en-US" sz="1800" dirty="0"/>
+              <a:t>다른 </a:t>
+            </a:r>
+            <a:r>
+              <a:rPr lang="en-US" altLang="ko-KR" sz="1800" dirty="0"/>
+              <a:t>cache</a:t>
+            </a:r>
+            <a:r>
+              <a:rPr lang="ko-KR" altLang="en-US" sz="1800" dirty="0"/>
+              <a:t>에 쓰면 될 것 같음</a:t>
+            </a:r>
+            <a:r>
+              <a:rPr lang="en-US" altLang="ko-KR" sz="1800" dirty="0"/>
+              <a:t>. -&gt; No</a:t>
+            </a:r>
+            <a:r>
+              <a:rPr lang="ko-KR" altLang="en-US" sz="1800" dirty="0"/>
+              <a:t> 그냥 본인에게 쓰고 </a:t>
+            </a:r>
+            <a:r>
+              <a:rPr lang="ko-KR" altLang="en-US" sz="1800" dirty="0" err="1"/>
+              <a:t>다른애들</a:t>
+            </a:r>
+            <a:r>
+              <a:rPr lang="ko-KR" altLang="en-US" sz="1800" dirty="0"/>
+              <a:t> </a:t>
+            </a:r>
+            <a:r>
+              <a:rPr lang="en-US" altLang="ko-KR" sz="1800" dirty="0"/>
+              <a:t>invalid</a:t>
+            </a:r>
+            <a:r>
+              <a:rPr lang="ko-KR" altLang="en-US" sz="1800" dirty="0"/>
+              <a:t>만들기 </a:t>
+            </a:r>
+            <a:r>
+              <a:rPr lang="en-US" altLang="ko-KR" sz="1800" dirty="0"/>
+              <a:t>.</a:t>
+            </a:r>
+          </a:p>
+          <a:p>
+            <a:pPr marL="0" indent="0">
+              <a:buNone/>
+            </a:pPr>
+            <a:endParaRPr lang="en-US" altLang="ko-KR" sz="1800" dirty="0"/>
+          </a:p>
+          <a:p>
+            <a:pPr marL="0" indent="0">
+              <a:buNone/>
+            </a:pPr>
+            <a:endParaRPr lang="en-US" altLang="ko-KR" sz="1800" dirty="0"/>
+          </a:p>
+          <a:p>
+            <a:pPr marL="0" indent="0">
+              <a:buNone/>
+            </a:pPr>
+            <a:endParaRPr lang="en-US" altLang="ko-KR" sz="2000" dirty="0"/>
+          </a:p>
+          <a:p>
+            <a:pPr marL="0" indent="0">
+              <a:buNone/>
+            </a:pPr>
+            <a:endParaRPr lang="en-US" altLang="ko-KR" dirty="0"/>
+          </a:p>
+        </p:txBody>
+      </p:sp>
+    </p:spTree>
+    <p:extLst>
+      <p:ext uri="{BB962C8B-B14F-4D97-AF65-F5344CB8AC3E}">
+        <p14:creationId xmlns:p14="http://schemas.microsoft.com/office/powerpoint/2010/main" val="357758730"/>
+      </p:ext>
+    </p:extLst>
+  </p:cSld>
+  <p:clrMapOvr>
+    <a:masterClrMapping/>
+  </p:clrMapOvr>
+</p:sld>
+</file>
+
+<file path=ppt/slides/slide14.xml><?xml version="1.0" encoding="utf-8"?>
+<p:sld xmlns:a="http://schemas.openxmlformats.org/drawingml/2006/main" xmlns:r="http://schemas.openxmlformats.org/officeDocument/2006/relationships" xmlns:p="http://schemas.openxmlformats.org/presentationml/2006/main">
+  <p:cSld>
+    <p:spTree>
+      <p:nvGrpSpPr>
+        <p:cNvPr id="1" name="">
+          <a:extLst>
+            <a:ext uri="{FF2B5EF4-FFF2-40B4-BE49-F238E27FC236}">
+              <a16:creationId xmlns:a16="http://schemas.microsoft.com/office/drawing/2014/main" id="{D4581FD2-4F5F-15C5-9A36-F4A03FFE15C5}"/>
+            </a:ext>
+          </a:extLst>
+        </p:cNvPr>
+        <p:cNvGrpSpPr/>
+        <p:nvPr/>
+      </p:nvGrpSpPr>
+      <p:grpSpPr>
+        <a:xfrm>
+          <a:off x="0" y="0"/>
+          <a:ext cx="0" cy="0"/>
+          <a:chOff x="0" y="0"/>
+          <a:chExt cx="0" cy="0"/>
+        </a:xfrm>
+      </p:grpSpPr>
+      <p:sp>
+        <p:nvSpPr>
+          <p:cNvPr id="2" name="제목 1">
+            <a:extLst>
+              <a:ext uri="{FF2B5EF4-FFF2-40B4-BE49-F238E27FC236}">
+                <a16:creationId xmlns:a16="http://schemas.microsoft.com/office/drawing/2014/main" id="{627D8F2D-6087-F23F-1CFA-51C38193356C}"/>
+              </a:ext>
+            </a:extLst>
+          </p:cNvPr>
+          <p:cNvSpPr>
+            <a:spLocks noGrp="1"/>
+          </p:cNvSpPr>
+          <p:nvPr>
+            <p:ph type="title"/>
+          </p:nvPr>
+        </p:nvSpPr>
+        <p:spPr/>
+        <p:txBody>
+          <a:bodyPr/>
+          <a:lstStyle/>
+          <a:p>
+            <a:r>
+              <a:rPr lang="en-US" altLang="ko-KR" dirty="0"/>
+              <a:t>Cache coherence protocol</a:t>
+            </a:r>
+            <a:endParaRPr lang="ko-KR" altLang="en-US" dirty="0"/>
+          </a:p>
+        </p:txBody>
+      </p:sp>
+      <p:sp>
+        <p:nvSpPr>
+          <p:cNvPr id="3" name="내용 개체 틀 2">
+            <a:extLst>
+              <a:ext uri="{FF2B5EF4-FFF2-40B4-BE49-F238E27FC236}">
+                <a16:creationId xmlns:a16="http://schemas.microsoft.com/office/drawing/2014/main" id="{819BB185-35E3-812B-6BD7-4C450317011C}"/>
+              </a:ext>
+            </a:extLst>
+          </p:cNvPr>
+          <p:cNvSpPr>
+            <a:spLocks noGrp="1"/>
+          </p:cNvSpPr>
+          <p:nvPr>
+            <p:ph idx="1"/>
+          </p:nvPr>
+        </p:nvSpPr>
+        <p:spPr/>
+        <p:txBody>
+          <a:bodyPr>
+            <a:normAutofit/>
+          </a:bodyPr>
+          <a:lstStyle/>
+          <a:p>
+            <a:pPr marL="0" indent="0">
+              <a:buNone/>
+            </a:pPr>
+            <a:r>
+              <a:rPr lang="en-US" altLang="ko-KR" sz="2000" b="1" dirty="0"/>
+              <a:t>BUS write</a:t>
+            </a:r>
+          </a:p>
+          <a:p>
+            <a:pPr marL="0" indent="0">
+              <a:buNone/>
+            </a:pPr>
+            <a:r>
+              <a:rPr lang="en-US" altLang="ko-KR" sz="2000" dirty="0"/>
+              <a:t>Change cache 1 to M-state.</a:t>
+            </a:r>
+          </a:p>
+          <a:p>
+            <a:pPr marL="0" indent="0">
+              <a:buNone/>
+            </a:pPr>
+            <a:r>
+              <a:rPr lang="en-US" altLang="ko-KR" sz="2000" dirty="0"/>
+              <a:t>Change all other caches to I-state. If they have same address.</a:t>
+            </a:r>
+          </a:p>
+          <a:p>
+            <a:pPr marL="0" indent="0">
+              <a:buNone/>
+            </a:pPr>
+            <a:endParaRPr lang="en-US" altLang="ko-KR" sz="1800" dirty="0"/>
+          </a:p>
+          <a:p>
+            <a:pPr marL="0" indent="0">
+              <a:buNone/>
+            </a:pPr>
+            <a:endParaRPr lang="en-US" altLang="ko-KR" sz="1800" dirty="0"/>
+          </a:p>
+          <a:p>
+            <a:pPr marL="0" indent="0">
+              <a:buNone/>
+            </a:pPr>
+            <a:endParaRPr lang="en-US" altLang="ko-KR" sz="1800" dirty="0"/>
+          </a:p>
+          <a:p>
+            <a:pPr marL="0" indent="0">
+              <a:buNone/>
+            </a:pPr>
+            <a:endParaRPr lang="en-US" altLang="ko-KR" sz="1800" dirty="0"/>
+          </a:p>
+          <a:p>
+            <a:pPr marL="0" indent="0">
+              <a:buNone/>
+            </a:pPr>
+            <a:endParaRPr lang="en-US" altLang="ko-KR" sz="2000" dirty="0"/>
+          </a:p>
+          <a:p>
+            <a:pPr marL="0" indent="0">
+              <a:buNone/>
+            </a:pPr>
+            <a:endParaRPr lang="en-US" altLang="ko-KR" dirty="0"/>
+          </a:p>
+        </p:txBody>
+      </p:sp>
+    </p:spTree>
+    <p:extLst>
+      <p:ext uri="{BB962C8B-B14F-4D97-AF65-F5344CB8AC3E}">
+        <p14:creationId xmlns:p14="http://schemas.microsoft.com/office/powerpoint/2010/main" val="2443131513"/>
+      </p:ext>
+    </p:extLst>
+  </p:cSld>
+  <p:clrMapOvr>
+    <a:masterClrMapping/>
+  </p:clrMapOvr>
+</p:sld>
+</file>
+
+<file path=ppt/slides/slide15.xml><?xml version="1.0" encoding="utf-8"?>
+<p:sld xmlns:a="http://schemas.openxmlformats.org/drawingml/2006/main" xmlns:r="http://schemas.openxmlformats.org/officeDocument/2006/relationships" xmlns:p="http://schemas.openxmlformats.org/presentationml/2006/main">
+  <p:cSld>
+    <p:spTree>
+      <p:nvGrpSpPr>
+        <p:cNvPr id="1" name="">
+          <a:extLst>
+            <a:ext uri="{FF2B5EF4-FFF2-40B4-BE49-F238E27FC236}">
+              <a16:creationId xmlns:a16="http://schemas.microsoft.com/office/drawing/2014/main" id="{92D379E0-692A-DAC7-472F-C08CA698566A}"/>
+            </a:ext>
+          </a:extLst>
+        </p:cNvPr>
+        <p:cNvGrpSpPr/>
+        <p:nvPr/>
+      </p:nvGrpSpPr>
+      <p:grpSpPr>
+        <a:xfrm>
+          <a:off x="0" y="0"/>
+          <a:ext cx="0" cy="0"/>
+          <a:chOff x="0" y="0"/>
+          <a:chExt cx="0" cy="0"/>
+        </a:xfrm>
+      </p:grpSpPr>
+      <p:sp>
+        <p:nvSpPr>
+          <p:cNvPr id="2" name="제목 1">
+            <a:extLst>
+              <a:ext uri="{FF2B5EF4-FFF2-40B4-BE49-F238E27FC236}">
+                <a16:creationId xmlns:a16="http://schemas.microsoft.com/office/drawing/2014/main" id="{CDC9F8CE-3396-AE4F-7DD8-858CE0F3CF97}"/>
+              </a:ext>
+            </a:extLst>
+          </p:cNvPr>
+          <p:cNvSpPr>
+            <a:spLocks noGrp="1"/>
+          </p:cNvSpPr>
+          <p:nvPr>
+            <p:ph type="title"/>
+          </p:nvPr>
+        </p:nvSpPr>
+        <p:spPr/>
+        <p:txBody>
+          <a:bodyPr/>
+          <a:lstStyle/>
+          <a:p>
+            <a:r>
+              <a:rPr lang="en-US" altLang="ko-KR" dirty="0"/>
+              <a:t>MESI protocol</a:t>
+            </a:r>
+            <a:endParaRPr lang="ko-KR" altLang="en-US" dirty="0"/>
+          </a:p>
+        </p:txBody>
+      </p:sp>
+      <p:sp>
+        <p:nvSpPr>
+          <p:cNvPr id="3" name="내용 개체 틀 2">
+            <a:extLst>
+              <a:ext uri="{FF2B5EF4-FFF2-40B4-BE49-F238E27FC236}">
+                <a16:creationId xmlns:a16="http://schemas.microsoft.com/office/drawing/2014/main" id="{506E2615-5B9A-C428-9DA4-7FC8F2CF952A}"/>
+              </a:ext>
+            </a:extLst>
+          </p:cNvPr>
+          <p:cNvSpPr>
+            <a:spLocks noGrp="1"/>
+          </p:cNvSpPr>
+          <p:nvPr>
+            <p:ph idx="1"/>
+          </p:nvPr>
+        </p:nvSpPr>
+        <p:spPr/>
+        <p:txBody>
+          <a:bodyPr>
+            <a:normAutofit fontScale="85000" lnSpcReduction="20000"/>
+          </a:bodyPr>
+          <a:lstStyle/>
+          <a:p>
+            <a:pPr marL="0" indent="0">
+              <a:buNone/>
+            </a:pPr>
+            <a:r>
+              <a:rPr lang="en-US" altLang="ko-KR" sz="2400" dirty="0"/>
+              <a:t>-Modified :  different with dram.</a:t>
+            </a:r>
+          </a:p>
+          <a:p>
+            <a:pPr marL="0" indent="0">
+              <a:buNone/>
+            </a:pPr>
+            <a:r>
+              <a:rPr lang="en-US" altLang="ko-KR" sz="2400" dirty="0"/>
+              <a:t>-Exclusive : same with dram and no shared.</a:t>
+            </a:r>
+          </a:p>
+          <a:p>
+            <a:pPr marL="0" indent="0">
+              <a:buNone/>
+            </a:pPr>
+            <a:r>
+              <a:rPr lang="en-US" altLang="ko-KR" sz="2400" dirty="0"/>
+              <a:t>-Shared : Same with dram, and </a:t>
+            </a:r>
+          </a:p>
+          <a:p>
+            <a:pPr marL="0" indent="0">
+              <a:buNone/>
+            </a:pPr>
+            <a:r>
+              <a:rPr lang="en-US" altLang="ko-KR" sz="2400" dirty="0"/>
+              <a:t>-Invalid : invalid useless data. Do not affect to coherence</a:t>
+            </a:r>
+          </a:p>
+          <a:p>
+            <a:pPr marL="457200" indent="-457200">
+              <a:buAutoNum type="arabicParenR"/>
+            </a:pPr>
+            <a:r>
+              <a:rPr lang="en-US" altLang="ko-KR" sz="2400" dirty="0"/>
+              <a:t>If we access to M-state, M-state do write back and changed to S-state. eventually there’s two of S-state. (write-back).</a:t>
+            </a:r>
+          </a:p>
+          <a:p>
+            <a:pPr marL="0" indent="0">
+              <a:buNone/>
+            </a:pPr>
+            <a:r>
+              <a:rPr lang="en-US" altLang="ko-KR" sz="2400" dirty="0"/>
+              <a:t>In this case. Both CPU have to wait 100 cycles until write-back is complete.</a:t>
+            </a:r>
+          </a:p>
+          <a:p>
+            <a:pPr marL="0" indent="0">
+              <a:buNone/>
+            </a:pPr>
+            <a:r>
+              <a:rPr lang="en-US" altLang="ko-KR" sz="2400" dirty="0"/>
+              <a:t>And CPU which owns M-state cache lines change its processing to write back.</a:t>
+            </a:r>
+          </a:p>
+          <a:p>
+            <a:pPr marL="0" indent="0">
+              <a:buNone/>
+            </a:pPr>
+            <a:r>
+              <a:rPr lang="en-US" altLang="ko-KR" sz="2400" dirty="0"/>
+              <a:t>2) If we access to M-state, M-state change to I-state and give data to accessing </a:t>
+            </a:r>
+            <a:r>
+              <a:rPr lang="en-US" altLang="ko-KR" sz="2400" dirty="0" err="1"/>
+              <a:t>cache_line</a:t>
+            </a:r>
+            <a:r>
+              <a:rPr lang="en-US" altLang="ko-KR" sz="2400" dirty="0"/>
+              <a:t> directly. Then accessing cache line change its state to M-state. (write-back?) </a:t>
+            </a:r>
+            <a:r>
+              <a:rPr lang="en-US" altLang="ko-KR" sz="2400" b="1" dirty="0"/>
+              <a:t>discuss later -&gt; it is Illinois MESI. So then. Implement method 1</a:t>
+            </a:r>
+          </a:p>
+          <a:p>
+            <a:pPr marL="0" indent="0">
+              <a:buNone/>
+            </a:pPr>
+            <a:endParaRPr lang="en-US" altLang="ko-KR" sz="2400" b="1" dirty="0"/>
+          </a:p>
+          <a:p>
+            <a:pPr marL="0" indent="0">
+              <a:buNone/>
+            </a:pPr>
+            <a:r>
+              <a:rPr lang="en-US" altLang="ko-KR" sz="2400" dirty="0"/>
+              <a:t>If store instruction comes, we do not store this data to other caches. Only cache that receive the instruction update to M-state</a:t>
+            </a:r>
+          </a:p>
+          <a:p>
+            <a:pPr marL="0" indent="0">
+              <a:buNone/>
+            </a:pPr>
+            <a:endParaRPr lang="ko-KR" altLang="en-US" dirty="0"/>
+          </a:p>
+        </p:txBody>
+      </p:sp>
+    </p:spTree>
+    <p:extLst>
+      <p:ext uri="{BB962C8B-B14F-4D97-AF65-F5344CB8AC3E}">
+        <p14:creationId xmlns:p14="http://schemas.microsoft.com/office/powerpoint/2010/main" val="2287133661"/>
+      </p:ext>
+    </p:extLst>
+  </p:cSld>
+  <p:clrMapOvr>
+    <a:masterClrMapping/>
+  </p:clrMapOvr>
+</p:sld>
+</file>
+
+<file path=ppt/slides/slide16.xml><?xml version="1.0" encoding="utf-8"?>
+<p:sld xmlns:a="http://schemas.openxmlformats.org/drawingml/2006/main" xmlns:r="http://schemas.openxmlformats.org/officeDocument/2006/relationships" xmlns:p="http://schemas.openxmlformats.org/presentationml/2006/main">
+  <p:cSld>
+    <p:spTree>
+      <p:nvGrpSpPr>
+        <p:cNvPr id="1" name="">
+          <a:extLst>
+            <a:ext uri="{FF2B5EF4-FFF2-40B4-BE49-F238E27FC236}">
+              <a16:creationId xmlns:a16="http://schemas.microsoft.com/office/drawing/2014/main" id="{786B409A-FC27-B071-4B38-DADE6F8ED2B7}"/>
+            </a:ext>
+          </a:extLst>
+        </p:cNvPr>
+        <p:cNvGrpSpPr/>
+        <p:nvPr/>
+      </p:nvGrpSpPr>
+      <p:grpSpPr>
+        <a:xfrm>
+          <a:off x="0" y="0"/>
+          <a:ext cx="0" cy="0"/>
+          <a:chOff x="0" y="0"/>
+          <a:chExt cx="0" cy="0"/>
+        </a:xfrm>
+      </p:grpSpPr>
+      <p:sp>
+        <p:nvSpPr>
+          <p:cNvPr id="2" name="제목 1">
+            <a:extLst>
+              <a:ext uri="{FF2B5EF4-FFF2-40B4-BE49-F238E27FC236}">
+                <a16:creationId xmlns:a16="http://schemas.microsoft.com/office/drawing/2014/main" id="{4441FD43-F27C-490E-BE58-49CFB6D325BE}"/>
+              </a:ext>
+            </a:extLst>
+          </p:cNvPr>
+          <p:cNvSpPr>
+            <a:spLocks noGrp="1"/>
+          </p:cNvSpPr>
+          <p:nvPr>
+            <p:ph type="title"/>
+          </p:nvPr>
+        </p:nvSpPr>
+        <p:spPr/>
+        <p:txBody>
+          <a:bodyPr/>
+          <a:lstStyle/>
+          <a:p>
+            <a:r>
+              <a:rPr lang="en-US" altLang="ko-KR" dirty="0"/>
+              <a:t>MESI protocol</a:t>
+            </a:r>
+            <a:endParaRPr lang="ko-KR" altLang="en-US" dirty="0"/>
+          </a:p>
+        </p:txBody>
+      </p:sp>
+      <p:sp>
+        <p:nvSpPr>
+          <p:cNvPr id="3" name="내용 개체 틀 2">
+            <a:extLst>
+              <a:ext uri="{FF2B5EF4-FFF2-40B4-BE49-F238E27FC236}">
+                <a16:creationId xmlns:a16="http://schemas.microsoft.com/office/drawing/2014/main" id="{17582E79-E4D7-B26A-4AB0-9A93952F094D}"/>
+              </a:ext>
+            </a:extLst>
+          </p:cNvPr>
+          <p:cNvSpPr>
+            <a:spLocks noGrp="1"/>
+          </p:cNvSpPr>
+          <p:nvPr>
+            <p:ph idx="1"/>
+          </p:nvPr>
+        </p:nvSpPr>
+        <p:spPr/>
+        <p:txBody>
+          <a:bodyPr>
+            <a:normAutofit lnSpcReduction="10000"/>
+          </a:bodyPr>
+          <a:lstStyle/>
+          <a:p>
+            <a:pPr marL="457200" indent="-457200">
+              <a:buAutoNum type="arabicParenR"/>
+            </a:pPr>
+            <a:r>
+              <a:rPr lang="en-US" altLang="ko-KR" sz="1800" dirty="0"/>
+              <a:t>If we access to M-state, M-state do write back and changed to S-state. eventually there’s two of S-state. (write-back).</a:t>
+            </a:r>
+          </a:p>
+          <a:p>
+            <a:pPr marL="0" indent="0">
+              <a:buNone/>
+            </a:pPr>
+            <a:r>
+              <a:rPr lang="en-US" altLang="ko-KR" sz="1800" dirty="0"/>
+              <a:t>In this case. Both CPU have to wait 100 cycles until write-back is complete.</a:t>
+            </a:r>
+          </a:p>
+          <a:p>
+            <a:pPr marL="0" indent="0">
+              <a:buNone/>
+            </a:pPr>
+            <a:r>
+              <a:rPr lang="en-US" altLang="ko-KR" sz="1800" dirty="0"/>
+              <a:t>And CPU which owns M-state cache lines change its processing to write back.</a:t>
+            </a:r>
+          </a:p>
+          <a:p>
+            <a:pPr marL="0" indent="0">
+              <a:buNone/>
+            </a:pPr>
+            <a:r>
+              <a:rPr lang="en-US" altLang="ko-KR" sz="1800" dirty="0"/>
+              <a:t>2) If we access to M-state, M-state change to I-state and give data to accessing </a:t>
+            </a:r>
+            <a:r>
+              <a:rPr lang="en-US" altLang="ko-KR" sz="1800" dirty="0" err="1"/>
+              <a:t>cache_line</a:t>
+            </a:r>
+            <a:r>
+              <a:rPr lang="en-US" altLang="ko-KR" sz="1800" dirty="0"/>
+              <a:t> directly. Then accessing cache line change its state to M-state. (write-back?) </a:t>
+            </a:r>
+            <a:r>
+              <a:rPr lang="en-US" altLang="ko-KR" sz="1800" b="1" dirty="0"/>
+              <a:t>discuss later -&gt; it is Illinois MESI. So then. Implement method 1</a:t>
+            </a:r>
+          </a:p>
+          <a:p>
+            <a:pPr marL="0" indent="0">
+              <a:buNone/>
+            </a:pPr>
+            <a:endParaRPr lang="en-US" altLang="ko-KR" sz="1800" b="1" dirty="0"/>
+          </a:p>
+          <a:p>
+            <a:pPr marL="0" indent="0">
+              <a:buNone/>
+            </a:pPr>
+            <a:r>
+              <a:rPr lang="en-US" altLang="ko-KR" sz="2000" dirty="0" err="1"/>
+              <a:t>waiting_write_back</a:t>
+            </a:r>
+            <a:r>
+              <a:rPr lang="en-US" altLang="ko-KR" sz="2000" dirty="0"/>
+              <a:t>. 1) situation.</a:t>
+            </a:r>
+          </a:p>
+          <a:p>
+            <a:pPr marL="0" indent="0">
+              <a:buNone/>
+            </a:pPr>
+            <a:r>
+              <a:rPr lang="en-US" altLang="ko-KR" sz="2000" dirty="0"/>
+              <a:t>set this variable to 100. and wait this cycles before execute other instructions.</a:t>
+            </a:r>
+          </a:p>
+          <a:p>
+            <a:pPr marL="0" indent="0">
+              <a:buNone/>
+            </a:pPr>
+            <a:r>
+              <a:rPr lang="en-US" altLang="ko-KR" sz="2000" dirty="0"/>
+              <a:t>, and when M-state cache line is evicted.</a:t>
+            </a:r>
+          </a:p>
+          <a:p>
+            <a:pPr marL="0" indent="0">
+              <a:buNone/>
+            </a:pPr>
+            <a:r>
+              <a:rPr lang="en-US" altLang="ko-KR" sz="2000" b="1" dirty="0"/>
+              <a:t>,,,,, write-back, and load, So then, total 200 cycles? Or write-back, and bus transaction total 102 cycles?... Now implemented 102 cycles.</a:t>
+            </a:r>
+            <a:endParaRPr lang="ko-KR" altLang="en-US" sz="2000" b="1" dirty="0"/>
+          </a:p>
+        </p:txBody>
+      </p:sp>
+    </p:spTree>
+    <p:extLst>
+      <p:ext uri="{BB962C8B-B14F-4D97-AF65-F5344CB8AC3E}">
+        <p14:creationId xmlns:p14="http://schemas.microsoft.com/office/powerpoint/2010/main" val="3882868284"/>
+      </p:ext>
+    </p:extLst>
+  </p:cSld>
+  <p:clrMapOvr>
+    <a:masterClrMapping/>
+  </p:clrMapOvr>
+</p:sld>
+</file>
+
+<file path=ppt/slides/slide17.xml><?xml version="1.0" encoding="utf-8"?>
+<p:sld xmlns:a="http://schemas.openxmlformats.org/drawingml/2006/main" xmlns:r="http://schemas.openxmlformats.org/officeDocument/2006/relationships" xmlns:p="http://schemas.openxmlformats.org/presentationml/2006/main">
+  <p:cSld>
+    <p:spTree>
+      <p:nvGrpSpPr>
+        <p:cNvPr id="1" name="">
+          <a:extLst>
+            <a:ext uri="{FF2B5EF4-FFF2-40B4-BE49-F238E27FC236}">
+              <a16:creationId xmlns:a16="http://schemas.microsoft.com/office/drawing/2014/main" id="{DDF742C0-F95B-32A5-449B-9060D60B3F43}"/>
+            </a:ext>
+          </a:extLst>
+        </p:cNvPr>
+        <p:cNvGrpSpPr/>
+        <p:nvPr/>
+      </p:nvGrpSpPr>
+      <p:grpSpPr>
+        <a:xfrm>
+          <a:off x="0" y="0"/>
+          <a:ext cx="0" cy="0"/>
+          <a:chOff x="0" y="0"/>
+          <a:chExt cx="0" cy="0"/>
+        </a:xfrm>
+      </p:grpSpPr>
+      <p:sp>
+        <p:nvSpPr>
+          <p:cNvPr id="2" name="제목 1">
+            <a:extLst>
+              <a:ext uri="{FF2B5EF4-FFF2-40B4-BE49-F238E27FC236}">
+                <a16:creationId xmlns:a16="http://schemas.microsoft.com/office/drawing/2014/main" id="{E03E84E0-2C22-F84C-DF81-05CB4CE74011}"/>
+              </a:ext>
+            </a:extLst>
+          </p:cNvPr>
+          <p:cNvSpPr>
+            <a:spLocks noGrp="1"/>
+          </p:cNvSpPr>
+          <p:nvPr>
+            <p:ph type="title"/>
+          </p:nvPr>
+        </p:nvSpPr>
+        <p:spPr/>
+        <p:txBody>
+          <a:bodyPr/>
+          <a:lstStyle/>
+          <a:p>
+            <a:r>
+              <a:rPr lang="en-US" altLang="ko-KR" dirty="0"/>
+              <a:t>Dragon-state</a:t>
+            </a:r>
+            <a:endParaRPr lang="ko-KR" altLang="en-US" dirty="0"/>
+          </a:p>
+        </p:txBody>
+      </p:sp>
+      <p:sp>
+        <p:nvSpPr>
+          <p:cNvPr id="3" name="내용 개체 틀 2">
+            <a:extLst>
+              <a:ext uri="{FF2B5EF4-FFF2-40B4-BE49-F238E27FC236}">
+                <a16:creationId xmlns:a16="http://schemas.microsoft.com/office/drawing/2014/main" id="{1990BECF-03CD-F3F3-082D-0A69C9D55158}"/>
+              </a:ext>
+            </a:extLst>
+          </p:cNvPr>
+          <p:cNvSpPr>
+            <a:spLocks noGrp="1"/>
+          </p:cNvSpPr>
+          <p:nvPr>
+            <p:ph idx="1"/>
+          </p:nvPr>
+        </p:nvSpPr>
+        <p:spPr/>
+        <p:txBody>
+          <a:bodyPr/>
+          <a:lstStyle/>
+          <a:p>
+            <a:endParaRPr lang="ko-KR" altLang="en-US"/>
+          </a:p>
+        </p:txBody>
+      </p:sp>
+    </p:spTree>
+    <p:extLst>
+      <p:ext uri="{BB962C8B-B14F-4D97-AF65-F5344CB8AC3E}">
+        <p14:creationId xmlns:p14="http://schemas.microsoft.com/office/powerpoint/2010/main" val="2248027415"/>
+      </p:ext>
+    </p:extLst>
+  </p:cSld>
+  <p:clrMapOvr>
+    <a:masterClrMapping/>
+  </p:clrMapOvr>
+</p:sld>
+</file>
+
+<file path=ppt/slides/slide18.xml><?xml version="1.0" encoding="utf-8"?>
+<p:sld xmlns:a="http://schemas.openxmlformats.org/drawingml/2006/main" xmlns:r="http://schemas.openxmlformats.org/officeDocument/2006/relationships" xmlns:p="http://schemas.openxmlformats.org/presentationml/2006/main">
+  <p:cSld>
+    <p:spTree>
+      <p:nvGrpSpPr>
+        <p:cNvPr id="1" name="">
+          <a:extLst>
+            <a:ext uri="{FF2B5EF4-FFF2-40B4-BE49-F238E27FC236}">
+              <a16:creationId xmlns:a16="http://schemas.microsoft.com/office/drawing/2014/main" id="{21E3A386-4ABF-7A9C-AC76-B5EC8A842DD7}"/>
+            </a:ext>
+          </a:extLst>
+        </p:cNvPr>
+        <p:cNvGrpSpPr/>
+        <p:nvPr/>
+      </p:nvGrpSpPr>
+      <p:grpSpPr>
+        <a:xfrm>
+          <a:off x="0" y="0"/>
+          <a:ext cx="0" cy="0"/>
+          <a:chOff x="0" y="0"/>
+          <a:chExt cx="0" cy="0"/>
+        </a:xfrm>
+      </p:grpSpPr>
+      <p:sp>
+        <p:nvSpPr>
+          <p:cNvPr id="2" name="제목 1">
+            <a:extLst>
+              <a:ext uri="{FF2B5EF4-FFF2-40B4-BE49-F238E27FC236}">
+                <a16:creationId xmlns:a16="http://schemas.microsoft.com/office/drawing/2014/main" id="{8DEC2983-F4AF-098B-5DDB-2CA8F92C70B0}"/>
+              </a:ext>
+            </a:extLst>
+          </p:cNvPr>
+          <p:cNvSpPr>
+            <a:spLocks noGrp="1"/>
+          </p:cNvSpPr>
+          <p:nvPr>
+            <p:ph type="title"/>
+          </p:nvPr>
+        </p:nvSpPr>
+        <p:spPr/>
+        <p:txBody>
+          <a:bodyPr/>
+          <a:lstStyle/>
+          <a:p>
+            <a:r>
+              <a:rPr lang="en-US" altLang="ko-KR" dirty="0"/>
+              <a:t>Cache eviction</a:t>
+            </a:r>
+            <a:endParaRPr lang="ko-KR" altLang="en-US" dirty="0"/>
+          </a:p>
+        </p:txBody>
+      </p:sp>
+      <p:sp>
+        <p:nvSpPr>
+          <p:cNvPr id="3" name="내용 개체 틀 2">
+            <a:extLst>
+              <a:ext uri="{FF2B5EF4-FFF2-40B4-BE49-F238E27FC236}">
+                <a16:creationId xmlns:a16="http://schemas.microsoft.com/office/drawing/2014/main" id="{5768E7D9-26C3-D8B8-A36F-63C01A21CE4E}"/>
+              </a:ext>
+            </a:extLst>
+          </p:cNvPr>
+          <p:cNvSpPr>
+            <a:spLocks noGrp="1"/>
+          </p:cNvSpPr>
+          <p:nvPr>
+            <p:ph idx="1"/>
+          </p:nvPr>
+        </p:nvSpPr>
+        <p:spPr/>
+        <p:txBody>
+          <a:bodyPr/>
+          <a:lstStyle/>
+          <a:p>
+            <a:pPr marL="0" indent="0">
+              <a:buNone/>
+            </a:pPr>
+            <a:r>
+              <a:rPr lang="en-US" altLang="ko-KR" dirty="0"/>
+              <a:t>When?</a:t>
+            </a:r>
+          </a:p>
+          <a:p>
+            <a:pPr marL="0" indent="0">
+              <a:buNone/>
+            </a:pPr>
+            <a:r>
+              <a:rPr lang="en-US" altLang="ko-KR" dirty="0"/>
+              <a:t>Cache miss.</a:t>
+            </a:r>
+          </a:p>
+          <a:p>
+            <a:pPr marL="0" indent="0">
+              <a:buNone/>
+            </a:pPr>
+            <a:r>
+              <a:rPr lang="en-US" altLang="ko-KR" dirty="0"/>
+              <a:t>Who?</a:t>
+            </a:r>
+          </a:p>
+          <a:p>
+            <a:pPr marL="0" indent="0">
+              <a:buNone/>
+            </a:pPr>
+            <a:r>
+              <a:rPr lang="en-US" altLang="ko-KR" dirty="0"/>
+              <a:t>By LRU policy, last recently used cache line, but we check ‘invalid’ first.</a:t>
+            </a:r>
+          </a:p>
+          <a:p>
+            <a:pPr marL="0" indent="0">
+              <a:buNone/>
+            </a:pPr>
+            <a:r>
+              <a:rPr lang="en-US" altLang="ko-KR" sz="2000" dirty="0"/>
+              <a:t>If we make other cache line to ‘invalid’, move the cache line to LRU tail.(</a:t>
+            </a:r>
+            <a:r>
+              <a:rPr lang="en-US" altLang="ko-KR" sz="2000" dirty="0" err="1">
+                <a:solidFill>
+                  <a:schemeClr val="accent2"/>
+                </a:solidFill>
+              </a:rPr>
+              <a:t>set.splice</a:t>
+            </a:r>
+            <a:r>
+              <a:rPr lang="en-US" altLang="ko-KR" sz="2000" dirty="0">
+                <a:solidFill>
+                  <a:schemeClr val="accent2"/>
+                </a:solidFill>
+              </a:rPr>
+              <a:t>(</a:t>
+            </a:r>
+            <a:r>
+              <a:rPr lang="en-US" altLang="ko-KR" sz="2000" dirty="0" err="1">
+                <a:solidFill>
+                  <a:schemeClr val="accent2"/>
+                </a:solidFill>
+              </a:rPr>
+              <a:t>set.end</a:t>
+            </a:r>
+            <a:r>
+              <a:rPr lang="en-US" altLang="ko-KR" sz="2000" dirty="0">
+                <a:solidFill>
+                  <a:schemeClr val="accent2"/>
+                </a:solidFill>
+              </a:rPr>
+              <a:t>(), set, it); </a:t>
+            </a:r>
+            <a:r>
+              <a:rPr lang="en-US" altLang="ko-KR" sz="2000" dirty="0"/>
+              <a:t>)</a:t>
+            </a:r>
+            <a:endParaRPr lang="en-US" altLang="ko-KR" sz="2000" dirty="0">
+              <a:solidFill>
+                <a:schemeClr val="accent2"/>
+              </a:solidFill>
+            </a:endParaRPr>
+          </a:p>
+          <a:p>
+            <a:pPr marL="0" indent="0">
+              <a:buNone/>
+            </a:pPr>
+            <a:endParaRPr lang="en-US" altLang="ko-KR" dirty="0"/>
+          </a:p>
+        </p:txBody>
+      </p:sp>
+    </p:spTree>
+    <p:extLst>
+      <p:ext uri="{BB962C8B-B14F-4D97-AF65-F5344CB8AC3E}">
+        <p14:creationId xmlns:p14="http://schemas.microsoft.com/office/powerpoint/2010/main" val="3002452453"/>
+      </p:ext>
+    </p:extLst>
+  </p:cSld>
+  <p:clrMapOvr>
+    <a:masterClrMapping/>
+  </p:clrMapOvr>
+</p:sld>
+</file>
+
+<file path=ppt/slides/slide19.xml><?xml version="1.0" encoding="utf-8"?>
+<p:sld xmlns:a="http://schemas.openxmlformats.org/drawingml/2006/main" xmlns:r="http://schemas.openxmlformats.org/officeDocument/2006/relationships" xmlns:p="http://schemas.openxmlformats.org/presentationml/2006/main">
+  <p:cSld>
+    <p:spTree>
+      <p:nvGrpSpPr>
+        <p:cNvPr id="1" name="">
+          <a:extLst>
+            <a:ext uri="{FF2B5EF4-FFF2-40B4-BE49-F238E27FC236}">
+              <a16:creationId xmlns:a16="http://schemas.microsoft.com/office/drawing/2014/main" id="{BD86CEC6-2979-0A1E-5CA4-25010ABCD73B}"/>
+            </a:ext>
+          </a:extLst>
+        </p:cNvPr>
+        <p:cNvGrpSpPr/>
+        <p:nvPr/>
+      </p:nvGrpSpPr>
+      <p:grpSpPr>
+        <a:xfrm>
+          <a:off x="0" y="0"/>
+          <a:ext cx="0" cy="0"/>
+          <a:chOff x="0" y="0"/>
+          <a:chExt cx="0" cy="0"/>
+        </a:xfrm>
+      </p:grpSpPr>
+      <p:sp>
+        <p:nvSpPr>
+          <p:cNvPr id="2" name="제목 1">
+            <a:extLst>
+              <a:ext uri="{FF2B5EF4-FFF2-40B4-BE49-F238E27FC236}">
+                <a16:creationId xmlns:a16="http://schemas.microsoft.com/office/drawing/2014/main" id="{81332FC3-9E98-52AC-5773-AF7E56F1E5E9}"/>
+              </a:ext>
+            </a:extLst>
+          </p:cNvPr>
+          <p:cNvSpPr>
+            <a:spLocks noGrp="1"/>
+          </p:cNvSpPr>
+          <p:nvPr>
+            <p:ph type="title"/>
+          </p:nvPr>
+        </p:nvSpPr>
+        <p:spPr/>
+        <p:txBody>
+          <a:bodyPr/>
+          <a:lstStyle/>
+          <a:p>
+            <a:r>
+              <a:rPr lang="en-US" altLang="ko-KR" dirty="0"/>
+              <a:t>Functions</a:t>
+            </a:r>
+            <a:endParaRPr lang="ko-KR" altLang="en-US" dirty="0"/>
+          </a:p>
+        </p:txBody>
+      </p:sp>
+      <p:sp>
+        <p:nvSpPr>
+          <p:cNvPr id="3" name="내용 개체 틀 2">
+            <a:extLst>
+              <a:ext uri="{FF2B5EF4-FFF2-40B4-BE49-F238E27FC236}">
+                <a16:creationId xmlns:a16="http://schemas.microsoft.com/office/drawing/2014/main" id="{709F29CC-571D-0902-AAF4-214A38E77596}"/>
+              </a:ext>
+            </a:extLst>
+          </p:cNvPr>
+          <p:cNvSpPr>
+            <a:spLocks noGrp="1"/>
+          </p:cNvSpPr>
+          <p:nvPr>
+            <p:ph idx="1"/>
+          </p:nvPr>
+        </p:nvSpPr>
+        <p:spPr/>
+        <p:txBody>
+          <a:bodyPr/>
+          <a:lstStyle/>
+          <a:p>
+            <a:pPr marL="0" indent="0">
+              <a:buNone/>
+            </a:pPr>
+            <a:r>
+              <a:rPr lang="en-US" altLang="ko-KR" sz="2400" dirty="0" err="1"/>
+              <a:t>Cache.access</a:t>
+            </a:r>
+            <a:r>
+              <a:rPr lang="en-US" altLang="ko-KR" sz="2400" dirty="0"/>
+              <a:t> : return cache line’s MESI state or when miss, return false</a:t>
+            </a:r>
+          </a:p>
+          <a:p>
+            <a:pPr marL="0" indent="0">
+              <a:buNone/>
+            </a:pPr>
+            <a:r>
+              <a:rPr lang="en-US" altLang="ko-KR" sz="2400" dirty="0" err="1"/>
+              <a:t>Cache.update</a:t>
+            </a:r>
+            <a:r>
+              <a:rPr lang="en-US" altLang="ko-KR" sz="2400" dirty="0"/>
+              <a:t> : update cache line to input MESI state. If cache line is not cached, replace by using LRU.</a:t>
+            </a:r>
+          </a:p>
+          <a:p>
+            <a:pPr marL="0" indent="0">
+              <a:buNone/>
+            </a:pPr>
+            <a:r>
+              <a:rPr lang="en-US" altLang="ko-KR" sz="2400" dirty="0" err="1"/>
+              <a:t>Cache.Bus_invalid</a:t>
+            </a:r>
+            <a:r>
+              <a:rPr lang="en-US" altLang="ko-KR" sz="2400" dirty="0"/>
+              <a:t> : invalid other cache lines. </a:t>
+            </a:r>
+            <a:r>
+              <a:rPr lang="en-US" altLang="ko-KR" sz="2400"/>
+              <a:t>For implementing M-state.</a:t>
+            </a:r>
+          </a:p>
+          <a:p>
+            <a:pPr marL="0" indent="0">
+              <a:buNone/>
+            </a:pPr>
+            <a:endParaRPr lang="en-US" altLang="ko-KR" sz="2400" dirty="0"/>
+          </a:p>
+          <a:p>
+            <a:pPr marL="0" indent="0">
+              <a:buNone/>
+            </a:pPr>
+            <a:endParaRPr lang="en-US" altLang="ko-KR" sz="2400" dirty="0"/>
+          </a:p>
+          <a:p>
+            <a:pPr marL="0" indent="0">
+              <a:buNone/>
+            </a:pPr>
+            <a:endParaRPr lang="en-US" altLang="ko-KR" dirty="0"/>
+          </a:p>
+        </p:txBody>
+      </p:sp>
+    </p:spTree>
+    <p:extLst>
+      <p:ext uri="{BB962C8B-B14F-4D97-AF65-F5344CB8AC3E}">
+        <p14:creationId xmlns:p14="http://schemas.microsoft.com/office/powerpoint/2010/main" val="4264938509"/>
+      </p:ext>
+    </p:extLst>
+  </p:cSld>
+  <p:clrMapOvr>
+    <a:masterClrMapping/>
+  </p:clrMapOvr>
+</p:sld>
+</file>
+
 <file path=ppt/slides/slide2.xml><?xml version="1.0" encoding="utf-8"?>
 <p:sld xmlns:a="http://schemas.openxmlformats.org/drawingml/2006/main" xmlns:r="http://schemas.openxmlformats.org/officeDocument/2006/relationships" xmlns:p="http://schemas.openxmlformats.org/presentationml/2006/main">
   <p:cSld>
@@ -7105,21 +8978,33 @@
             </a:r>
           </a:p>
           <a:p>
+            <a:pPr marL="285750" indent="-285750">
+              <a:buFont typeface="Wingdings" panose="05000000000000000000" pitchFamily="2" charset="2"/>
+              <a:buChar char="è"/>
+            </a:pPr>
             <a:r>
               <a:rPr lang="en-US" altLang="ko-KR" dirty="0"/>
-              <a:t>-&gt; label, data = Read lines</a:t>
+              <a:t>label, data = Read lines</a:t>
             </a:r>
           </a:p>
           <a:p>
             <a:r>
               <a:rPr lang="en-US" altLang="ko-KR" dirty="0"/>
-              <a:t>(case)</a:t>
+              <a:t>(case) // define target cycles by corresponding labels</a:t>
             </a:r>
           </a:p>
           <a:p>
             <a:r>
               <a:rPr lang="en-US" altLang="ko-KR" dirty="0"/>
-              <a:t>Label 0 : memory access and mutex lock. and Set “</a:t>
+              <a:t>Label 0 : Cache access, bus </a:t>
+            </a:r>
+            <a:r>
+              <a:rPr lang="en-US" altLang="ko-KR" dirty="0" err="1"/>
+              <a:t>access.then</a:t>
+            </a:r>
+            <a:r>
+              <a:rPr lang="en-US" altLang="ko-KR" dirty="0"/>
+              <a:t> set target cycles. Set “</a:t>
             </a:r>
             <a:r>
               <a:rPr lang="en-US" altLang="ko-KR" dirty="0" err="1"/>
@@ -7133,7 +9018,15 @@
           <a:p>
             <a:r>
               <a:rPr lang="en-US" altLang="ko-KR" dirty="0"/>
-              <a:t>Label 1 : memory access and mutex lock. And Set “</a:t>
+              <a:t>Label 1 : Cache access, bus </a:t>
+            </a:r>
+            <a:r>
+              <a:rPr lang="en-US" altLang="ko-KR" dirty="0" err="1"/>
+              <a:t>access.then</a:t>
+            </a:r>
+            <a:r>
+              <a:rPr lang="en-US" altLang="ko-KR" dirty="0"/>
+              <a:t> set target cycles. Set “</a:t>
             </a:r>
             <a:r>
               <a:rPr lang="en-US" altLang="ko-KR" dirty="0" err="1"/>
